--- a/Zwischenpräsentationen/MS1 Präsentation.pptx
+++ b/Zwischenpräsentationen/MS1 Präsentation.pptx
@@ -175,7 +175,7 @@
           <a:noFill/>
           <a:extLst>
             <a:ext uri="{909E8E84-426E-40dd-AFC4-6F175D3DCCD1}">
-              <a14:hiddenFill xmlns:a14="http://schemas.microsoft.com/office/drawing/2010/main" xmlns="">
+              <a14:hiddenFill xmlns="" xmlns:a14="http://schemas.microsoft.com/office/drawing/2010/main">
                 <a:solidFill>
                   <a:srgbClr val="FFFFFF"/>
                 </a:solidFill>
@@ -234,7 +234,7 @@
             </a:ln>
             <a:extLst>
               <a:ext uri="{91240B29-F687-4f45-9708-019B960494DF}">
-                <a14:hiddenLine xmlns:a14="http://schemas.microsoft.com/office/drawing/2010/main" xmlns="" w="9525">
+                <a14:hiddenLine xmlns="" xmlns:a14="http://schemas.microsoft.com/office/drawing/2010/main" w="9525">
                   <a:solidFill>
                     <a:srgbClr val="000000"/>
                   </a:solidFill>
@@ -324,7 +324,7 @@
             </a:ln>
             <a:extLst>
               <a:ext uri="{91240B29-F687-4f45-9708-019B960494DF}">
-                <a14:hiddenLine xmlns:a14="http://schemas.microsoft.com/office/drawing/2010/main" xmlns="" w="9525">
+                <a14:hiddenLine xmlns="" xmlns:a14="http://schemas.microsoft.com/office/drawing/2010/main" w="9525">
                   <a:solidFill>
                     <a:srgbClr val="000000"/>
                   </a:solidFill>
@@ -414,7 +414,7 @@
             </a:ln>
             <a:extLst>
               <a:ext uri="{91240B29-F687-4f45-9708-019B960494DF}">
-                <a14:hiddenLine xmlns:a14="http://schemas.microsoft.com/office/drawing/2010/main" xmlns="" w="9525">
+                <a14:hiddenLine xmlns="" xmlns:a14="http://schemas.microsoft.com/office/drawing/2010/main" w="9525">
                   <a:solidFill>
                     <a:srgbClr val="000000"/>
                   </a:solidFill>
@@ -448,7 +448,7 @@
             </a:ln>
             <a:extLst>
               <a:ext uri="{91240B29-F687-4f45-9708-019B960494DF}">
-                <a14:hiddenLine xmlns:a14="http://schemas.microsoft.com/office/drawing/2010/main" xmlns="" w="9525">
+                <a14:hiddenLine xmlns="" xmlns:a14="http://schemas.microsoft.com/office/drawing/2010/main" w="9525">
                   <a:solidFill>
                     <a:srgbClr val="000000"/>
                   </a:solidFill>
@@ -538,7 +538,7 @@
             </a:ln>
             <a:extLst>
               <a:ext uri="{91240B29-F687-4f45-9708-019B960494DF}">
-                <a14:hiddenLine xmlns:a14="http://schemas.microsoft.com/office/drawing/2010/main" xmlns="" w="9525">
+                <a14:hiddenLine xmlns="" xmlns:a14="http://schemas.microsoft.com/office/drawing/2010/main" w="9525">
                   <a:solidFill>
                     <a:srgbClr val="000000"/>
                   </a:solidFill>
@@ -600,7 +600,7 @@
             </a:ln>
             <a:extLst>
               <a:ext uri="{91240B29-F687-4f45-9708-019B960494DF}">
-                <a14:hiddenLine xmlns:a14="http://schemas.microsoft.com/office/drawing/2010/main" xmlns="" w="9525">
+                <a14:hiddenLine xmlns="" xmlns:a14="http://schemas.microsoft.com/office/drawing/2010/main" w="9525">
                   <a:solidFill>
                     <a:srgbClr val="000000"/>
                   </a:solidFill>
@@ -662,7 +662,7 @@
             </a:ln>
             <a:extLst>
               <a:ext uri="{91240B29-F687-4f45-9708-019B960494DF}">
-                <a14:hiddenLine xmlns:a14="http://schemas.microsoft.com/office/drawing/2010/main" xmlns="" w="9525">
+                <a14:hiddenLine xmlns="" xmlns:a14="http://schemas.microsoft.com/office/drawing/2010/main" w="9525">
                   <a:solidFill>
                     <a:srgbClr val="000000"/>
                   </a:solidFill>
@@ -752,7 +752,7 @@
             </a:ln>
             <a:extLst>
               <a:ext uri="{91240B29-F687-4f45-9708-019B960494DF}">
-                <a14:hiddenLine xmlns:a14="http://schemas.microsoft.com/office/drawing/2010/main" xmlns="" w="9525">
+                <a14:hiddenLine xmlns="" xmlns:a14="http://schemas.microsoft.com/office/drawing/2010/main" w="9525">
                   <a:solidFill>
                     <a:srgbClr val="000000"/>
                   </a:solidFill>
@@ -814,7 +814,7 @@
             </a:ln>
             <a:extLst>
               <a:ext uri="{91240B29-F687-4f45-9708-019B960494DF}">
-                <a14:hiddenLine xmlns:a14="http://schemas.microsoft.com/office/drawing/2010/main" xmlns="" w="9525">
+                <a14:hiddenLine xmlns="" xmlns:a14="http://schemas.microsoft.com/office/drawing/2010/main" w="9525">
                   <a:solidFill>
                     <a:srgbClr val="000000"/>
                   </a:solidFill>
@@ -876,7 +876,7 @@
             </a:ln>
             <a:extLst>
               <a:ext uri="{91240B29-F687-4f45-9708-019B960494DF}">
-                <a14:hiddenLine xmlns:a14="http://schemas.microsoft.com/office/drawing/2010/main" xmlns="" w="9525">
+                <a14:hiddenLine xmlns="" xmlns:a14="http://schemas.microsoft.com/office/drawing/2010/main" w="9525">
                   <a:solidFill>
                     <a:srgbClr val="000000"/>
                   </a:solidFill>
@@ -966,7 +966,7 @@
             </a:ln>
             <a:extLst>
               <a:ext uri="{91240B29-F687-4f45-9708-019B960494DF}">
-                <a14:hiddenLine xmlns:a14="http://schemas.microsoft.com/office/drawing/2010/main" xmlns="" w="9525">
+                <a14:hiddenLine xmlns="" xmlns:a14="http://schemas.microsoft.com/office/drawing/2010/main" w="9525">
                   <a:solidFill>
                     <a:srgbClr val="000000"/>
                   </a:solidFill>
@@ -1056,7 +1056,7 @@
             </a:ln>
             <a:extLst>
               <a:ext uri="{91240B29-F687-4f45-9708-019B960494DF}">
-                <a14:hiddenLine xmlns:a14="http://schemas.microsoft.com/office/drawing/2010/main" xmlns="" w="9525">
+                <a14:hiddenLine xmlns="" xmlns:a14="http://schemas.microsoft.com/office/drawing/2010/main" w="9525">
                   <a:solidFill>
                     <a:srgbClr val="000000"/>
                   </a:solidFill>
@@ -1118,7 +1118,7 @@
             </a:ln>
             <a:extLst>
               <a:ext uri="{91240B29-F687-4f45-9708-019B960494DF}">
-                <a14:hiddenLine xmlns:a14="http://schemas.microsoft.com/office/drawing/2010/main" xmlns="" w="9525">
+                <a14:hiddenLine xmlns="" xmlns:a14="http://schemas.microsoft.com/office/drawing/2010/main" w="9525">
                   <a:solidFill>
                     <a:srgbClr val="000000"/>
                   </a:solidFill>
@@ -1228,7 +1228,7 @@
             </a:ln>
             <a:extLst>
               <a:ext uri="{91240B29-F687-4f45-9708-019B960494DF}">
-                <a14:hiddenLine xmlns:a14="http://schemas.microsoft.com/office/drawing/2010/main" xmlns="" w="9525">
+                <a14:hiddenLine xmlns="" xmlns:a14="http://schemas.microsoft.com/office/drawing/2010/main" w="9525">
                   <a:solidFill>
                     <a:srgbClr val="000000"/>
                   </a:solidFill>
@@ -1290,7 +1290,7 @@
             </a:ln>
             <a:extLst>
               <a:ext uri="{91240B29-F687-4f45-9708-019B960494DF}">
-                <a14:hiddenLine xmlns:a14="http://schemas.microsoft.com/office/drawing/2010/main" xmlns="" w="9525">
+                <a14:hiddenLine xmlns="" xmlns:a14="http://schemas.microsoft.com/office/drawing/2010/main" w="9525">
                   <a:solidFill>
                     <a:srgbClr val="000000"/>
                   </a:solidFill>
@@ -1380,7 +1380,7 @@
             </a:ln>
             <a:extLst>
               <a:ext uri="{91240B29-F687-4f45-9708-019B960494DF}">
-                <a14:hiddenLine xmlns:a14="http://schemas.microsoft.com/office/drawing/2010/main" xmlns="" w="9525">
+                <a14:hiddenLine xmlns="" xmlns:a14="http://schemas.microsoft.com/office/drawing/2010/main" w="9525">
                   <a:solidFill>
                     <a:srgbClr val="000000"/>
                   </a:solidFill>
@@ -1470,7 +1470,7 @@
             </a:ln>
             <a:extLst>
               <a:ext uri="{91240B29-F687-4f45-9708-019B960494DF}">
-                <a14:hiddenLine xmlns:a14="http://schemas.microsoft.com/office/drawing/2010/main" xmlns="" w="9525">
+                <a14:hiddenLine xmlns="" xmlns:a14="http://schemas.microsoft.com/office/drawing/2010/main" w="9525">
                   <a:solidFill>
                     <a:srgbClr val="000000"/>
                   </a:solidFill>
@@ -1532,7 +1532,7 @@
             </a:ln>
             <a:extLst>
               <a:ext uri="{91240B29-F687-4f45-9708-019B960494DF}">
-                <a14:hiddenLine xmlns:a14="http://schemas.microsoft.com/office/drawing/2010/main" xmlns="" w="9525">
+                <a14:hiddenLine xmlns="" xmlns:a14="http://schemas.microsoft.com/office/drawing/2010/main" w="9525">
                   <a:solidFill>
                     <a:srgbClr val="000000"/>
                   </a:solidFill>
@@ -1622,7 +1622,7 @@
             </a:ln>
             <a:extLst>
               <a:ext uri="{91240B29-F687-4f45-9708-019B960494DF}">
-                <a14:hiddenLine xmlns:a14="http://schemas.microsoft.com/office/drawing/2010/main" xmlns="" w="9525">
+                <a14:hiddenLine xmlns="" xmlns:a14="http://schemas.microsoft.com/office/drawing/2010/main" w="9525">
                   <a:solidFill>
                     <a:srgbClr val="000000"/>
                   </a:solidFill>
@@ -1712,7 +1712,7 @@
             </a:ln>
             <a:extLst>
               <a:ext uri="{91240B29-F687-4f45-9708-019B960494DF}">
-                <a14:hiddenLine xmlns:a14="http://schemas.microsoft.com/office/drawing/2010/main" xmlns="" w="9525">
+                <a14:hiddenLine xmlns="" xmlns:a14="http://schemas.microsoft.com/office/drawing/2010/main" w="9525">
                   <a:solidFill>
                     <a:srgbClr val="000000"/>
                   </a:solidFill>
@@ -1768,7 +1768,7 @@
             </a:ln>
             <a:extLst>
               <a:ext uri="{91240B29-F687-4f45-9708-019B960494DF}">
-                <a14:hiddenLine xmlns:a14="http://schemas.microsoft.com/office/drawing/2010/main" xmlns="" w="9525">
+                <a14:hiddenLine xmlns="" xmlns:a14="http://schemas.microsoft.com/office/drawing/2010/main" w="9525">
                   <a:solidFill>
                     <a:srgbClr val="000000"/>
                   </a:solidFill>
@@ -1858,7 +1858,7 @@
             </a:ln>
             <a:extLst>
               <a:ext uri="{91240B29-F687-4f45-9708-019B960494DF}">
-                <a14:hiddenLine xmlns:a14="http://schemas.microsoft.com/office/drawing/2010/main" xmlns="" w="9525">
+                <a14:hiddenLine xmlns="" xmlns:a14="http://schemas.microsoft.com/office/drawing/2010/main" w="9525">
                   <a:solidFill>
                     <a:srgbClr val="000000"/>
                   </a:solidFill>
@@ -1914,7 +1914,7 @@
             </a:ln>
             <a:extLst>
               <a:ext uri="{91240B29-F687-4f45-9708-019B960494DF}">
-                <a14:hiddenLine xmlns:a14="http://schemas.microsoft.com/office/drawing/2010/main" xmlns="" w="9525">
+                <a14:hiddenLine xmlns="" xmlns:a14="http://schemas.microsoft.com/office/drawing/2010/main" w="9525">
                   <a:solidFill>
                     <a:srgbClr val="000000"/>
                   </a:solidFill>
@@ -2004,7 +2004,7 @@
             </a:ln>
             <a:extLst>
               <a:ext uri="{91240B29-F687-4f45-9708-019B960494DF}">
-                <a14:hiddenLine xmlns:a14="http://schemas.microsoft.com/office/drawing/2010/main" xmlns="" w="9525">
+                <a14:hiddenLine xmlns="" xmlns:a14="http://schemas.microsoft.com/office/drawing/2010/main" w="9525">
                   <a:solidFill>
                     <a:srgbClr val="000000"/>
                   </a:solidFill>
@@ -2072,7 +2072,7 @@
             </a:ln>
             <a:extLst>
               <a:ext uri="{91240B29-F687-4f45-9708-019B960494DF}">
-                <a14:hiddenLine xmlns:a14="http://schemas.microsoft.com/office/drawing/2010/main" xmlns="" w="9525">
+                <a14:hiddenLine xmlns="" xmlns:a14="http://schemas.microsoft.com/office/drawing/2010/main" w="9525">
                   <a:solidFill>
                     <a:srgbClr val="000000"/>
                   </a:solidFill>
@@ -2162,7 +2162,7 @@
             </a:ln>
             <a:extLst>
               <a:ext uri="{91240B29-F687-4f45-9708-019B960494DF}">
-                <a14:hiddenLine xmlns:a14="http://schemas.microsoft.com/office/drawing/2010/main" xmlns="" w="9525">
+                <a14:hiddenLine xmlns="" xmlns:a14="http://schemas.microsoft.com/office/drawing/2010/main" w="9525">
                   <a:solidFill>
                     <a:srgbClr val="000000"/>
                   </a:solidFill>
@@ -2230,7 +2230,7 @@
             </a:ln>
             <a:extLst>
               <a:ext uri="{91240B29-F687-4f45-9708-019B960494DF}">
-                <a14:hiddenLine xmlns:a14="http://schemas.microsoft.com/office/drawing/2010/main" xmlns="" w="9525">
+                <a14:hiddenLine xmlns="" xmlns:a14="http://schemas.microsoft.com/office/drawing/2010/main" w="9525">
                   <a:solidFill>
                     <a:srgbClr val="000000"/>
                   </a:solidFill>
@@ -2320,7 +2320,7 @@
             </a:ln>
             <a:extLst>
               <a:ext uri="{91240B29-F687-4f45-9708-019B960494DF}">
-                <a14:hiddenLine xmlns:a14="http://schemas.microsoft.com/office/drawing/2010/main" xmlns="" w="9525">
+                <a14:hiddenLine xmlns="" xmlns:a14="http://schemas.microsoft.com/office/drawing/2010/main" w="9525">
                   <a:solidFill>
                     <a:srgbClr val="000000"/>
                   </a:solidFill>
@@ -2354,7 +2354,7 @@
             </a:ln>
             <a:extLst>
               <a:ext uri="{91240B29-F687-4f45-9708-019B960494DF}">
-                <a14:hiddenLine xmlns:a14="http://schemas.microsoft.com/office/drawing/2010/main" xmlns="" w="9525">
+                <a14:hiddenLine xmlns="" xmlns:a14="http://schemas.microsoft.com/office/drawing/2010/main" w="9525">
                   <a:solidFill>
                     <a:srgbClr val="000000"/>
                   </a:solidFill>
@@ -2444,7 +2444,7 @@
             </a:ln>
             <a:extLst>
               <a:ext uri="{91240B29-F687-4f45-9708-019B960494DF}">
-                <a14:hiddenLine xmlns:a14="http://schemas.microsoft.com/office/drawing/2010/main" xmlns="" w="9525">
+                <a14:hiddenLine xmlns="" xmlns:a14="http://schemas.microsoft.com/office/drawing/2010/main" w="9525">
                   <a:solidFill>
                     <a:srgbClr val="000000"/>
                   </a:solidFill>
@@ -2506,7 +2506,7 @@
             </a:ln>
             <a:extLst>
               <a:ext uri="{91240B29-F687-4f45-9708-019B960494DF}">
-                <a14:hiddenLine xmlns:a14="http://schemas.microsoft.com/office/drawing/2010/main" xmlns="" w="9525">
+                <a14:hiddenLine xmlns="" xmlns:a14="http://schemas.microsoft.com/office/drawing/2010/main" w="9525">
                   <a:solidFill>
                     <a:srgbClr val="000000"/>
                   </a:solidFill>
@@ -2568,7 +2568,7 @@
             </a:ln>
             <a:extLst>
               <a:ext uri="{91240B29-F687-4f45-9708-019B960494DF}">
-                <a14:hiddenLine xmlns:a14="http://schemas.microsoft.com/office/drawing/2010/main" xmlns="" w="9525">
+                <a14:hiddenLine xmlns="" xmlns:a14="http://schemas.microsoft.com/office/drawing/2010/main" w="9525">
                   <a:solidFill>
                     <a:srgbClr val="000000"/>
                   </a:solidFill>
@@ -2658,7 +2658,7 @@
             </a:ln>
             <a:extLst>
               <a:ext uri="{91240B29-F687-4f45-9708-019B960494DF}">
-                <a14:hiddenLine xmlns:a14="http://schemas.microsoft.com/office/drawing/2010/main" xmlns="" w="9525">
+                <a14:hiddenLine xmlns="" xmlns:a14="http://schemas.microsoft.com/office/drawing/2010/main" w="9525">
                   <a:solidFill>
                     <a:srgbClr val="000000"/>
                   </a:solidFill>
@@ -2726,7 +2726,7 @@
             </a:ln>
             <a:extLst>
               <a:ext uri="{91240B29-F687-4f45-9708-019B960494DF}">
-                <a14:hiddenLine xmlns:a14="http://schemas.microsoft.com/office/drawing/2010/main" xmlns="" w="9525">
+                <a14:hiddenLine xmlns="" xmlns:a14="http://schemas.microsoft.com/office/drawing/2010/main" w="9525">
                   <a:solidFill>
                     <a:srgbClr val="000000"/>
                   </a:solidFill>
@@ -2788,7 +2788,7 @@
             </a:ln>
             <a:extLst>
               <a:ext uri="{91240B29-F687-4f45-9708-019B960494DF}">
-                <a14:hiddenLine xmlns:a14="http://schemas.microsoft.com/office/drawing/2010/main" xmlns="" w="9525">
+                <a14:hiddenLine xmlns="" xmlns:a14="http://schemas.microsoft.com/office/drawing/2010/main" w="9525">
                   <a:solidFill>
                     <a:srgbClr val="000000"/>
                   </a:solidFill>
@@ -2878,7 +2878,7 @@
             </a:ln>
             <a:extLst>
               <a:ext uri="{91240B29-F687-4f45-9708-019B960494DF}">
-                <a14:hiddenLine xmlns:a14="http://schemas.microsoft.com/office/drawing/2010/main" xmlns="" w="9525">
+                <a14:hiddenLine xmlns="" xmlns:a14="http://schemas.microsoft.com/office/drawing/2010/main" w="9525">
                   <a:solidFill>
                     <a:srgbClr val="000000"/>
                   </a:solidFill>
@@ -2940,7 +2940,7 @@
             </a:ln>
             <a:extLst>
               <a:ext uri="{91240B29-F687-4f45-9708-019B960494DF}">
-                <a14:hiddenLine xmlns:a14="http://schemas.microsoft.com/office/drawing/2010/main" xmlns="" w="9525">
+                <a14:hiddenLine xmlns="" xmlns:a14="http://schemas.microsoft.com/office/drawing/2010/main" w="9525">
                   <a:solidFill>
                     <a:srgbClr val="000000"/>
                   </a:solidFill>
@@ -3030,7 +3030,7 @@
             </a:ln>
             <a:extLst>
               <a:ext uri="{91240B29-F687-4f45-9708-019B960494DF}">
-                <a14:hiddenLine xmlns:a14="http://schemas.microsoft.com/office/drawing/2010/main" xmlns="" w="9525">
+                <a14:hiddenLine xmlns="" xmlns:a14="http://schemas.microsoft.com/office/drawing/2010/main" w="9525">
                   <a:solidFill>
                     <a:srgbClr val="000000"/>
                   </a:solidFill>
@@ -3092,7 +3092,7 @@
             </a:ln>
             <a:extLst>
               <a:ext uri="{91240B29-F687-4f45-9708-019B960494DF}">
-                <a14:hiddenLine xmlns:a14="http://schemas.microsoft.com/office/drawing/2010/main" xmlns="" w="9525">
+                <a14:hiddenLine xmlns="" xmlns:a14="http://schemas.microsoft.com/office/drawing/2010/main" w="9525">
                   <a:solidFill>
                     <a:srgbClr val="000000"/>
                   </a:solidFill>
@@ -3182,7 +3182,7 @@
             </a:ln>
             <a:extLst>
               <a:ext uri="{91240B29-F687-4f45-9708-019B960494DF}">
-                <a14:hiddenLine xmlns:a14="http://schemas.microsoft.com/office/drawing/2010/main" xmlns="" w="9525">
+                <a14:hiddenLine xmlns="" xmlns:a14="http://schemas.microsoft.com/office/drawing/2010/main" w="9525">
                   <a:solidFill>
                     <a:srgbClr val="000000"/>
                   </a:solidFill>
@@ -3216,7 +3216,7 @@
             </a:ln>
             <a:extLst>
               <a:ext uri="{91240B29-F687-4f45-9708-019B960494DF}">
-                <a14:hiddenLine xmlns:a14="http://schemas.microsoft.com/office/drawing/2010/main" xmlns="" w="9525">
+                <a14:hiddenLine xmlns="" xmlns:a14="http://schemas.microsoft.com/office/drawing/2010/main" w="9525">
                   <a:solidFill>
                     <a:srgbClr val="000000"/>
                   </a:solidFill>
@@ -3281,7 +3281,7 @@
             </a:ln>
             <a:extLst>
               <a:ext uri="{91240B29-F687-4f45-9708-019B960494DF}">
-                <a14:hiddenLine xmlns:a14="http://schemas.microsoft.com/office/drawing/2010/main" xmlns="" w="9525">
+                <a14:hiddenLine xmlns="" xmlns:a14="http://schemas.microsoft.com/office/drawing/2010/main" w="9525">
                   <a:solidFill>
                     <a:srgbClr val="000000"/>
                   </a:solidFill>
@@ -3371,7 +3371,7 @@
             </a:ln>
             <a:extLst>
               <a:ext uri="{91240B29-F687-4f45-9708-019B960494DF}">
-                <a14:hiddenLine xmlns:a14="http://schemas.microsoft.com/office/drawing/2010/main" xmlns="" w="9525">
+                <a14:hiddenLine xmlns="" xmlns:a14="http://schemas.microsoft.com/office/drawing/2010/main" w="9525">
                   <a:solidFill>
                     <a:srgbClr val="000000"/>
                   </a:solidFill>
@@ -3433,7 +3433,7 @@
             </a:ln>
             <a:extLst>
               <a:ext uri="{91240B29-F687-4f45-9708-019B960494DF}">
-                <a14:hiddenLine xmlns:a14="http://schemas.microsoft.com/office/drawing/2010/main" xmlns="" w="9525">
+                <a14:hiddenLine xmlns="" xmlns:a14="http://schemas.microsoft.com/office/drawing/2010/main" w="9525">
                   <a:solidFill>
                     <a:srgbClr val="000000"/>
                   </a:solidFill>
@@ -3523,7 +3523,7 @@
             </a:ln>
             <a:extLst>
               <a:ext uri="{91240B29-F687-4f45-9708-019B960494DF}">
-                <a14:hiddenLine xmlns:a14="http://schemas.microsoft.com/office/drawing/2010/main" xmlns="" w="9525">
+                <a14:hiddenLine xmlns="" xmlns:a14="http://schemas.microsoft.com/office/drawing/2010/main" w="9525">
                   <a:solidFill>
                     <a:srgbClr val="000000"/>
                   </a:solidFill>
@@ -3613,7 +3613,7 @@
             </a:ln>
             <a:extLst>
               <a:ext uri="{91240B29-F687-4f45-9708-019B960494DF}">
-                <a14:hiddenLine xmlns:a14="http://schemas.microsoft.com/office/drawing/2010/main" xmlns="" w="9525">
+                <a14:hiddenLine xmlns="" xmlns:a14="http://schemas.microsoft.com/office/drawing/2010/main" w="9525">
                   <a:solidFill>
                     <a:srgbClr val="000000"/>
                   </a:solidFill>
@@ -3678,7 +3678,7 @@
             </a:ln>
             <a:extLst>
               <a:ext uri="{91240B29-F687-4f45-9708-019B960494DF}">
-                <a14:hiddenLine xmlns:a14="http://schemas.microsoft.com/office/drawing/2010/main" xmlns="" w="9525">
+                <a14:hiddenLine xmlns="" xmlns:a14="http://schemas.microsoft.com/office/drawing/2010/main" w="9525">
                   <a:solidFill>
                     <a:srgbClr val="000000"/>
                   </a:solidFill>
@@ -3740,7 +3740,7 @@
             </a:ln>
             <a:extLst>
               <a:ext uri="{91240B29-F687-4f45-9708-019B960494DF}">
-                <a14:hiddenLine xmlns:a14="http://schemas.microsoft.com/office/drawing/2010/main" xmlns="" w="9525">
+                <a14:hiddenLine xmlns="" xmlns:a14="http://schemas.microsoft.com/office/drawing/2010/main" w="9525">
                   <a:solidFill>
                     <a:srgbClr val="000000"/>
                   </a:solidFill>
@@ -3830,7 +3830,7 @@
             </a:ln>
             <a:extLst>
               <a:ext uri="{91240B29-F687-4f45-9708-019B960494DF}">
-                <a14:hiddenLine xmlns:a14="http://schemas.microsoft.com/office/drawing/2010/main" xmlns="" w="9525">
+                <a14:hiddenLine xmlns="" xmlns:a14="http://schemas.microsoft.com/office/drawing/2010/main" w="9525">
                   <a:solidFill>
                     <a:srgbClr val="000000"/>
                   </a:solidFill>
@@ -3920,7 +3920,7 @@
             </a:ln>
             <a:extLst>
               <a:ext uri="{91240B29-F687-4f45-9708-019B960494DF}">
-                <a14:hiddenLine xmlns:a14="http://schemas.microsoft.com/office/drawing/2010/main" xmlns="" w="9525">
+                <a14:hiddenLine xmlns="" xmlns:a14="http://schemas.microsoft.com/office/drawing/2010/main" w="9525">
                   <a:solidFill>
                     <a:srgbClr val="000000"/>
                   </a:solidFill>
@@ -3982,7 +3982,7 @@
             </a:ln>
             <a:extLst>
               <a:ext uri="{91240B29-F687-4f45-9708-019B960494DF}">
-                <a14:hiddenLine xmlns:a14="http://schemas.microsoft.com/office/drawing/2010/main" xmlns="" w="9525">
+                <a14:hiddenLine xmlns="" xmlns:a14="http://schemas.microsoft.com/office/drawing/2010/main" w="9525">
                   <a:solidFill>
                     <a:srgbClr val="000000"/>
                   </a:solidFill>
@@ -4102,7 +4102,7 @@
             </a:ln>
             <a:extLst>
               <a:ext uri="{91240B29-F687-4f45-9708-019B960494DF}">
-                <a14:hiddenLine xmlns:a14="http://schemas.microsoft.com/office/drawing/2010/main" xmlns="" w="9525">
+                <a14:hiddenLine xmlns="" xmlns:a14="http://schemas.microsoft.com/office/drawing/2010/main" w="9525">
                   <a:solidFill>
                     <a:srgbClr val="000000"/>
                   </a:solidFill>
@@ -4170,7 +4170,7 @@
             </a:ln>
             <a:extLst>
               <a:ext uri="{91240B29-F687-4f45-9708-019B960494DF}">
-                <a14:hiddenLine xmlns:a14="http://schemas.microsoft.com/office/drawing/2010/main" xmlns="" w="9525">
+                <a14:hiddenLine xmlns="" xmlns:a14="http://schemas.microsoft.com/office/drawing/2010/main" w="9525">
                   <a:solidFill>
                     <a:srgbClr val="000000"/>
                   </a:solidFill>
@@ -4260,7 +4260,7 @@
             </a:ln>
             <a:extLst>
               <a:ext uri="{91240B29-F687-4f45-9708-019B960494DF}">
-                <a14:hiddenLine xmlns:a14="http://schemas.microsoft.com/office/drawing/2010/main" xmlns="" w="9525">
+                <a14:hiddenLine xmlns="" xmlns:a14="http://schemas.microsoft.com/office/drawing/2010/main" w="9525">
                   <a:solidFill>
                     <a:srgbClr val="000000"/>
                   </a:solidFill>
@@ -4401,7 +4401,7 @@
             <a:fld id="{B61BEF0D-F0BB-DE4B-95CE-6DB70DBA9567}" type="datetimeFigureOut">
               <a:rPr lang="en-US" smtClean="0"/>
               <a:pPr/>
-              <a:t>5/27/2018</a:t>
+              <a:t>5/28/2018</a:t>
             </a:fld>
             <a:endParaRPr lang="en-US" dirty="0"/>
           </a:p>
@@ -4670,7 +4670,7 @@
             <a:fld id="{B61BEF0D-F0BB-DE4B-95CE-6DB70DBA9567}" type="datetimeFigureOut">
               <a:rPr lang="en-US" smtClean="0"/>
               <a:pPr/>
-              <a:t>5/27/2018</a:t>
+              <a:t>5/28/2018</a:t>
             </a:fld>
             <a:endParaRPr lang="en-US" dirty="0"/>
           </a:p>
@@ -4868,7 +4868,7 @@
             <a:fld id="{B61BEF0D-F0BB-DE4B-95CE-6DB70DBA9567}" type="datetimeFigureOut">
               <a:rPr lang="en-US" smtClean="0"/>
               <a:pPr/>
-              <a:t>5/27/2018</a:t>
+              <a:t>5/28/2018</a:t>
             </a:fld>
             <a:endParaRPr lang="en-US" dirty="0"/>
           </a:p>
@@ -5133,7 +5133,7 @@
             <a:fld id="{B61BEF0D-F0BB-DE4B-95CE-6DB70DBA9567}" type="datetimeFigureOut">
               <a:rPr lang="en-US" smtClean="0"/>
               <a:pPr/>
-              <a:t>5/27/2018</a:t>
+              <a:t>5/28/2018</a:t>
             </a:fld>
             <a:endParaRPr lang="en-US" dirty="0"/>
           </a:p>
@@ -5569,7 +5569,7 @@
             <a:fld id="{B61BEF0D-F0BB-DE4B-95CE-6DB70DBA9567}" type="datetimeFigureOut">
               <a:rPr lang="en-US" smtClean="0"/>
               <a:pPr/>
-              <a:t>5/27/2018</a:t>
+              <a:t>5/28/2018</a:t>
             </a:fld>
             <a:endParaRPr lang="en-US" dirty="0"/>
           </a:p>
@@ -6117,7 +6117,7 @@
             <a:fld id="{B61BEF0D-F0BB-DE4B-95CE-6DB70DBA9567}" type="datetimeFigureOut">
               <a:rPr lang="en-US" smtClean="0"/>
               <a:pPr/>
-              <a:t>5/27/2018</a:t>
+              <a:t>5/28/2018</a:t>
             </a:fld>
             <a:endParaRPr lang="en-US" dirty="0"/>
           </a:p>
@@ -6839,7 +6839,7 @@
             <a:fld id="{B61BEF0D-F0BB-DE4B-95CE-6DB70DBA9567}" type="datetimeFigureOut">
               <a:rPr lang="en-US" smtClean="0"/>
               <a:pPr/>
-              <a:t>5/27/2018</a:t>
+              <a:t>5/28/2018</a:t>
             </a:fld>
             <a:endParaRPr lang="en-US" dirty="0"/>
           </a:p>
@@ -7011,7 +7011,7 @@
             <a:fld id="{B61BEF0D-F0BB-DE4B-95CE-6DB70DBA9567}" type="datetimeFigureOut">
               <a:rPr lang="en-US" smtClean="0"/>
               <a:pPr/>
-              <a:t>5/27/2018</a:t>
+              <a:t>5/28/2018</a:t>
             </a:fld>
             <a:endParaRPr lang="en-US" dirty="0"/>
           </a:p>
@@ -7193,7 +7193,7 @@
             <a:fld id="{B61BEF0D-F0BB-DE4B-95CE-6DB70DBA9567}" type="datetimeFigureOut">
               <a:rPr lang="en-US" smtClean="0"/>
               <a:pPr/>
-              <a:t>5/27/2018</a:t>
+              <a:t>5/28/2018</a:t>
             </a:fld>
             <a:endParaRPr lang="en-US" dirty="0"/>
           </a:p>
@@ -7365,7 +7365,7 @@
             <a:fld id="{B61BEF0D-F0BB-DE4B-95CE-6DB70DBA9567}" type="datetimeFigureOut">
               <a:rPr lang="en-US" smtClean="0"/>
               <a:pPr/>
-              <a:t>5/27/2018</a:t>
+              <a:t>5/28/2018</a:t>
             </a:fld>
             <a:endParaRPr lang="en-US" dirty="0"/>
           </a:p>
@@ -7617,7 +7617,7 @@
             <a:fld id="{B61BEF0D-F0BB-DE4B-95CE-6DB70DBA9567}" type="datetimeFigureOut">
               <a:rPr lang="en-US" smtClean="0"/>
               <a:pPr/>
-              <a:t>5/27/2018</a:t>
+              <a:t>5/28/2018</a:t>
             </a:fld>
             <a:endParaRPr lang="en-US" dirty="0"/>
           </a:p>
@@ -7851,7 +7851,7 @@
             <a:fld id="{B61BEF0D-F0BB-DE4B-95CE-6DB70DBA9567}" type="datetimeFigureOut">
               <a:rPr lang="en-US" smtClean="0"/>
               <a:pPr/>
-              <a:t>5/27/2018</a:t>
+              <a:t>5/28/2018</a:t>
             </a:fld>
             <a:endParaRPr lang="en-US" dirty="0"/>
           </a:p>
@@ -8234,7 +8234,7 @@
             <a:fld id="{B61BEF0D-F0BB-DE4B-95CE-6DB70DBA9567}" type="datetimeFigureOut">
               <a:rPr lang="en-US" smtClean="0"/>
               <a:pPr/>
-              <a:t>5/27/2018</a:t>
+              <a:t>5/28/2018</a:t>
             </a:fld>
             <a:endParaRPr lang="en-US" dirty="0"/>
           </a:p>
@@ -8354,7 +8354,7 @@
             <a:fld id="{B61BEF0D-F0BB-DE4B-95CE-6DB70DBA9567}" type="datetimeFigureOut">
               <a:rPr lang="en-US" smtClean="0"/>
               <a:pPr/>
-              <a:t>5/27/2018</a:t>
+              <a:t>5/28/2018</a:t>
             </a:fld>
             <a:endParaRPr lang="en-US" dirty="0"/>
           </a:p>
@@ -8451,7 +8451,7 @@
             <a:fld id="{B61BEF0D-F0BB-DE4B-95CE-6DB70DBA9567}" type="datetimeFigureOut">
               <a:rPr lang="en-US" smtClean="0"/>
               <a:pPr/>
-              <a:t>5/27/2018</a:t>
+              <a:t>5/28/2018</a:t>
             </a:fld>
             <a:endParaRPr lang="en-US" dirty="0"/>
           </a:p>
@@ -8702,7 +8702,7 @@
             <a:fld id="{B61BEF0D-F0BB-DE4B-95CE-6DB70DBA9567}" type="datetimeFigureOut">
               <a:rPr lang="en-US" smtClean="0"/>
               <a:pPr/>
-              <a:t>5/27/2018</a:t>
+              <a:t>5/28/2018</a:t>
             </a:fld>
             <a:endParaRPr lang="en-US" dirty="0"/>
           </a:p>
@@ -8984,7 +8984,7 @@
             <a:fld id="{B61BEF0D-F0BB-DE4B-95CE-6DB70DBA9567}" type="datetimeFigureOut">
               <a:rPr lang="en-US" smtClean="0"/>
               <a:pPr/>
-              <a:t>5/27/2018</a:t>
+              <a:t>5/28/2018</a:t>
             </a:fld>
             <a:endParaRPr lang="en-US" dirty="0"/>
           </a:p>
@@ -9108,7 +9108,7 @@
           <a:noFill/>
           <a:extLst>
             <a:ext uri="{909E8E84-426E-40dd-AFC4-6F175D3DCCD1}">
-              <a14:hiddenFill xmlns:a14="http://schemas.microsoft.com/office/drawing/2010/main" xmlns="">
+              <a14:hiddenFill xmlns="" xmlns:a14="http://schemas.microsoft.com/office/drawing/2010/main">
                 <a:solidFill>
                   <a:srgbClr val="FFFFFF"/>
                 </a:solidFill>
@@ -9182,7 +9182,7 @@
               </a:ln>
               <a:extLst>
                 <a:ext uri="{91240B29-F687-4f45-9708-019B960494DF}">
-                  <a14:hiddenLine xmlns:a14="http://schemas.microsoft.com/office/drawing/2010/main" xmlns="" w="9525">
+                  <a14:hiddenLine xmlns="" xmlns:a14="http://schemas.microsoft.com/office/drawing/2010/main" w="9525">
                     <a:solidFill>
                       <a:srgbClr val="000000"/>
                     </a:solidFill>
@@ -9272,7 +9272,7 @@
               </a:ln>
               <a:extLst>
                 <a:ext uri="{91240B29-F687-4f45-9708-019B960494DF}">
-                  <a14:hiddenLine xmlns:a14="http://schemas.microsoft.com/office/drawing/2010/main" xmlns="" w="9525">
+                  <a14:hiddenLine xmlns="" xmlns:a14="http://schemas.microsoft.com/office/drawing/2010/main" w="9525">
                     <a:solidFill>
                       <a:srgbClr val="000000"/>
                     </a:solidFill>
@@ -9362,7 +9362,7 @@
               </a:ln>
               <a:extLst>
                 <a:ext uri="{91240B29-F687-4f45-9708-019B960494DF}">
-                  <a14:hiddenLine xmlns:a14="http://schemas.microsoft.com/office/drawing/2010/main" xmlns="" w="9525">
+                  <a14:hiddenLine xmlns="" xmlns:a14="http://schemas.microsoft.com/office/drawing/2010/main" w="9525">
                     <a:solidFill>
                       <a:srgbClr val="000000"/>
                     </a:solidFill>
@@ -9424,7 +9424,7 @@
               </a:ln>
               <a:extLst>
                 <a:ext uri="{91240B29-F687-4f45-9708-019B960494DF}">
-                  <a14:hiddenLine xmlns:a14="http://schemas.microsoft.com/office/drawing/2010/main" xmlns="" w="9525">
+                  <a14:hiddenLine xmlns="" xmlns:a14="http://schemas.microsoft.com/office/drawing/2010/main" w="9525">
                     <a:solidFill>
                       <a:srgbClr val="000000"/>
                     </a:solidFill>
@@ -9514,7 +9514,7 @@
               </a:ln>
               <a:extLst>
                 <a:ext uri="{91240B29-F687-4f45-9708-019B960494DF}">
-                  <a14:hiddenLine xmlns:a14="http://schemas.microsoft.com/office/drawing/2010/main" xmlns="" w="9525">
+                  <a14:hiddenLine xmlns="" xmlns:a14="http://schemas.microsoft.com/office/drawing/2010/main" w="9525">
                     <a:solidFill>
                       <a:srgbClr val="000000"/>
                     </a:solidFill>
@@ -9576,7 +9576,7 @@
               </a:ln>
               <a:extLst>
                 <a:ext uri="{91240B29-F687-4f45-9708-019B960494DF}">
-                  <a14:hiddenLine xmlns:a14="http://schemas.microsoft.com/office/drawing/2010/main" xmlns="" w="9525">
+                  <a14:hiddenLine xmlns="" xmlns:a14="http://schemas.microsoft.com/office/drawing/2010/main" w="9525">
                     <a:solidFill>
                       <a:srgbClr val="000000"/>
                     </a:solidFill>
@@ -9638,7 +9638,7 @@
               </a:ln>
               <a:extLst>
                 <a:ext uri="{91240B29-F687-4f45-9708-019B960494DF}">
-                  <a14:hiddenLine xmlns:a14="http://schemas.microsoft.com/office/drawing/2010/main" xmlns="" w="9525">
+                  <a14:hiddenLine xmlns="" xmlns:a14="http://schemas.microsoft.com/office/drawing/2010/main" w="9525">
                     <a:solidFill>
                       <a:srgbClr val="000000"/>
                     </a:solidFill>
@@ -9728,7 +9728,7 @@
               </a:ln>
               <a:extLst>
                 <a:ext uri="{91240B29-F687-4f45-9708-019B960494DF}">
-                  <a14:hiddenLine xmlns:a14="http://schemas.microsoft.com/office/drawing/2010/main" xmlns="" w="9525">
+                  <a14:hiddenLine xmlns="" xmlns:a14="http://schemas.microsoft.com/office/drawing/2010/main" w="9525">
                     <a:solidFill>
                       <a:srgbClr val="000000"/>
                     </a:solidFill>
@@ -9818,7 +9818,7 @@
               </a:ln>
               <a:extLst>
                 <a:ext uri="{91240B29-F687-4f45-9708-019B960494DF}">
-                  <a14:hiddenLine xmlns:a14="http://schemas.microsoft.com/office/drawing/2010/main" xmlns="" w="9525">
+                  <a14:hiddenLine xmlns="" xmlns:a14="http://schemas.microsoft.com/office/drawing/2010/main" w="9525">
                     <a:solidFill>
                       <a:srgbClr val="000000"/>
                     </a:solidFill>
@@ -9880,7 +9880,7 @@
               </a:ln>
               <a:extLst>
                 <a:ext uri="{91240B29-F687-4f45-9708-019B960494DF}">
-                  <a14:hiddenLine xmlns:a14="http://schemas.microsoft.com/office/drawing/2010/main" xmlns="" w="9525">
+                  <a14:hiddenLine xmlns="" xmlns:a14="http://schemas.microsoft.com/office/drawing/2010/main" w="9525">
                     <a:solidFill>
                       <a:srgbClr val="000000"/>
                     </a:solidFill>
@@ -9990,7 +9990,7 @@
               </a:ln>
               <a:extLst>
                 <a:ext uri="{91240B29-F687-4f45-9708-019B960494DF}">
-                  <a14:hiddenLine xmlns:a14="http://schemas.microsoft.com/office/drawing/2010/main" xmlns="" w="9525">
+                  <a14:hiddenLine xmlns="" xmlns:a14="http://schemas.microsoft.com/office/drawing/2010/main" w="9525">
                     <a:solidFill>
                       <a:srgbClr val="000000"/>
                     </a:solidFill>
@@ -10074,7 +10074,7 @@
               </a:ln>
               <a:extLst>
                 <a:ext uri="{91240B29-F687-4f45-9708-019B960494DF}">
-                  <a14:hiddenLine xmlns:a14="http://schemas.microsoft.com/office/drawing/2010/main" xmlns="" w="9525">
+                  <a14:hiddenLine xmlns="" xmlns:a14="http://schemas.microsoft.com/office/drawing/2010/main" w="9525">
                     <a:solidFill>
                       <a:srgbClr val="000000"/>
                     </a:solidFill>
@@ -10136,7 +10136,7 @@
               </a:ln>
               <a:extLst>
                 <a:ext uri="{91240B29-F687-4f45-9708-019B960494DF}">
-                  <a14:hiddenLine xmlns:a14="http://schemas.microsoft.com/office/drawing/2010/main" xmlns="" w="9525">
+                  <a14:hiddenLine xmlns="" xmlns:a14="http://schemas.microsoft.com/office/drawing/2010/main" w="9525">
                     <a:solidFill>
                       <a:srgbClr val="000000"/>
                     </a:solidFill>
@@ -10198,7 +10198,7 @@
               </a:ln>
               <a:extLst>
                 <a:ext uri="{91240B29-F687-4f45-9708-019B960494DF}">
-                  <a14:hiddenLine xmlns:a14="http://schemas.microsoft.com/office/drawing/2010/main" xmlns="" w="9525">
+                  <a14:hiddenLine xmlns="" xmlns:a14="http://schemas.microsoft.com/office/drawing/2010/main" w="9525">
                     <a:solidFill>
                       <a:srgbClr val="000000"/>
                     </a:solidFill>
@@ -10288,7 +10288,7 @@
               </a:ln>
               <a:extLst>
                 <a:ext uri="{91240B29-F687-4f45-9708-019B960494DF}">
-                  <a14:hiddenLine xmlns:a14="http://schemas.microsoft.com/office/drawing/2010/main" xmlns="" w="9525">
+                  <a14:hiddenLine xmlns="" xmlns:a14="http://schemas.microsoft.com/office/drawing/2010/main" w="9525">
                     <a:solidFill>
                       <a:srgbClr val="000000"/>
                     </a:solidFill>
@@ -10322,7 +10322,7 @@
               </a:ln>
               <a:extLst>
                 <a:ext uri="{91240B29-F687-4f45-9708-019B960494DF}">
-                  <a14:hiddenLine xmlns:a14="http://schemas.microsoft.com/office/drawing/2010/main" xmlns="" w="9525">
+                  <a14:hiddenLine xmlns="" xmlns:a14="http://schemas.microsoft.com/office/drawing/2010/main" w="9525">
                     <a:solidFill>
                       <a:srgbClr val="000000"/>
                     </a:solidFill>
@@ -10387,7 +10387,7 @@
               </a:ln>
               <a:extLst>
                 <a:ext uri="{91240B29-F687-4f45-9708-019B960494DF}">
-                  <a14:hiddenLine xmlns:a14="http://schemas.microsoft.com/office/drawing/2010/main" xmlns="" w="9525">
+                  <a14:hiddenLine xmlns="" xmlns:a14="http://schemas.microsoft.com/office/drawing/2010/main" w="9525">
                     <a:solidFill>
                       <a:srgbClr val="000000"/>
                     </a:solidFill>
@@ -10477,7 +10477,7 @@
               </a:ln>
               <a:extLst>
                 <a:ext uri="{91240B29-F687-4f45-9708-019B960494DF}">
-                  <a14:hiddenLine xmlns:a14="http://schemas.microsoft.com/office/drawing/2010/main" xmlns="" w="9525">
+                  <a14:hiddenLine xmlns="" xmlns:a14="http://schemas.microsoft.com/office/drawing/2010/main" w="9525">
                     <a:solidFill>
                       <a:srgbClr val="000000"/>
                     </a:solidFill>
@@ -10539,7 +10539,7 @@
               </a:ln>
               <a:extLst>
                 <a:ext uri="{91240B29-F687-4f45-9708-019B960494DF}">
-                  <a14:hiddenLine xmlns:a14="http://schemas.microsoft.com/office/drawing/2010/main" xmlns="" w="9525">
+                  <a14:hiddenLine xmlns="" xmlns:a14="http://schemas.microsoft.com/office/drawing/2010/main" w="9525">
                     <a:solidFill>
                       <a:srgbClr val="000000"/>
                     </a:solidFill>
@@ -10629,7 +10629,7 @@
               </a:ln>
               <a:extLst>
                 <a:ext uri="{91240B29-F687-4f45-9708-019B960494DF}">
-                  <a14:hiddenLine xmlns:a14="http://schemas.microsoft.com/office/drawing/2010/main" xmlns="" w="9525">
+                  <a14:hiddenLine xmlns="" xmlns:a14="http://schemas.microsoft.com/office/drawing/2010/main" w="9525">
                     <a:solidFill>
                       <a:srgbClr val="000000"/>
                     </a:solidFill>
@@ -10694,7 +10694,7 @@
               </a:ln>
               <a:extLst>
                 <a:ext uri="{91240B29-F687-4f45-9708-019B960494DF}">
-                  <a14:hiddenLine xmlns:a14="http://schemas.microsoft.com/office/drawing/2010/main" xmlns="" w="9525">
+                  <a14:hiddenLine xmlns="" xmlns:a14="http://schemas.microsoft.com/office/drawing/2010/main" w="9525">
                     <a:solidFill>
                       <a:srgbClr val="000000"/>
                     </a:solidFill>
@@ -10756,7 +10756,7 @@
               </a:ln>
               <a:extLst>
                 <a:ext uri="{91240B29-F687-4f45-9708-019B960494DF}">
-                  <a14:hiddenLine xmlns:a14="http://schemas.microsoft.com/office/drawing/2010/main" xmlns="" w="9525">
+                  <a14:hiddenLine xmlns="" xmlns:a14="http://schemas.microsoft.com/office/drawing/2010/main" w="9525">
                     <a:solidFill>
                       <a:srgbClr val="000000"/>
                     </a:solidFill>
@@ -10846,7 +10846,7 @@
               </a:ln>
               <a:extLst>
                 <a:ext uri="{91240B29-F687-4f45-9708-019B960494DF}">
-                  <a14:hiddenLine xmlns:a14="http://schemas.microsoft.com/office/drawing/2010/main" xmlns="" w="9525">
+                  <a14:hiddenLine xmlns="" xmlns:a14="http://schemas.microsoft.com/office/drawing/2010/main" w="9525">
                     <a:solidFill>
                       <a:srgbClr val="000000"/>
                     </a:solidFill>
@@ -10936,7 +10936,7 @@
               </a:ln>
               <a:extLst>
                 <a:ext uri="{91240B29-F687-4f45-9708-019B960494DF}">
-                  <a14:hiddenLine xmlns:a14="http://schemas.microsoft.com/office/drawing/2010/main" xmlns="" w="9525">
+                  <a14:hiddenLine xmlns="" xmlns:a14="http://schemas.microsoft.com/office/drawing/2010/main" w="9525">
                     <a:solidFill>
                       <a:srgbClr val="000000"/>
                     </a:solidFill>
@@ -11001,7 +11001,7 @@
               </a:ln>
               <a:extLst>
                 <a:ext uri="{91240B29-F687-4f45-9708-019B960494DF}">
-                  <a14:hiddenLine xmlns:a14="http://schemas.microsoft.com/office/drawing/2010/main" xmlns="" w="9525">
+                  <a14:hiddenLine xmlns="" xmlns:a14="http://schemas.microsoft.com/office/drawing/2010/main" w="9525">
                     <a:solidFill>
                       <a:srgbClr val="000000"/>
                     </a:solidFill>
@@ -11121,7 +11121,7 @@
               </a:ln>
               <a:extLst>
                 <a:ext uri="{91240B29-F687-4f45-9708-019B960494DF}">
-                  <a14:hiddenLine xmlns:a14="http://schemas.microsoft.com/office/drawing/2010/main" xmlns="" w="9525">
+                  <a14:hiddenLine xmlns="" xmlns:a14="http://schemas.microsoft.com/office/drawing/2010/main" w="9525">
                     <a:solidFill>
                       <a:srgbClr val="000000"/>
                     </a:solidFill>
@@ -11202,7 +11202,7 @@
               </a:ln>
               <a:extLst>
                 <a:ext uri="{91240B29-F687-4f45-9708-019B960494DF}">
-                  <a14:hiddenLine xmlns:a14="http://schemas.microsoft.com/office/drawing/2010/main" xmlns="" w="9525">
+                  <a14:hiddenLine xmlns="" xmlns:a14="http://schemas.microsoft.com/office/drawing/2010/main" w="9525">
                     <a:solidFill>
                       <a:srgbClr val="000000"/>
                     </a:solidFill>
@@ -11317,7 +11317,7 @@
               </a:ln>
               <a:extLst>
                 <a:ext uri="{91240B29-F687-4f45-9708-019B960494DF}">
-                  <a14:hiddenLine xmlns:a14="http://schemas.microsoft.com/office/drawing/2010/main" xmlns="" w="9525">
+                  <a14:hiddenLine xmlns="" xmlns:a14="http://schemas.microsoft.com/office/drawing/2010/main" w="9525">
                     <a:solidFill>
                       <a:srgbClr val="000000"/>
                     </a:solidFill>
@@ -11407,7 +11407,7 @@
               </a:ln>
               <a:extLst>
                 <a:ext uri="{91240B29-F687-4f45-9708-019B960494DF}">
-                  <a14:hiddenLine xmlns:a14="http://schemas.microsoft.com/office/drawing/2010/main" xmlns="" w="9525">
+                  <a14:hiddenLine xmlns="" xmlns:a14="http://schemas.microsoft.com/office/drawing/2010/main" w="9525">
                     <a:solidFill>
                       <a:srgbClr val="000000"/>
                     </a:solidFill>
@@ -11472,7 +11472,7 @@
               </a:ln>
               <a:extLst>
                 <a:ext uri="{91240B29-F687-4f45-9708-019B960494DF}">
-                  <a14:hiddenLine xmlns:a14="http://schemas.microsoft.com/office/drawing/2010/main" xmlns="" w="9525">
+                  <a14:hiddenLine xmlns="" xmlns:a14="http://schemas.microsoft.com/office/drawing/2010/main" w="9525">
                     <a:solidFill>
                       <a:srgbClr val="000000"/>
                     </a:solidFill>
@@ -11562,7 +11562,7 @@
               </a:ln>
               <a:extLst>
                 <a:ext uri="{91240B29-F687-4f45-9708-019B960494DF}">
-                  <a14:hiddenLine xmlns:a14="http://schemas.microsoft.com/office/drawing/2010/main" xmlns="" w="9525">
+                  <a14:hiddenLine xmlns="" xmlns:a14="http://schemas.microsoft.com/office/drawing/2010/main" w="9525">
                     <a:solidFill>
                       <a:srgbClr val="000000"/>
                     </a:solidFill>
@@ -11630,7 +11630,7 @@
               </a:ln>
               <a:extLst>
                 <a:ext uri="{91240B29-F687-4f45-9708-019B960494DF}">
-                  <a14:hiddenLine xmlns:a14="http://schemas.microsoft.com/office/drawing/2010/main" xmlns="" w="9525">
+                  <a14:hiddenLine xmlns="" xmlns:a14="http://schemas.microsoft.com/office/drawing/2010/main" w="9525">
                     <a:solidFill>
                       <a:srgbClr val="000000"/>
                     </a:solidFill>
@@ -11720,7 +11720,7 @@
               </a:ln>
               <a:extLst>
                 <a:ext uri="{91240B29-F687-4f45-9708-019B960494DF}">
-                  <a14:hiddenLine xmlns:a14="http://schemas.microsoft.com/office/drawing/2010/main" xmlns="" w="9525">
+                  <a14:hiddenLine xmlns="" xmlns:a14="http://schemas.microsoft.com/office/drawing/2010/main" w="9525">
                     <a:solidFill>
                       <a:srgbClr val="000000"/>
                     </a:solidFill>
@@ -11788,7 +11788,7 @@
               </a:ln>
               <a:extLst>
                 <a:ext uri="{91240B29-F687-4f45-9708-019B960494DF}">
-                  <a14:hiddenLine xmlns:a14="http://schemas.microsoft.com/office/drawing/2010/main" xmlns="" w="9525">
+                  <a14:hiddenLine xmlns="" xmlns:a14="http://schemas.microsoft.com/office/drawing/2010/main" w="9525">
                     <a:solidFill>
                       <a:srgbClr val="000000"/>
                     </a:solidFill>
@@ -11878,7 +11878,7 @@
               </a:ln>
               <a:extLst>
                 <a:ext uri="{91240B29-F687-4f45-9708-019B960494DF}">
-                  <a14:hiddenLine xmlns:a14="http://schemas.microsoft.com/office/drawing/2010/main" xmlns="" w="9525">
+                  <a14:hiddenLine xmlns="" xmlns:a14="http://schemas.microsoft.com/office/drawing/2010/main" w="9525">
                     <a:solidFill>
                       <a:srgbClr val="000000"/>
                     </a:solidFill>
@@ -11912,7 +11912,7 @@
               </a:ln>
               <a:extLst>
                 <a:ext uri="{91240B29-F687-4f45-9708-019B960494DF}">
-                  <a14:hiddenLine xmlns:a14="http://schemas.microsoft.com/office/drawing/2010/main" xmlns="" w="9525">
+                  <a14:hiddenLine xmlns="" xmlns:a14="http://schemas.microsoft.com/office/drawing/2010/main" w="9525">
                     <a:solidFill>
                       <a:srgbClr val="000000"/>
                     </a:solidFill>
@@ -12053,7 +12053,7 @@
             <a:fld id="{B61BEF0D-F0BB-DE4B-95CE-6DB70DBA9567}" type="datetimeFigureOut">
               <a:rPr lang="en-US" smtClean="0"/>
               <a:pPr/>
-              <a:t>5/27/2018</a:t>
+              <a:t>5/28/2018</a:t>
             </a:fld>
             <a:endParaRPr lang="en-US" dirty="0"/>
           </a:p>
@@ -12634,7 +12634,7 @@
             <a:noFill/>
             <a:extLst>
               <a:ext uri="{909E8E84-426E-40dd-AFC4-6F175D3DCCD1}">
-                <a14:hiddenFill xmlns="" xmlns:p14="http://schemas.microsoft.com/office/powerpoint/2010/main" xmlns:a14="http://schemas.microsoft.com/office/drawing/2010/main">
+                <a14:hiddenFill xmlns:a14="http://schemas.microsoft.com/office/drawing/2010/main" xmlns:p14="http://schemas.microsoft.com/office/powerpoint/2010/main" xmlns="">
                   <a:solidFill>
                     <a:srgbClr val="FFFFFF"/>
                   </a:solidFill>
@@ -14873,7 +14873,7 @@
             <a:noFill/>
             <a:extLst>
               <a:ext uri="{909E8E84-426E-40dd-AFC4-6F175D3DCCD1}">
-                <a14:hiddenFill xmlns="" xmlns:p14="http://schemas.microsoft.com/office/powerpoint/2010/main" xmlns:a14="http://schemas.microsoft.com/office/drawing/2010/main">
+                <a14:hiddenFill xmlns:a14="http://schemas.microsoft.com/office/drawing/2010/main" xmlns:p14="http://schemas.microsoft.com/office/powerpoint/2010/main" xmlns="">
                   <a:solidFill>
                     <a:srgbClr val="FFFFFF"/>
                   </a:solidFill>
@@ -17079,7 +17079,7 @@
             <a:noFill/>
             <a:extLst>
               <a:ext uri="{909E8E84-426E-40dd-AFC4-6F175D3DCCD1}">
-                <a14:hiddenFill xmlns="" xmlns:p14="http://schemas.microsoft.com/office/powerpoint/2010/main" xmlns:a14="http://schemas.microsoft.com/office/drawing/2010/main">
+                <a14:hiddenFill xmlns:a14="http://schemas.microsoft.com/office/drawing/2010/main" xmlns:p14="http://schemas.microsoft.com/office/powerpoint/2010/main" xmlns="">
                   <a:solidFill>
                     <a:srgbClr val="FFFFFF"/>
                   </a:solidFill>
@@ -19294,7 +19294,7 @@
             <a:noFill/>
             <a:extLst>
               <a:ext uri="{909E8E84-426E-40dd-AFC4-6F175D3DCCD1}">
-                <a14:hiddenFill xmlns="" xmlns:p14="http://schemas.microsoft.com/office/powerpoint/2010/main" xmlns:a14="http://schemas.microsoft.com/office/drawing/2010/main">
+                <a14:hiddenFill xmlns:a14="http://schemas.microsoft.com/office/drawing/2010/main" xmlns:p14="http://schemas.microsoft.com/office/powerpoint/2010/main" xmlns="">
                   <a:solidFill>
                     <a:srgbClr val="FFFFFF"/>
                   </a:solidFill>
@@ -21837,7 +21837,7 @@
             <a:noFill/>
             <a:extLst>
               <a:ext uri="{909E8E84-426E-40dd-AFC4-6F175D3DCCD1}">
-                <a14:hiddenFill xmlns="" xmlns:p14="http://schemas.microsoft.com/office/powerpoint/2010/main" xmlns:a14="http://schemas.microsoft.com/office/drawing/2010/main">
+                <a14:hiddenFill xmlns:a14="http://schemas.microsoft.com/office/drawing/2010/main" xmlns:p14="http://schemas.microsoft.com/office/powerpoint/2010/main" xmlns="">
                   <a:solidFill>
                     <a:srgbClr val="FFFFFF"/>
                   </a:solidFill>
@@ -24199,7 +24199,7 @@
             <a:noFill/>
             <a:extLst>
               <a:ext uri="{909E8E84-426E-40dd-AFC4-6F175D3DCCD1}">
-                <a14:hiddenFill xmlns="" xmlns:p14="http://schemas.microsoft.com/office/powerpoint/2010/main" xmlns:a14="http://schemas.microsoft.com/office/drawing/2010/main">
+                <a14:hiddenFill xmlns:a14="http://schemas.microsoft.com/office/drawing/2010/main" xmlns:p14="http://schemas.microsoft.com/office/powerpoint/2010/main" xmlns="">
                   <a:solidFill>
                     <a:srgbClr val="FFFFFF"/>
                   </a:solidFill>
@@ -26131,9 +26131,10 @@
           <a:p>
             <a:pPr algn="ctr"/>
             <a:r>
-              <a:rPr lang="de-DE" dirty="0"/>
+              <a:rPr lang="de-DE"/>
               <a:t>Gegner Nahkampfeinheit</a:t>
             </a:r>
+            <a:endParaRPr lang="de-DE" dirty="0"/>
           </a:p>
         </p:txBody>
       </p:sp>
@@ -26161,9 +26162,39 @@
         </p:blipFill>
         <p:spPr>
           <a:xfrm>
-            <a:off x="3652848" y="2097088"/>
+            <a:off x="1376985" y="2097088"/>
             <a:ext cx="4886304" cy="3454400"/>
           </a:xfrm>
+        </p:spPr>
+      </p:pic>
+      <p:pic>
+        <p:nvPicPr>
+          <p:cNvPr id="4" name="Grafik 3">
+            <a:extLst>
+              <a:ext uri="{FF2B5EF4-FFF2-40B4-BE49-F238E27FC236}">
+                <a16:creationId xmlns:a16="http://schemas.microsoft.com/office/drawing/2014/main" id="{49500635-FBA8-4CC3-8B68-CB1301239D7C}"/>
+              </a:ext>
+            </a:extLst>
+          </p:cNvPr>
+          <p:cNvPicPr>
+            <a:picLocks noChangeAspect="1"/>
+          </p:cNvPicPr>
+          <p:nvPr/>
+        </p:nvPicPr>
+        <p:blipFill>
+          <a:blip r:embed="rId6"/>
+          <a:stretch>
+            <a:fillRect/>
+          </a:stretch>
+        </p:blipFill>
+        <p:spPr>
+          <a:xfrm>
+            <a:off x="6263289" y="2097088"/>
+            <a:ext cx="4556310" cy="3454400"/>
+          </a:xfrm>
+          <a:prstGeom prst="rect">
+            <a:avLst/>
+          </a:prstGeom>
         </p:spPr>
       </p:pic>
     </p:spTree>
@@ -26368,7 +26399,7 @@
             <a:noFill/>
             <a:extLst>
               <a:ext uri="{909E8E84-426E-40dd-AFC4-6F175D3DCCD1}">
-                <a14:hiddenFill xmlns="" xmlns:p14="http://schemas.microsoft.com/office/powerpoint/2010/main" xmlns:a14="http://schemas.microsoft.com/office/drawing/2010/main">
+                <a14:hiddenFill xmlns:a14="http://schemas.microsoft.com/office/drawing/2010/main" xmlns:p14="http://schemas.microsoft.com/office/powerpoint/2010/main" xmlns="">
                   <a:solidFill>
                     <a:srgbClr val="FFFFFF"/>
                   </a:solidFill>

--- a/Zwischenpräsentationen/MS1 Präsentation.pptx
+++ b/Zwischenpräsentationen/MS1 Präsentation.pptx
@@ -11,7 +11,9 @@
     <p:sldId id="268" r:id="rId5"/>
     <p:sldId id="269" r:id="rId6"/>
     <p:sldId id="270" r:id="rId7"/>
-    <p:sldId id="271" r:id="rId8"/>
+    <p:sldId id="272" r:id="rId8"/>
+    <p:sldId id="273" r:id="rId9"/>
+    <p:sldId id="271" r:id="rId10"/>
   </p:sldIdLst>
   <p:sldSz cx="12192000" cy="6858000"/>
   <p:notesSz cx="6858000" cy="9144000"/>
@@ -175,7 +177,7 @@
           <a:noFill/>
           <a:extLst>
             <a:ext uri="{909E8E84-426E-40dd-AFC4-6F175D3DCCD1}">
-              <a14:hiddenFill xmlns="" xmlns:a14="http://schemas.microsoft.com/office/drawing/2010/main">
+              <a14:hiddenFill xmlns:a14="http://schemas.microsoft.com/office/drawing/2010/main" xmlns="">
                 <a:solidFill>
                   <a:srgbClr val="FFFFFF"/>
                 </a:solidFill>
@@ -234,7 +236,7 @@
             </a:ln>
             <a:extLst>
               <a:ext uri="{91240B29-F687-4f45-9708-019B960494DF}">
-                <a14:hiddenLine xmlns="" xmlns:a14="http://schemas.microsoft.com/office/drawing/2010/main" w="9525">
+                <a14:hiddenLine xmlns:a14="http://schemas.microsoft.com/office/drawing/2010/main" xmlns="" w="9525">
                   <a:solidFill>
                     <a:srgbClr val="000000"/>
                   </a:solidFill>
@@ -324,7 +326,7 @@
             </a:ln>
             <a:extLst>
               <a:ext uri="{91240B29-F687-4f45-9708-019B960494DF}">
-                <a14:hiddenLine xmlns="" xmlns:a14="http://schemas.microsoft.com/office/drawing/2010/main" w="9525">
+                <a14:hiddenLine xmlns:a14="http://schemas.microsoft.com/office/drawing/2010/main" xmlns="" w="9525">
                   <a:solidFill>
                     <a:srgbClr val="000000"/>
                   </a:solidFill>
@@ -414,7 +416,7 @@
             </a:ln>
             <a:extLst>
               <a:ext uri="{91240B29-F687-4f45-9708-019B960494DF}">
-                <a14:hiddenLine xmlns="" xmlns:a14="http://schemas.microsoft.com/office/drawing/2010/main" w="9525">
+                <a14:hiddenLine xmlns:a14="http://schemas.microsoft.com/office/drawing/2010/main" xmlns="" w="9525">
                   <a:solidFill>
                     <a:srgbClr val="000000"/>
                   </a:solidFill>
@@ -448,7 +450,7 @@
             </a:ln>
             <a:extLst>
               <a:ext uri="{91240B29-F687-4f45-9708-019B960494DF}">
-                <a14:hiddenLine xmlns="" xmlns:a14="http://schemas.microsoft.com/office/drawing/2010/main" w="9525">
+                <a14:hiddenLine xmlns:a14="http://schemas.microsoft.com/office/drawing/2010/main" xmlns="" w="9525">
                   <a:solidFill>
                     <a:srgbClr val="000000"/>
                   </a:solidFill>
@@ -538,7 +540,7 @@
             </a:ln>
             <a:extLst>
               <a:ext uri="{91240B29-F687-4f45-9708-019B960494DF}">
-                <a14:hiddenLine xmlns="" xmlns:a14="http://schemas.microsoft.com/office/drawing/2010/main" w="9525">
+                <a14:hiddenLine xmlns:a14="http://schemas.microsoft.com/office/drawing/2010/main" xmlns="" w="9525">
                   <a:solidFill>
                     <a:srgbClr val="000000"/>
                   </a:solidFill>
@@ -600,7 +602,7 @@
             </a:ln>
             <a:extLst>
               <a:ext uri="{91240B29-F687-4f45-9708-019B960494DF}">
-                <a14:hiddenLine xmlns="" xmlns:a14="http://schemas.microsoft.com/office/drawing/2010/main" w="9525">
+                <a14:hiddenLine xmlns:a14="http://schemas.microsoft.com/office/drawing/2010/main" xmlns="" w="9525">
                   <a:solidFill>
                     <a:srgbClr val="000000"/>
                   </a:solidFill>
@@ -662,7 +664,7 @@
             </a:ln>
             <a:extLst>
               <a:ext uri="{91240B29-F687-4f45-9708-019B960494DF}">
-                <a14:hiddenLine xmlns="" xmlns:a14="http://schemas.microsoft.com/office/drawing/2010/main" w="9525">
+                <a14:hiddenLine xmlns:a14="http://schemas.microsoft.com/office/drawing/2010/main" xmlns="" w="9525">
                   <a:solidFill>
                     <a:srgbClr val="000000"/>
                   </a:solidFill>
@@ -752,7 +754,7 @@
             </a:ln>
             <a:extLst>
               <a:ext uri="{91240B29-F687-4f45-9708-019B960494DF}">
-                <a14:hiddenLine xmlns="" xmlns:a14="http://schemas.microsoft.com/office/drawing/2010/main" w="9525">
+                <a14:hiddenLine xmlns:a14="http://schemas.microsoft.com/office/drawing/2010/main" xmlns="" w="9525">
                   <a:solidFill>
                     <a:srgbClr val="000000"/>
                   </a:solidFill>
@@ -814,7 +816,7 @@
             </a:ln>
             <a:extLst>
               <a:ext uri="{91240B29-F687-4f45-9708-019B960494DF}">
-                <a14:hiddenLine xmlns="" xmlns:a14="http://schemas.microsoft.com/office/drawing/2010/main" w="9525">
+                <a14:hiddenLine xmlns:a14="http://schemas.microsoft.com/office/drawing/2010/main" xmlns="" w="9525">
                   <a:solidFill>
                     <a:srgbClr val="000000"/>
                   </a:solidFill>
@@ -876,7 +878,7 @@
             </a:ln>
             <a:extLst>
               <a:ext uri="{91240B29-F687-4f45-9708-019B960494DF}">
-                <a14:hiddenLine xmlns="" xmlns:a14="http://schemas.microsoft.com/office/drawing/2010/main" w="9525">
+                <a14:hiddenLine xmlns:a14="http://schemas.microsoft.com/office/drawing/2010/main" xmlns="" w="9525">
                   <a:solidFill>
                     <a:srgbClr val="000000"/>
                   </a:solidFill>
@@ -966,7 +968,7 @@
             </a:ln>
             <a:extLst>
               <a:ext uri="{91240B29-F687-4f45-9708-019B960494DF}">
-                <a14:hiddenLine xmlns="" xmlns:a14="http://schemas.microsoft.com/office/drawing/2010/main" w="9525">
+                <a14:hiddenLine xmlns:a14="http://schemas.microsoft.com/office/drawing/2010/main" xmlns="" w="9525">
                   <a:solidFill>
                     <a:srgbClr val="000000"/>
                   </a:solidFill>
@@ -1056,7 +1058,7 @@
             </a:ln>
             <a:extLst>
               <a:ext uri="{91240B29-F687-4f45-9708-019B960494DF}">
-                <a14:hiddenLine xmlns="" xmlns:a14="http://schemas.microsoft.com/office/drawing/2010/main" w="9525">
+                <a14:hiddenLine xmlns:a14="http://schemas.microsoft.com/office/drawing/2010/main" xmlns="" w="9525">
                   <a:solidFill>
                     <a:srgbClr val="000000"/>
                   </a:solidFill>
@@ -1118,7 +1120,7 @@
             </a:ln>
             <a:extLst>
               <a:ext uri="{91240B29-F687-4f45-9708-019B960494DF}">
-                <a14:hiddenLine xmlns="" xmlns:a14="http://schemas.microsoft.com/office/drawing/2010/main" w="9525">
+                <a14:hiddenLine xmlns:a14="http://schemas.microsoft.com/office/drawing/2010/main" xmlns="" w="9525">
                   <a:solidFill>
                     <a:srgbClr val="000000"/>
                   </a:solidFill>
@@ -1228,7 +1230,7 @@
             </a:ln>
             <a:extLst>
               <a:ext uri="{91240B29-F687-4f45-9708-019B960494DF}">
-                <a14:hiddenLine xmlns="" xmlns:a14="http://schemas.microsoft.com/office/drawing/2010/main" w="9525">
+                <a14:hiddenLine xmlns:a14="http://schemas.microsoft.com/office/drawing/2010/main" xmlns="" w="9525">
                   <a:solidFill>
                     <a:srgbClr val="000000"/>
                   </a:solidFill>
@@ -1290,7 +1292,7 @@
             </a:ln>
             <a:extLst>
               <a:ext uri="{91240B29-F687-4f45-9708-019B960494DF}">
-                <a14:hiddenLine xmlns="" xmlns:a14="http://schemas.microsoft.com/office/drawing/2010/main" w="9525">
+                <a14:hiddenLine xmlns:a14="http://schemas.microsoft.com/office/drawing/2010/main" xmlns="" w="9525">
                   <a:solidFill>
                     <a:srgbClr val="000000"/>
                   </a:solidFill>
@@ -1380,7 +1382,7 @@
             </a:ln>
             <a:extLst>
               <a:ext uri="{91240B29-F687-4f45-9708-019B960494DF}">
-                <a14:hiddenLine xmlns="" xmlns:a14="http://schemas.microsoft.com/office/drawing/2010/main" w="9525">
+                <a14:hiddenLine xmlns:a14="http://schemas.microsoft.com/office/drawing/2010/main" xmlns="" w="9525">
                   <a:solidFill>
                     <a:srgbClr val="000000"/>
                   </a:solidFill>
@@ -1470,7 +1472,7 @@
             </a:ln>
             <a:extLst>
               <a:ext uri="{91240B29-F687-4f45-9708-019B960494DF}">
-                <a14:hiddenLine xmlns="" xmlns:a14="http://schemas.microsoft.com/office/drawing/2010/main" w="9525">
+                <a14:hiddenLine xmlns:a14="http://schemas.microsoft.com/office/drawing/2010/main" xmlns="" w="9525">
                   <a:solidFill>
                     <a:srgbClr val="000000"/>
                   </a:solidFill>
@@ -1532,7 +1534,7 @@
             </a:ln>
             <a:extLst>
               <a:ext uri="{91240B29-F687-4f45-9708-019B960494DF}">
-                <a14:hiddenLine xmlns="" xmlns:a14="http://schemas.microsoft.com/office/drawing/2010/main" w="9525">
+                <a14:hiddenLine xmlns:a14="http://schemas.microsoft.com/office/drawing/2010/main" xmlns="" w="9525">
                   <a:solidFill>
                     <a:srgbClr val="000000"/>
                   </a:solidFill>
@@ -1622,7 +1624,7 @@
             </a:ln>
             <a:extLst>
               <a:ext uri="{91240B29-F687-4f45-9708-019B960494DF}">
-                <a14:hiddenLine xmlns="" xmlns:a14="http://schemas.microsoft.com/office/drawing/2010/main" w="9525">
+                <a14:hiddenLine xmlns:a14="http://schemas.microsoft.com/office/drawing/2010/main" xmlns="" w="9525">
                   <a:solidFill>
                     <a:srgbClr val="000000"/>
                   </a:solidFill>
@@ -1712,7 +1714,7 @@
             </a:ln>
             <a:extLst>
               <a:ext uri="{91240B29-F687-4f45-9708-019B960494DF}">
-                <a14:hiddenLine xmlns="" xmlns:a14="http://schemas.microsoft.com/office/drawing/2010/main" w="9525">
+                <a14:hiddenLine xmlns:a14="http://schemas.microsoft.com/office/drawing/2010/main" xmlns="" w="9525">
                   <a:solidFill>
                     <a:srgbClr val="000000"/>
                   </a:solidFill>
@@ -1768,7 +1770,7 @@
             </a:ln>
             <a:extLst>
               <a:ext uri="{91240B29-F687-4f45-9708-019B960494DF}">
-                <a14:hiddenLine xmlns="" xmlns:a14="http://schemas.microsoft.com/office/drawing/2010/main" w="9525">
+                <a14:hiddenLine xmlns:a14="http://schemas.microsoft.com/office/drawing/2010/main" xmlns="" w="9525">
                   <a:solidFill>
                     <a:srgbClr val="000000"/>
                   </a:solidFill>
@@ -1858,7 +1860,7 @@
             </a:ln>
             <a:extLst>
               <a:ext uri="{91240B29-F687-4f45-9708-019B960494DF}">
-                <a14:hiddenLine xmlns="" xmlns:a14="http://schemas.microsoft.com/office/drawing/2010/main" w="9525">
+                <a14:hiddenLine xmlns:a14="http://schemas.microsoft.com/office/drawing/2010/main" xmlns="" w="9525">
                   <a:solidFill>
                     <a:srgbClr val="000000"/>
                   </a:solidFill>
@@ -1914,7 +1916,7 @@
             </a:ln>
             <a:extLst>
               <a:ext uri="{91240B29-F687-4f45-9708-019B960494DF}">
-                <a14:hiddenLine xmlns="" xmlns:a14="http://schemas.microsoft.com/office/drawing/2010/main" w="9525">
+                <a14:hiddenLine xmlns:a14="http://schemas.microsoft.com/office/drawing/2010/main" xmlns="" w="9525">
                   <a:solidFill>
                     <a:srgbClr val="000000"/>
                   </a:solidFill>
@@ -2004,7 +2006,7 @@
             </a:ln>
             <a:extLst>
               <a:ext uri="{91240B29-F687-4f45-9708-019B960494DF}">
-                <a14:hiddenLine xmlns="" xmlns:a14="http://schemas.microsoft.com/office/drawing/2010/main" w="9525">
+                <a14:hiddenLine xmlns:a14="http://schemas.microsoft.com/office/drawing/2010/main" xmlns="" w="9525">
                   <a:solidFill>
                     <a:srgbClr val="000000"/>
                   </a:solidFill>
@@ -2072,7 +2074,7 @@
             </a:ln>
             <a:extLst>
               <a:ext uri="{91240B29-F687-4f45-9708-019B960494DF}">
-                <a14:hiddenLine xmlns="" xmlns:a14="http://schemas.microsoft.com/office/drawing/2010/main" w="9525">
+                <a14:hiddenLine xmlns:a14="http://schemas.microsoft.com/office/drawing/2010/main" xmlns="" w="9525">
                   <a:solidFill>
                     <a:srgbClr val="000000"/>
                   </a:solidFill>
@@ -2162,7 +2164,7 @@
             </a:ln>
             <a:extLst>
               <a:ext uri="{91240B29-F687-4f45-9708-019B960494DF}">
-                <a14:hiddenLine xmlns="" xmlns:a14="http://schemas.microsoft.com/office/drawing/2010/main" w="9525">
+                <a14:hiddenLine xmlns:a14="http://schemas.microsoft.com/office/drawing/2010/main" xmlns="" w="9525">
                   <a:solidFill>
                     <a:srgbClr val="000000"/>
                   </a:solidFill>
@@ -2230,7 +2232,7 @@
             </a:ln>
             <a:extLst>
               <a:ext uri="{91240B29-F687-4f45-9708-019B960494DF}">
-                <a14:hiddenLine xmlns="" xmlns:a14="http://schemas.microsoft.com/office/drawing/2010/main" w="9525">
+                <a14:hiddenLine xmlns:a14="http://schemas.microsoft.com/office/drawing/2010/main" xmlns="" w="9525">
                   <a:solidFill>
                     <a:srgbClr val="000000"/>
                   </a:solidFill>
@@ -2320,7 +2322,7 @@
             </a:ln>
             <a:extLst>
               <a:ext uri="{91240B29-F687-4f45-9708-019B960494DF}">
-                <a14:hiddenLine xmlns="" xmlns:a14="http://schemas.microsoft.com/office/drawing/2010/main" w="9525">
+                <a14:hiddenLine xmlns:a14="http://schemas.microsoft.com/office/drawing/2010/main" xmlns="" w="9525">
                   <a:solidFill>
                     <a:srgbClr val="000000"/>
                   </a:solidFill>
@@ -2354,7 +2356,7 @@
             </a:ln>
             <a:extLst>
               <a:ext uri="{91240B29-F687-4f45-9708-019B960494DF}">
-                <a14:hiddenLine xmlns="" xmlns:a14="http://schemas.microsoft.com/office/drawing/2010/main" w="9525">
+                <a14:hiddenLine xmlns:a14="http://schemas.microsoft.com/office/drawing/2010/main" xmlns="" w="9525">
                   <a:solidFill>
                     <a:srgbClr val="000000"/>
                   </a:solidFill>
@@ -2444,7 +2446,7 @@
             </a:ln>
             <a:extLst>
               <a:ext uri="{91240B29-F687-4f45-9708-019B960494DF}">
-                <a14:hiddenLine xmlns="" xmlns:a14="http://schemas.microsoft.com/office/drawing/2010/main" w="9525">
+                <a14:hiddenLine xmlns:a14="http://schemas.microsoft.com/office/drawing/2010/main" xmlns="" w="9525">
                   <a:solidFill>
                     <a:srgbClr val="000000"/>
                   </a:solidFill>
@@ -2506,7 +2508,7 @@
             </a:ln>
             <a:extLst>
               <a:ext uri="{91240B29-F687-4f45-9708-019B960494DF}">
-                <a14:hiddenLine xmlns="" xmlns:a14="http://schemas.microsoft.com/office/drawing/2010/main" w="9525">
+                <a14:hiddenLine xmlns:a14="http://schemas.microsoft.com/office/drawing/2010/main" xmlns="" w="9525">
                   <a:solidFill>
                     <a:srgbClr val="000000"/>
                   </a:solidFill>
@@ -2568,7 +2570,7 @@
             </a:ln>
             <a:extLst>
               <a:ext uri="{91240B29-F687-4f45-9708-019B960494DF}">
-                <a14:hiddenLine xmlns="" xmlns:a14="http://schemas.microsoft.com/office/drawing/2010/main" w="9525">
+                <a14:hiddenLine xmlns:a14="http://schemas.microsoft.com/office/drawing/2010/main" xmlns="" w="9525">
                   <a:solidFill>
                     <a:srgbClr val="000000"/>
                   </a:solidFill>
@@ -2658,7 +2660,7 @@
             </a:ln>
             <a:extLst>
               <a:ext uri="{91240B29-F687-4f45-9708-019B960494DF}">
-                <a14:hiddenLine xmlns="" xmlns:a14="http://schemas.microsoft.com/office/drawing/2010/main" w="9525">
+                <a14:hiddenLine xmlns:a14="http://schemas.microsoft.com/office/drawing/2010/main" xmlns="" w="9525">
                   <a:solidFill>
                     <a:srgbClr val="000000"/>
                   </a:solidFill>
@@ -2726,7 +2728,7 @@
             </a:ln>
             <a:extLst>
               <a:ext uri="{91240B29-F687-4f45-9708-019B960494DF}">
-                <a14:hiddenLine xmlns="" xmlns:a14="http://schemas.microsoft.com/office/drawing/2010/main" w="9525">
+                <a14:hiddenLine xmlns:a14="http://schemas.microsoft.com/office/drawing/2010/main" xmlns="" w="9525">
                   <a:solidFill>
                     <a:srgbClr val="000000"/>
                   </a:solidFill>
@@ -2788,7 +2790,7 @@
             </a:ln>
             <a:extLst>
               <a:ext uri="{91240B29-F687-4f45-9708-019B960494DF}">
-                <a14:hiddenLine xmlns="" xmlns:a14="http://schemas.microsoft.com/office/drawing/2010/main" w="9525">
+                <a14:hiddenLine xmlns:a14="http://schemas.microsoft.com/office/drawing/2010/main" xmlns="" w="9525">
                   <a:solidFill>
                     <a:srgbClr val="000000"/>
                   </a:solidFill>
@@ -2878,7 +2880,7 @@
             </a:ln>
             <a:extLst>
               <a:ext uri="{91240B29-F687-4f45-9708-019B960494DF}">
-                <a14:hiddenLine xmlns="" xmlns:a14="http://schemas.microsoft.com/office/drawing/2010/main" w="9525">
+                <a14:hiddenLine xmlns:a14="http://schemas.microsoft.com/office/drawing/2010/main" xmlns="" w="9525">
                   <a:solidFill>
                     <a:srgbClr val="000000"/>
                   </a:solidFill>
@@ -2940,7 +2942,7 @@
             </a:ln>
             <a:extLst>
               <a:ext uri="{91240B29-F687-4f45-9708-019B960494DF}">
-                <a14:hiddenLine xmlns="" xmlns:a14="http://schemas.microsoft.com/office/drawing/2010/main" w="9525">
+                <a14:hiddenLine xmlns:a14="http://schemas.microsoft.com/office/drawing/2010/main" xmlns="" w="9525">
                   <a:solidFill>
                     <a:srgbClr val="000000"/>
                   </a:solidFill>
@@ -3030,7 +3032,7 @@
             </a:ln>
             <a:extLst>
               <a:ext uri="{91240B29-F687-4f45-9708-019B960494DF}">
-                <a14:hiddenLine xmlns="" xmlns:a14="http://schemas.microsoft.com/office/drawing/2010/main" w="9525">
+                <a14:hiddenLine xmlns:a14="http://schemas.microsoft.com/office/drawing/2010/main" xmlns="" w="9525">
                   <a:solidFill>
                     <a:srgbClr val="000000"/>
                   </a:solidFill>
@@ -3092,7 +3094,7 @@
             </a:ln>
             <a:extLst>
               <a:ext uri="{91240B29-F687-4f45-9708-019B960494DF}">
-                <a14:hiddenLine xmlns="" xmlns:a14="http://schemas.microsoft.com/office/drawing/2010/main" w="9525">
+                <a14:hiddenLine xmlns:a14="http://schemas.microsoft.com/office/drawing/2010/main" xmlns="" w="9525">
                   <a:solidFill>
                     <a:srgbClr val="000000"/>
                   </a:solidFill>
@@ -3182,7 +3184,7 @@
             </a:ln>
             <a:extLst>
               <a:ext uri="{91240B29-F687-4f45-9708-019B960494DF}">
-                <a14:hiddenLine xmlns="" xmlns:a14="http://schemas.microsoft.com/office/drawing/2010/main" w="9525">
+                <a14:hiddenLine xmlns:a14="http://schemas.microsoft.com/office/drawing/2010/main" xmlns="" w="9525">
                   <a:solidFill>
                     <a:srgbClr val="000000"/>
                   </a:solidFill>
@@ -3216,7 +3218,7 @@
             </a:ln>
             <a:extLst>
               <a:ext uri="{91240B29-F687-4f45-9708-019B960494DF}">
-                <a14:hiddenLine xmlns="" xmlns:a14="http://schemas.microsoft.com/office/drawing/2010/main" w="9525">
+                <a14:hiddenLine xmlns:a14="http://schemas.microsoft.com/office/drawing/2010/main" xmlns="" w="9525">
                   <a:solidFill>
                     <a:srgbClr val="000000"/>
                   </a:solidFill>
@@ -3281,7 +3283,7 @@
             </a:ln>
             <a:extLst>
               <a:ext uri="{91240B29-F687-4f45-9708-019B960494DF}">
-                <a14:hiddenLine xmlns="" xmlns:a14="http://schemas.microsoft.com/office/drawing/2010/main" w="9525">
+                <a14:hiddenLine xmlns:a14="http://schemas.microsoft.com/office/drawing/2010/main" xmlns="" w="9525">
                   <a:solidFill>
                     <a:srgbClr val="000000"/>
                   </a:solidFill>
@@ -3371,7 +3373,7 @@
             </a:ln>
             <a:extLst>
               <a:ext uri="{91240B29-F687-4f45-9708-019B960494DF}">
-                <a14:hiddenLine xmlns="" xmlns:a14="http://schemas.microsoft.com/office/drawing/2010/main" w="9525">
+                <a14:hiddenLine xmlns:a14="http://schemas.microsoft.com/office/drawing/2010/main" xmlns="" w="9525">
                   <a:solidFill>
                     <a:srgbClr val="000000"/>
                   </a:solidFill>
@@ -3433,7 +3435,7 @@
             </a:ln>
             <a:extLst>
               <a:ext uri="{91240B29-F687-4f45-9708-019B960494DF}">
-                <a14:hiddenLine xmlns="" xmlns:a14="http://schemas.microsoft.com/office/drawing/2010/main" w="9525">
+                <a14:hiddenLine xmlns:a14="http://schemas.microsoft.com/office/drawing/2010/main" xmlns="" w="9525">
                   <a:solidFill>
                     <a:srgbClr val="000000"/>
                   </a:solidFill>
@@ -3523,7 +3525,7 @@
             </a:ln>
             <a:extLst>
               <a:ext uri="{91240B29-F687-4f45-9708-019B960494DF}">
-                <a14:hiddenLine xmlns="" xmlns:a14="http://schemas.microsoft.com/office/drawing/2010/main" w="9525">
+                <a14:hiddenLine xmlns:a14="http://schemas.microsoft.com/office/drawing/2010/main" xmlns="" w="9525">
                   <a:solidFill>
                     <a:srgbClr val="000000"/>
                   </a:solidFill>
@@ -3613,7 +3615,7 @@
             </a:ln>
             <a:extLst>
               <a:ext uri="{91240B29-F687-4f45-9708-019B960494DF}">
-                <a14:hiddenLine xmlns="" xmlns:a14="http://schemas.microsoft.com/office/drawing/2010/main" w="9525">
+                <a14:hiddenLine xmlns:a14="http://schemas.microsoft.com/office/drawing/2010/main" xmlns="" w="9525">
                   <a:solidFill>
                     <a:srgbClr val="000000"/>
                   </a:solidFill>
@@ -3678,7 +3680,7 @@
             </a:ln>
             <a:extLst>
               <a:ext uri="{91240B29-F687-4f45-9708-019B960494DF}">
-                <a14:hiddenLine xmlns="" xmlns:a14="http://schemas.microsoft.com/office/drawing/2010/main" w="9525">
+                <a14:hiddenLine xmlns:a14="http://schemas.microsoft.com/office/drawing/2010/main" xmlns="" w="9525">
                   <a:solidFill>
                     <a:srgbClr val="000000"/>
                   </a:solidFill>
@@ -3740,7 +3742,7 @@
             </a:ln>
             <a:extLst>
               <a:ext uri="{91240B29-F687-4f45-9708-019B960494DF}">
-                <a14:hiddenLine xmlns="" xmlns:a14="http://schemas.microsoft.com/office/drawing/2010/main" w="9525">
+                <a14:hiddenLine xmlns:a14="http://schemas.microsoft.com/office/drawing/2010/main" xmlns="" w="9525">
                   <a:solidFill>
                     <a:srgbClr val="000000"/>
                   </a:solidFill>
@@ -3830,7 +3832,7 @@
             </a:ln>
             <a:extLst>
               <a:ext uri="{91240B29-F687-4f45-9708-019B960494DF}">
-                <a14:hiddenLine xmlns="" xmlns:a14="http://schemas.microsoft.com/office/drawing/2010/main" w="9525">
+                <a14:hiddenLine xmlns:a14="http://schemas.microsoft.com/office/drawing/2010/main" xmlns="" w="9525">
                   <a:solidFill>
                     <a:srgbClr val="000000"/>
                   </a:solidFill>
@@ -3920,7 +3922,7 @@
             </a:ln>
             <a:extLst>
               <a:ext uri="{91240B29-F687-4f45-9708-019B960494DF}">
-                <a14:hiddenLine xmlns="" xmlns:a14="http://schemas.microsoft.com/office/drawing/2010/main" w="9525">
+                <a14:hiddenLine xmlns:a14="http://schemas.microsoft.com/office/drawing/2010/main" xmlns="" w="9525">
                   <a:solidFill>
                     <a:srgbClr val="000000"/>
                   </a:solidFill>
@@ -3982,7 +3984,7 @@
             </a:ln>
             <a:extLst>
               <a:ext uri="{91240B29-F687-4f45-9708-019B960494DF}">
-                <a14:hiddenLine xmlns="" xmlns:a14="http://schemas.microsoft.com/office/drawing/2010/main" w="9525">
+                <a14:hiddenLine xmlns:a14="http://schemas.microsoft.com/office/drawing/2010/main" xmlns="" w="9525">
                   <a:solidFill>
                     <a:srgbClr val="000000"/>
                   </a:solidFill>
@@ -4102,7 +4104,7 @@
             </a:ln>
             <a:extLst>
               <a:ext uri="{91240B29-F687-4f45-9708-019B960494DF}">
-                <a14:hiddenLine xmlns="" xmlns:a14="http://schemas.microsoft.com/office/drawing/2010/main" w="9525">
+                <a14:hiddenLine xmlns:a14="http://schemas.microsoft.com/office/drawing/2010/main" xmlns="" w="9525">
                   <a:solidFill>
                     <a:srgbClr val="000000"/>
                   </a:solidFill>
@@ -4170,7 +4172,7 @@
             </a:ln>
             <a:extLst>
               <a:ext uri="{91240B29-F687-4f45-9708-019B960494DF}">
-                <a14:hiddenLine xmlns="" xmlns:a14="http://schemas.microsoft.com/office/drawing/2010/main" w="9525">
+                <a14:hiddenLine xmlns:a14="http://schemas.microsoft.com/office/drawing/2010/main" xmlns="" w="9525">
                   <a:solidFill>
                     <a:srgbClr val="000000"/>
                   </a:solidFill>
@@ -4260,7 +4262,7 @@
             </a:ln>
             <a:extLst>
               <a:ext uri="{91240B29-F687-4f45-9708-019B960494DF}">
-                <a14:hiddenLine xmlns="" xmlns:a14="http://schemas.microsoft.com/office/drawing/2010/main" w="9525">
+                <a14:hiddenLine xmlns:a14="http://schemas.microsoft.com/office/drawing/2010/main" xmlns="" w="9525">
                   <a:solidFill>
                     <a:srgbClr val="000000"/>
                   </a:solidFill>
@@ -4401,7 +4403,7 @@
             <a:fld id="{B61BEF0D-F0BB-DE4B-95CE-6DB70DBA9567}" type="datetimeFigureOut">
               <a:rPr lang="en-US" smtClean="0"/>
               <a:pPr/>
-              <a:t>5/28/2018</a:t>
+              <a:t>5/30/2018</a:t>
             </a:fld>
             <a:endParaRPr lang="en-US" dirty="0"/>
           </a:p>
@@ -4670,7 +4672,7 @@
             <a:fld id="{B61BEF0D-F0BB-DE4B-95CE-6DB70DBA9567}" type="datetimeFigureOut">
               <a:rPr lang="en-US" smtClean="0"/>
               <a:pPr/>
-              <a:t>5/28/2018</a:t>
+              <a:t>5/30/2018</a:t>
             </a:fld>
             <a:endParaRPr lang="en-US" dirty="0"/>
           </a:p>
@@ -4868,7 +4870,7 @@
             <a:fld id="{B61BEF0D-F0BB-DE4B-95CE-6DB70DBA9567}" type="datetimeFigureOut">
               <a:rPr lang="en-US" smtClean="0"/>
               <a:pPr/>
-              <a:t>5/28/2018</a:t>
+              <a:t>5/30/2018</a:t>
             </a:fld>
             <a:endParaRPr lang="en-US" dirty="0"/>
           </a:p>
@@ -5133,7 +5135,7 @@
             <a:fld id="{B61BEF0D-F0BB-DE4B-95CE-6DB70DBA9567}" type="datetimeFigureOut">
               <a:rPr lang="en-US" smtClean="0"/>
               <a:pPr/>
-              <a:t>5/28/2018</a:t>
+              <a:t>5/30/2018</a:t>
             </a:fld>
             <a:endParaRPr lang="en-US" dirty="0"/>
           </a:p>
@@ -5569,7 +5571,7 @@
             <a:fld id="{B61BEF0D-F0BB-DE4B-95CE-6DB70DBA9567}" type="datetimeFigureOut">
               <a:rPr lang="en-US" smtClean="0"/>
               <a:pPr/>
-              <a:t>5/28/2018</a:t>
+              <a:t>5/30/2018</a:t>
             </a:fld>
             <a:endParaRPr lang="en-US" dirty="0"/>
           </a:p>
@@ -6117,7 +6119,7 @@
             <a:fld id="{B61BEF0D-F0BB-DE4B-95CE-6DB70DBA9567}" type="datetimeFigureOut">
               <a:rPr lang="en-US" smtClean="0"/>
               <a:pPr/>
-              <a:t>5/28/2018</a:t>
+              <a:t>5/30/2018</a:t>
             </a:fld>
             <a:endParaRPr lang="en-US" dirty="0"/>
           </a:p>
@@ -6839,7 +6841,7 @@
             <a:fld id="{B61BEF0D-F0BB-DE4B-95CE-6DB70DBA9567}" type="datetimeFigureOut">
               <a:rPr lang="en-US" smtClean="0"/>
               <a:pPr/>
-              <a:t>5/28/2018</a:t>
+              <a:t>5/30/2018</a:t>
             </a:fld>
             <a:endParaRPr lang="en-US" dirty="0"/>
           </a:p>
@@ -7011,7 +7013,7 @@
             <a:fld id="{B61BEF0D-F0BB-DE4B-95CE-6DB70DBA9567}" type="datetimeFigureOut">
               <a:rPr lang="en-US" smtClean="0"/>
               <a:pPr/>
-              <a:t>5/28/2018</a:t>
+              <a:t>5/30/2018</a:t>
             </a:fld>
             <a:endParaRPr lang="en-US" dirty="0"/>
           </a:p>
@@ -7193,7 +7195,7 @@
             <a:fld id="{B61BEF0D-F0BB-DE4B-95CE-6DB70DBA9567}" type="datetimeFigureOut">
               <a:rPr lang="en-US" smtClean="0"/>
               <a:pPr/>
-              <a:t>5/28/2018</a:t>
+              <a:t>5/30/2018</a:t>
             </a:fld>
             <a:endParaRPr lang="en-US" dirty="0"/>
           </a:p>
@@ -7365,7 +7367,7 @@
             <a:fld id="{B61BEF0D-F0BB-DE4B-95CE-6DB70DBA9567}" type="datetimeFigureOut">
               <a:rPr lang="en-US" smtClean="0"/>
               <a:pPr/>
-              <a:t>5/28/2018</a:t>
+              <a:t>5/30/2018</a:t>
             </a:fld>
             <a:endParaRPr lang="en-US" dirty="0"/>
           </a:p>
@@ -7617,7 +7619,7 @@
             <a:fld id="{B61BEF0D-F0BB-DE4B-95CE-6DB70DBA9567}" type="datetimeFigureOut">
               <a:rPr lang="en-US" smtClean="0"/>
               <a:pPr/>
-              <a:t>5/28/2018</a:t>
+              <a:t>5/30/2018</a:t>
             </a:fld>
             <a:endParaRPr lang="en-US" dirty="0"/>
           </a:p>
@@ -7851,7 +7853,7 @@
             <a:fld id="{B61BEF0D-F0BB-DE4B-95CE-6DB70DBA9567}" type="datetimeFigureOut">
               <a:rPr lang="en-US" smtClean="0"/>
               <a:pPr/>
-              <a:t>5/28/2018</a:t>
+              <a:t>5/30/2018</a:t>
             </a:fld>
             <a:endParaRPr lang="en-US" dirty="0"/>
           </a:p>
@@ -8234,7 +8236,7 @@
             <a:fld id="{B61BEF0D-F0BB-DE4B-95CE-6DB70DBA9567}" type="datetimeFigureOut">
               <a:rPr lang="en-US" smtClean="0"/>
               <a:pPr/>
-              <a:t>5/28/2018</a:t>
+              <a:t>5/30/2018</a:t>
             </a:fld>
             <a:endParaRPr lang="en-US" dirty="0"/>
           </a:p>
@@ -8354,7 +8356,7 @@
             <a:fld id="{B61BEF0D-F0BB-DE4B-95CE-6DB70DBA9567}" type="datetimeFigureOut">
               <a:rPr lang="en-US" smtClean="0"/>
               <a:pPr/>
-              <a:t>5/28/2018</a:t>
+              <a:t>5/30/2018</a:t>
             </a:fld>
             <a:endParaRPr lang="en-US" dirty="0"/>
           </a:p>
@@ -8451,7 +8453,7 @@
             <a:fld id="{B61BEF0D-F0BB-DE4B-95CE-6DB70DBA9567}" type="datetimeFigureOut">
               <a:rPr lang="en-US" smtClean="0"/>
               <a:pPr/>
-              <a:t>5/28/2018</a:t>
+              <a:t>5/30/2018</a:t>
             </a:fld>
             <a:endParaRPr lang="en-US" dirty="0"/>
           </a:p>
@@ -8702,7 +8704,7 @@
             <a:fld id="{B61BEF0D-F0BB-DE4B-95CE-6DB70DBA9567}" type="datetimeFigureOut">
               <a:rPr lang="en-US" smtClean="0"/>
               <a:pPr/>
-              <a:t>5/28/2018</a:t>
+              <a:t>5/30/2018</a:t>
             </a:fld>
             <a:endParaRPr lang="en-US" dirty="0"/>
           </a:p>
@@ -8984,7 +8986,7 @@
             <a:fld id="{B61BEF0D-F0BB-DE4B-95CE-6DB70DBA9567}" type="datetimeFigureOut">
               <a:rPr lang="en-US" smtClean="0"/>
               <a:pPr/>
-              <a:t>5/28/2018</a:t>
+              <a:t>5/30/2018</a:t>
             </a:fld>
             <a:endParaRPr lang="en-US" dirty="0"/>
           </a:p>
@@ -9108,7 +9110,7 @@
           <a:noFill/>
           <a:extLst>
             <a:ext uri="{909E8E84-426E-40dd-AFC4-6F175D3DCCD1}">
-              <a14:hiddenFill xmlns="" xmlns:a14="http://schemas.microsoft.com/office/drawing/2010/main">
+              <a14:hiddenFill xmlns:a14="http://schemas.microsoft.com/office/drawing/2010/main" xmlns="">
                 <a:solidFill>
                   <a:srgbClr val="FFFFFF"/>
                 </a:solidFill>
@@ -9182,7 +9184,7 @@
               </a:ln>
               <a:extLst>
                 <a:ext uri="{91240B29-F687-4f45-9708-019B960494DF}">
-                  <a14:hiddenLine xmlns="" xmlns:a14="http://schemas.microsoft.com/office/drawing/2010/main" w="9525">
+                  <a14:hiddenLine xmlns:a14="http://schemas.microsoft.com/office/drawing/2010/main" xmlns="" w="9525">
                     <a:solidFill>
                       <a:srgbClr val="000000"/>
                     </a:solidFill>
@@ -9272,7 +9274,7 @@
               </a:ln>
               <a:extLst>
                 <a:ext uri="{91240B29-F687-4f45-9708-019B960494DF}">
-                  <a14:hiddenLine xmlns="" xmlns:a14="http://schemas.microsoft.com/office/drawing/2010/main" w="9525">
+                  <a14:hiddenLine xmlns:a14="http://schemas.microsoft.com/office/drawing/2010/main" xmlns="" w="9525">
                     <a:solidFill>
                       <a:srgbClr val="000000"/>
                     </a:solidFill>
@@ -9362,7 +9364,7 @@
               </a:ln>
               <a:extLst>
                 <a:ext uri="{91240B29-F687-4f45-9708-019B960494DF}">
-                  <a14:hiddenLine xmlns="" xmlns:a14="http://schemas.microsoft.com/office/drawing/2010/main" w="9525">
+                  <a14:hiddenLine xmlns:a14="http://schemas.microsoft.com/office/drawing/2010/main" xmlns="" w="9525">
                     <a:solidFill>
                       <a:srgbClr val="000000"/>
                     </a:solidFill>
@@ -9424,7 +9426,7 @@
               </a:ln>
               <a:extLst>
                 <a:ext uri="{91240B29-F687-4f45-9708-019B960494DF}">
-                  <a14:hiddenLine xmlns="" xmlns:a14="http://schemas.microsoft.com/office/drawing/2010/main" w="9525">
+                  <a14:hiddenLine xmlns:a14="http://schemas.microsoft.com/office/drawing/2010/main" xmlns="" w="9525">
                     <a:solidFill>
                       <a:srgbClr val="000000"/>
                     </a:solidFill>
@@ -9514,7 +9516,7 @@
               </a:ln>
               <a:extLst>
                 <a:ext uri="{91240B29-F687-4f45-9708-019B960494DF}">
-                  <a14:hiddenLine xmlns="" xmlns:a14="http://schemas.microsoft.com/office/drawing/2010/main" w="9525">
+                  <a14:hiddenLine xmlns:a14="http://schemas.microsoft.com/office/drawing/2010/main" xmlns="" w="9525">
                     <a:solidFill>
                       <a:srgbClr val="000000"/>
                     </a:solidFill>
@@ -9576,7 +9578,7 @@
               </a:ln>
               <a:extLst>
                 <a:ext uri="{91240B29-F687-4f45-9708-019B960494DF}">
-                  <a14:hiddenLine xmlns="" xmlns:a14="http://schemas.microsoft.com/office/drawing/2010/main" w="9525">
+                  <a14:hiddenLine xmlns:a14="http://schemas.microsoft.com/office/drawing/2010/main" xmlns="" w="9525">
                     <a:solidFill>
                       <a:srgbClr val="000000"/>
                     </a:solidFill>
@@ -9638,7 +9640,7 @@
               </a:ln>
               <a:extLst>
                 <a:ext uri="{91240B29-F687-4f45-9708-019B960494DF}">
-                  <a14:hiddenLine xmlns="" xmlns:a14="http://schemas.microsoft.com/office/drawing/2010/main" w="9525">
+                  <a14:hiddenLine xmlns:a14="http://schemas.microsoft.com/office/drawing/2010/main" xmlns="" w="9525">
                     <a:solidFill>
                       <a:srgbClr val="000000"/>
                     </a:solidFill>
@@ -9728,7 +9730,7 @@
               </a:ln>
               <a:extLst>
                 <a:ext uri="{91240B29-F687-4f45-9708-019B960494DF}">
-                  <a14:hiddenLine xmlns="" xmlns:a14="http://schemas.microsoft.com/office/drawing/2010/main" w="9525">
+                  <a14:hiddenLine xmlns:a14="http://schemas.microsoft.com/office/drawing/2010/main" xmlns="" w="9525">
                     <a:solidFill>
                       <a:srgbClr val="000000"/>
                     </a:solidFill>
@@ -9818,7 +9820,7 @@
               </a:ln>
               <a:extLst>
                 <a:ext uri="{91240B29-F687-4f45-9708-019B960494DF}">
-                  <a14:hiddenLine xmlns="" xmlns:a14="http://schemas.microsoft.com/office/drawing/2010/main" w="9525">
+                  <a14:hiddenLine xmlns:a14="http://schemas.microsoft.com/office/drawing/2010/main" xmlns="" w="9525">
                     <a:solidFill>
                       <a:srgbClr val="000000"/>
                     </a:solidFill>
@@ -9880,7 +9882,7 @@
               </a:ln>
               <a:extLst>
                 <a:ext uri="{91240B29-F687-4f45-9708-019B960494DF}">
-                  <a14:hiddenLine xmlns="" xmlns:a14="http://schemas.microsoft.com/office/drawing/2010/main" w="9525">
+                  <a14:hiddenLine xmlns:a14="http://schemas.microsoft.com/office/drawing/2010/main" xmlns="" w="9525">
                     <a:solidFill>
                       <a:srgbClr val="000000"/>
                     </a:solidFill>
@@ -9990,7 +9992,7 @@
               </a:ln>
               <a:extLst>
                 <a:ext uri="{91240B29-F687-4f45-9708-019B960494DF}">
-                  <a14:hiddenLine xmlns="" xmlns:a14="http://schemas.microsoft.com/office/drawing/2010/main" w="9525">
+                  <a14:hiddenLine xmlns:a14="http://schemas.microsoft.com/office/drawing/2010/main" xmlns="" w="9525">
                     <a:solidFill>
                       <a:srgbClr val="000000"/>
                     </a:solidFill>
@@ -10074,7 +10076,7 @@
               </a:ln>
               <a:extLst>
                 <a:ext uri="{91240B29-F687-4f45-9708-019B960494DF}">
-                  <a14:hiddenLine xmlns="" xmlns:a14="http://schemas.microsoft.com/office/drawing/2010/main" w="9525">
+                  <a14:hiddenLine xmlns:a14="http://schemas.microsoft.com/office/drawing/2010/main" xmlns="" w="9525">
                     <a:solidFill>
                       <a:srgbClr val="000000"/>
                     </a:solidFill>
@@ -10136,7 +10138,7 @@
               </a:ln>
               <a:extLst>
                 <a:ext uri="{91240B29-F687-4f45-9708-019B960494DF}">
-                  <a14:hiddenLine xmlns="" xmlns:a14="http://schemas.microsoft.com/office/drawing/2010/main" w="9525">
+                  <a14:hiddenLine xmlns:a14="http://schemas.microsoft.com/office/drawing/2010/main" xmlns="" w="9525">
                     <a:solidFill>
                       <a:srgbClr val="000000"/>
                     </a:solidFill>
@@ -10198,7 +10200,7 @@
               </a:ln>
               <a:extLst>
                 <a:ext uri="{91240B29-F687-4f45-9708-019B960494DF}">
-                  <a14:hiddenLine xmlns="" xmlns:a14="http://schemas.microsoft.com/office/drawing/2010/main" w="9525">
+                  <a14:hiddenLine xmlns:a14="http://schemas.microsoft.com/office/drawing/2010/main" xmlns="" w="9525">
                     <a:solidFill>
                       <a:srgbClr val="000000"/>
                     </a:solidFill>
@@ -10288,7 +10290,7 @@
               </a:ln>
               <a:extLst>
                 <a:ext uri="{91240B29-F687-4f45-9708-019B960494DF}">
-                  <a14:hiddenLine xmlns="" xmlns:a14="http://schemas.microsoft.com/office/drawing/2010/main" w="9525">
+                  <a14:hiddenLine xmlns:a14="http://schemas.microsoft.com/office/drawing/2010/main" xmlns="" w="9525">
                     <a:solidFill>
                       <a:srgbClr val="000000"/>
                     </a:solidFill>
@@ -10322,7 +10324,7 @@
               </a:ln>
               <a:extLst>
                 <a:ext uri="{91240B29-F687-4f45-9708-019B960494DF}">
-                  <a14:hiddenLine xmlns="" xmlns:a14="http://schemas.microsoft.com/office/drawing/2010/main" w="9525">
+                  <a14:hiddenLine xmlns:a14="http://schemas.microsoft.com/office/drawing/2010/main" xmlns="" w="9525">
                     <a:solidFill>
                       <a:srgbClr val="000000"/>
                     </a:solidFill>
@@ -10387,7 +10389,7 @@
               </a:ln>
               <a:extLst>
                 <a:ext uri="{91240B29-F687-4f45-9708-019B960494DF}">
-                  <a14:hiddenLine xmlns="" xmlns:a14="http://schemas.microsoft.com/office/drawing/2010/main" w="9525">
+                  <a14:hiddenLine xmlns:a14="http://schemas.microsoft.com/office/drawing/2010/main" xmlns="" w="9525">
                     <a:solidFill>
                       <a:srgbClr val="000000"/>
                     </a:solidFill>
@@ -10477,7 +10479,7 @@
               </a:ln>
               <a:extLst>
                 <a:ext uri="{91240B29-F687-4f45-9708-019B960494DF}">
-                  <a14:hiddenLine xmlns="" xmlns:a14="http://schemas.microsoft.com/office/drawing/2010/main" w="9525">
+                  <a14:hiddenLine xmlns:a14="http://schemas.microsoft.com/office/drawing/2010/main" xmlns="" w="9525">
                     <a:solidFill>
                       <a:srgbClr val="000000"/>
                     </a:solidFill>
@@ -10539,7 +10541,7 @@
               </a:ln>
               <a:extLst>
                 <a:ext uri="{91240B29-F687-4f45-9708-019B960494DF}">
-                  <a14:hiddenLine xmlns="" xmlns:a14="http://schemas.microsoft.com/office/drawing/2010/main" w="9525">
+                  <a14:hiddenLine xmlns:a14="http://schemas.microsoft.com/office/drawing/2010/main" xmlns="" w="9525">
                     <a:solidFill>
                       <a:srgbClr val="000000"/>
                     </a:solidFill>
@@ -10629,7 +10631,7 @@
               </a:ln>
               <a:extLst>
                 <a:ext uri="{91240B29-F687-4f45-9708-019B960494DF}">
-                  <a14:hiddenLine xmlns="" xmlns:a14="http://schemas.microsoft.com/office/drawing/2010/main" w="9525">
+                  <a14:hiddenLine xmlns:a14="http://schemas.microsoft.com/office/drawing/2010/main" xmlns="" w="9525">
                     <a:solidFill>
                       <a:srgbClr val="000000"/>
                     </a:solidFill>
@@ -10694,7 +10696,7 @@
               </a:ln>
               <a:extLst>
                 <a:ext uri="{91240B29-F687-4f45-9708-019B960494DF}">
-                  <a14:hiddenLine xmlns="" xmlns:a14="http://schemas.microsoft.com/office/drawing/2010/main" w="9525">
+                  <a14:hiddenLine xmlns:a14="http://schemas.microsoft.com/office/drawing/2010/main" xmlns="" w="9525">
                     <a:solidFill>
                       <a:srgbClr val="000000"/>
                     </a:solidFill>
@@ -10756,7 +10758,7 @@
               </a:ln>
               <a:extLst>
                 <a:ext uri="{91240B29-F687-4f45-9708-019B960494DF}">
-                  <a14:hiddenLine xmlns="" xmlns:a14="http://schemas.microsoft.com/office/drawing/2010/main" w="9525">
+                  <a14:hiddenLine xmlns:a14="http://schemas.microsoft.com/office/drawing/2010/main" xmlns="" w="9525">
                     <a:solidFill>
                       <a:srgbClr val="000000"/>
                     </a:solidFill>
@@ -10846,7 +10848,7 @@
               </a:ln>
               <a:extLst>
                 <a:ext uri="{91240B29-F687-4f45-9708-019B960494DF}">
-                  <a14:hiddenLine xmlns="" xmlns:a14="http://schemas.microsoft.com/office/drawing/2010/main" w="9525">
+                  <a14:hiddenLine xmlns:a14="http://schemas.microsoft.com/office/drawing/2010/main" xmlns="" w="9525">
                     <a:solidFill>
                       <a:srgbClr val="000000"/>
                     </a:solidFill>
@@ -10936,7 +10938,7 @@
               </a:ln>
               <a:extLst>
                 <a:ext uri="{91240B29-F687-4f45-9708-019B960494DF}">
-                  <a14:hiddenLine xmlns="" xmlns:a14="http://schemas.microsoft.com/office/drawing/2010/main" w="9525">
+                  <a14:hiddenLine xmlns:a14="http://schemas.microsoft.com/office/drawing/2010/main" xmlns="" w="9525">
                     <a:solidFill>
                       <a:srgbClr val="000000"/>
                     </a:solidFill>
@@ -11001,7 +11003,7 @@
               </a:ln>
               <a:extLst>
                 <a:ext uri="{91240B29-F687-4f45-9708-019B960494DF}">
-                  <a14:hiddenLine xmlns="" xmlns:a14="http://schemas.microsoft.com/office/drawing/2010/main" w="9525">
+                  <a14:hiddenLine xmlns:a14="http://schemas.microsoft.com/office/drawing/2010/main" xmlns="" w="9525">
                     <a:solidFill>
                       <a:srgbClr val="000000"/>
                     </a:solidFill>
@@ -11121,7 +11123,7 @@
               </a:ln>
               <a:extLst>
                 <a:ext uri="{91240B29-F687-4f45-9708-019B960494DF}">
-                  <a14:hiddenLine xmlns="" xmlns:a14="http://schemas.microsoft.com/office/drawing/2010/main" w="9525">
+                  <a14:hiddenLine xmlns:a14="http://schemas.microsoft.com/office/drawing/2010/main" xmlns="" w="9525">
                     <a:solidFill>
                       <a:srgbClr val="000000"/>
                     </a:solidFill>
@@ -11202,7 +11204,7 @@
               </a:ln>
               <a:extLst>
                 <a:ext uri="{91240B29-F687-4f45-9708-019B960494DF}">
-                  <a14:hiddenLine xmlns="" xmlns:a14="http://schemas.microsoft.com/office/drawing/2010/main" w="9525">
+                  <a14:hiddenLine xmlns:a14="http://schemas.microsoft.com/office/drawing/2010/main" xmlns="" w="9525">
                     <a:solidFill>
                       <a:srgbClr val="000000"/>
                     </a:solidFill>
@@ -11317,7 +11319,7 @@
               </a:ln>
               <a:extLst>
                 <a:ext uri="{91240B29-F687-4f45-9708-019B960494DF}">
-                  <a14:hiddenLine xmlns="" xmlns:a14="http://schemas.microsoft.com/office/drawing/2010/main" w="9525">
+                  <a14:hiddenLine xmlns:a14="http://schemas.microsoft.com/office/drawing/2010/main" xmlns="" w="9525">
                     <a:solidFill>
                       <a:srgbClr val="000000"/>
                     </a:solidFill>
@@ -11407,7 +11409,7 @@
               </a:ln>
               <a:extLst>
                 <a:ext uri="{91240B29-F687-4f45-9708-019B960494DF}">
-                  <a14:hiddenLine xmlns="" xmlns:a14="http://schemas.microsoft.com/office/drawing/2010/main" w="9525">
+                  <a14:hiddenLine xmlns:a14="http://schemas.microsoft.com/office/drawing/2010/main" xmlns="" w="9525">
                     <a:solidFill>
                       <a:srgbClr val="000000"/>
                     </a:solidFill>
@@ -11472,7 +11474,7 @@
               </a:ln>
               <a:extLst>
                 <a:ext uri="{91240B29-F687-4f45-9708-019B960494DF}">
-                  <a14:hiddenLine xmlns="" xmlns:a14="http://schemas.microsoft.com/office/drawing/2010/main" w="9525">
+                  <a14:hiddenLine xmlns:a14="http://schemas.microsoft.com/office/drawing/2010/main" xmlns="" w="9525">
                     <a:solidFill>
                       <a:srgbClr val="000000"/>
                     </a:solidFill>
@@ -11562,7 +11564,7 @@
               </a:ln>
               <a:extLst>
                 <a:ext uri="{91240B29-F687-4f45-9708-019B960494DF}">
-                  <a14:hiddenLine xmlns="" xmlns:a14="http://schemas.microsoft.com/office/drawing/2010/main" w="9525">
+                  <a14:hiddenLine xmlns:a14="http://schemas.microsoft.com/office/drawing/2010/main" xmlns="" w="9525">
                     <a:solidFill>
                       <a:srgbClr val="000000"/>
                     </a:solidFill>
@@ -11630,7 +11632,7 @@
               </a:ln>
               <a:extLst>
                 <a:ext uri="{91240B29-F687-4f45-9708-019B960494DF}">
-                  <a14:hiddenLine xmlns="" xmlns:a14="http://schemas.microsoft.com/office/drawing/2010/main" w="9525">
+                  <a14:hiddenLine xmlns:a14="http://schemas.microsoft.com/office/drawing/2010/main" xmlns="" w="9525">
                     <a:solidFill>
                       <a:srgbClr val="000000"/>
                     </a:solidFill>
@@ -11720,7 +11722,7 @@
               </a:ln>
               <a:extLst>
                 <a:ext uri="{91240B29-F687-4f45-9708-019B960494DF}">
-                  <a14:hiddenLine xmlns="" xmlns:a14="http://schemas.microsoft.com/office/drawing/2010/main" w="9525">
+                  <a14:hiddenLine xmlns:a14="http://schemas.microsoft.com/office/drawing/2010/main" xmlns="" w="9525">
                     <a:solidFill>
                       <a:srgbClr val="000000"/>
                     </a:solidFill>
@@ -11788,7 +11790,7 @@
               </a:ln>
               <a:extLst>
                 <a:ext uri="{91240B29-F687-4f45-9708-019B960494DF}">
-                  <a14:hiddenLine xmlns="" xmlns:a14="http://schemas.microsoft.com/office/drawing/2010/main" w="9525">
+                  <a14:hiddenLine xmlns:a14="http://schemas.microsoft.com/office/drawing/2010/main" xmlns="" w="9525">
                     <a:solidFill>
                       <a:srgbClr val="000000"/>
                     </a:solidFill>
@@ -11878,7 +11880,7 @@
               </a:ln>
               <a:extLst>
                 <a:ext uri="{91240B29-F687-4f45-9708-019B960494DF}">
-                  <a14:hiddenLine xmlns="" xmlns:a14="http://schemas.microsoft.com/office/drawing/2010/main" w="9525">
+                  <a14:hiddenLine xmlns:a14="http://schemas.microsoft.com/office/drawing/2010/main" xmlns="" w="9525">
                     <a:solidFill>
                       <a:srgbClr val="000000"/>
                     </a:solidFill>
@@ -11912,7 +11914,7 @@
               </a:ln>
               <a:extLst>
                 <a:ext uri="{91240B29-F687-4f45-9708-019B960494DF}">
-                  <a14:hiddenLine xmlns="" xmlns:a14="http://schemas.microsoft.com/office/drawing/2010/main" w="9525">
+                  <a14:hiddenLine xmlns:a14="http://schemas.microsoft.com/office/drawing/2010/main" xmlns="" w="9525">
                     <a:solidFill>
                       <a:srgbClr val="000000"/>
                     </a:solidFill>
@@ -12053,7 +12055,7 @@
             <a:fld id="{B61BEF0D-F0BB-DE4B-95CE-6DB70DBA9567}" type="datetimeFigureOut">
               <a:rPr lang="en-US" smtClean="0"/>
               <a:pPr/>
-              <a:t>5/28/2018</a:t>
+              <a:t>5/30/2018</a:t>
             </a:fld>
             <a:endParaRPr lang="en-US" dirty="0"/>
           </a:p>
@@ -12634,7 +12636,7 @@
             <a:noFill/>
             <a:extLst>
               <a:ext uri="{909E8E84-426E-40dd-AFC4-6F175D3DCCD1}">
-                <a14:hiddenFill xmlns:a14="http://schemas.microsoft.com/office/drawing/2010/main" xmlns:p14="http://schemas.microsoft.com/office/powerpoint/2010/main" xmlns="">
+                <a14:hiddenFill xmlns="" xmlns:p14="http://schemas.microsoft.com/office/powerpoint/2010/main" xmlns:a14="http://schemas.microsoft.com/office/drawing/2010/main">
                   <a:solidFill>
                     <a:srgbClr val="FFFFFF"/>
                   </a:solidFill>
@@ -14873,7 +14875,7 @@
             <a:noFill/>
             <a:extLst>
               <a:ext uri="{909E8E84-426E-40dd-AFC4-6F175D3DCCD1}">
-                <a14:hiddenFill xmlns:a14="http://schemas.microsoft.com/office/drawing/2010/main" xmlns:p14="http://schemas.microsoft.com/office/powerpoint/2010/main" xmlns="">
+                <a14:hiddenFill xmlns="" xmlns:p14="http://schemas.microsoft.com/office/powerpoint/2010/main" xmlns:a14="http://schemas.microsoft.com/office/drawing/2010/main">
                   <a:solidFill>
                     <a:srgbClr val="FFFFFF"/>
                   </a:solidFill>
@@ -17079,7 +17081,7 @@
             <a:noFill/>
             <a:extLst>
               <a:ext uri="{909E8E84-426E-40dd-AFC4-6F175D3DCCD1}">
-                <a14:hiddenFill xmlns:a14="http://schemas.microsoft.com/office/drawing/2010/main" xmlns:p14="http://schemas.microsoft.com/office/powerpoint/2010/main" xmlns="">
+                <a14:hiddenFill xmlns="" xmlns:p14="http://schemas.microsoft.com/office/powerpoint/2010/main" xmlns:a14="http://schemas.microsoft.com/office/drawing/2010/main">
                   <a:solidFill>
                     <a:srgbClr val="FFFFFF"/>
                   </a:solidFill>
@@ -19294,7 +19296,7 @@
             <a:noFill/>
             <a:extLst>
               <a:ext uri="{909E8E84-426E-40dd-AFC4-6F175D3DCCD1}">
-                <a14:hiddenFill xmlns:a14="http://schemas.microsoft.com/office/drawing/2010/main" xmlns:p14="http://schemas.microsoft.com/office/powerpoint/2010/main" xmlns="">
+                <a14:hiddenFill xmlns="" xmlns:p14="http://schemas.microsoft.com/office/powerpoint/2010/main" xmlns:a14="http://schemas.microsoft.com/office/drawing/2010/main">
                   <a:solidFill>
                     <a:srgbClr val="FFFFFF"/>
                   </a:solidFill>
@@ -21837,7 +21839,7 @@
             <a:noFill/>
             <a:extLst>
               <a:ext uri="{909E8E84-426E-40dd-AFC4-6F175D3DCCD1}">
-                <a14:hiddenFill xmlns:a14="http://schemas.microsoft.com/office/drawing/2010/main" xmlns:p14="http://schemas.microsoft.com/office/powerpoint/2010/main" xmlns="">
+                <a14:hiddenFill xmlns="" xmlns:p14="http://schemas.microsoft.com/office/powerpoint/2010/main" xmlns:a14="http://schemas.microsoft.com/office/drawing/2010/main">
                   <a:solidFill>
                     <a:srgbClr val="FFFFFF"/>
                   </a:solidFill>
@@ -23770,8 +23772,13 @@
             <a:pPr algn="ctr"/>
             <a:r>
               <a:rPr lang="de-DE" dirty="0"/>
-              <a:t>Charakter</a:t>
+              <a:t>Charakter 1: </a:t>
             </a:r>
+            <a:r>
+              <a:rPr lang="de-DE" dirty="0" err="1"/>
+              <a:t>Gunslinger</a:t>
+            </a:r>
+            <a:endParaRPr lang="de-DE" dirty="0"/>
           </a:p>
         </p:txBody>
       </p:sp>
@@ -24199,7 +24206,7 @@
             <a:noFill/>
             <a:extLst>
               <a:ext uri="{909E8E84-426E-40dd-AFC4-6F175D3DCCD1}">
-                <a14:hiddenFill xmlns:a14="http://schemas.microsoft.com/office/drawing/2010/main" xmlns:p14="http://schemas.microsoft.com/office/powerpoint/2010/main" xmlns="">
+                <a14:hiddenFill xmlns="" xmlns:p14="http://schemas.microsoft.com/office/powerpoint/2010/main" xmlns:a14="http://schemas.microsoft.com/office/drawing/2010/main">
                   <a:solidFill>
                     <a:srgbClr val="FFFFFF"/>
                   </a:solidFill>
@@ -26266,6 +26273,4647 @@
       </p:grpSpPr>
       <p:grpSp>
         <p:nvGrpSpPr>
+          <p:cNvPr id="14" name="Group 13">
+            <a:extLst>
+              <a:ext uri="{FF2B5EF4-FFF2-40B4-BE49-F238E27FC236}">
+                <a16:creationId xmlns:a16="http://schemas.microsoft.com/office/drawing/2014/main" id="{7065E17B-CDCD-46E2-BC9B-1D82F571CFF1}"/>
+              </a:ext>
+            </a:extLst>
+          </p:cNvPr>
+          <p:cNvGrpSpPr>
+            <a:grpSpLocks noGrp="1" noUngrp="1" noRot="1" noChangeAspect="1" noMove="1" noResize="1"/>
+          </p:cNvGrpSpPr>
+          <p:nvPr>
+            <p:extLst>
+              <p:ext uri="{386F3935-93C4-4BCD-93E2-E3B085C9AB24}">
+                <p16:designElem xmlns:p16="http://schemas.microsoft.com/office/powerpoint/2015/main" val="1"/>
+              </p:ext>
+            </p:extLst>
+          </p:nvPr>
+        </p:nvGrpSpPr>
+        <p:grpSpPr>
+          <a:xfrm>
+            <a:off x="0" y="-1"/>
+            <a:ext cx="12192003" cy="6858001"/>
+            <a:chOff x="0" y="-1"/>
+            <a:chExt cx="12192003" cy="6858001"/>
+          </a:xfrm>
+        </p:grpSpPr>
+        <p:sp useBgFill="1">
+          <p:nvSpPr>
+            <p:cNvPr id="15" name="Rectangle 14">
+              <a:extLst>
+                <a:ext uri="{FF2B5EF4-FFF2-40B4-BE49-F238E27FC236}">
+                  <a16:creationId xmlns:a16="http://schemas.microsoft.com/office/drawing/2014/main" id="{A9AC8922-D691-4F33-86FF-674B72C9E85F}"/>
+                </a:ext>
+              </a:extLst>
+            </p:cNvPr>
+            <p:cNvSpPr/>
+            <p:nvPr>
+              <p:extLst>
+                <p:ext uri="{386F3935-93C4-4BCD-93E2-E3B085C9AB24}">
+                  <p16:designElem xmlns:p16="http://schemas.microsoft.com/office/powerpoint/2015/main" val="1"/>
+                </p:ext>
+              </p:extLst>
+            </p:nvPr>
+          </p:nvSpPr>
+          <p:spPr>
+            <a:xfrm>
+              <a:off x="1" y="-1"/>
+              <a:ext cx="12192000" cy="6858000"/>
+            </a:xfrm>
+            <a:prstGeom prst="rect">
+              <a:avLst/>
+            </a:prstGeom>
+            <a:ln>
+              <a:noFill/>
+            </a:ln>
+          </p:spPr>
+          <p:style>
+            <a:lnRef idx="2">
+              <a:schemeClr val="accent1">
+                <a:shade val="50000"/>
+              </a:schemeClr>
+            </a:lnRef>
+            <a:fillRef idx="1">
+              <a:schemeClr val="accent1"/>
+            </a:fillRef>
+            <a:effectRef idx="0">
+              <a:schemeClr val="accent1"/>
+            </a:effectRef>
+            <a:fontRef idx="minor">
+              <a:schemeClr val="lt1"/>
+            </a:fontRef>
+          </p:style>
+          <p:txBody>
+            <a:bodyPr rtlCol="0" anchor="ctr"/>
+            <a:lstStyle/>
+            <a:p>
+              <a:pPr algn="ctr"/>
+              <a:endParaRPr lang="en-US"/>
+            </a:p>
+          </p:txBody>
+        </p:sp>
+        <p:pic>
+          <p:nvPicPr>
+            <p:cNvPr id="16" name="Picture 2">
+              <a:extLst>
+                <a:ext uri="{FF2B5EF4-FFF2-40B4-BE49-F238E27FC236}">
+                  <a16:creationId xmlns:a16="http://schemas.microsoft.com/office/drawing/2014/main" id="{30A72236-D2DA-40B6-9BD4-531CCA58772D}"/>
+                </a:ext>
+              </a:extLst>
+            </p:cNvPr>
+            <p:cNvPicPr>
+              <a:picLocks noChangeAspect="1" noChangeArrowheads="1"/>
+            </p:cNvPicPr>
+            <p:nvPr>
+              <p:extLst>
+                <p:ext uri="{386F3935-93C4-4BCD-93E2-E3B085C9AB24}">
+                  <p16:designElem xmlns:p16="http://schemas.microsoft.com/office/powerpoint/2015/main" val="1"/>
+                </p:ext>
+              </p:extLst>
+            </p:nvPr>
+          </p:nvPicPr>
+          <p:blipFill>
+            <a:blip r:embed="rId3">
+              <a:alphaModFix amt="30000"/>
+              <a:duotone>
+                <a:prstClr val="black"/>
+                <a:schemeClr val="tx2">
+                  <a:tint val="45000"/>
+                  <a:satMod val="400000"/>
+                </a:schemeClr>
+              </a:duotone>
+              <a:extLst>
+                <a:ext uri="{28A0092B-C50C-407E-A947-70E740481C1C}">
+                  <a14:useLocalDpi xmlns:a14="http://schemas.microsoft.com/office/drawing/2010/main" val="0"/>
+                </a:ext>
+              </a:extLst>
+            </a:blip>
+            <a:srcRect/>
+            <a:stretch>
+              <a:fillRect/>
+            </a:stretch>
+          </p:blipFill>
+          <p:spPr bwMode="auto">
+            <a:xfrm>
+              <a:off x="0" y="-1"/>
+              <a:ext cx="12192003" cy="6858001"/>
+            </a:xfrm>
+            <a:prstGeom prst="rect">
+              <a:avLst/>
+            </a:prstGeom>
+            <a:noFill/>
+            <a:extLst>
+              <a:ext uri="{909E8E84-426E-40dd-AFC4-6F175D3DCCD1}">
+                <a14:hiddenFill xmlns="" xmlns:p14="http://schemas.microsoft.com/office/powerpoint/2010/main" xmlns:a14="http://schemas.microsoft.com/office/drawing/2010/main">
+                  <a:solidFill>
+                    <a:srgbClr val="FFFFFF"/>
+                  </a:solidFill>
+                </a14:hiddenFill>
+              </a:ext>
+            </a:extLst>
+          </p:spPr>
+        </p:pic>
+      </p:grpSp>
+      <p:pic>
+        <p:nvPicPr>
+          <p:cNvPr id="9" name="Grafik 8" descr="Ein Bild, das drinnen, Boden, Tisch, alt enthält.&#10;&#10;Mit sehr hoher Zuverlässigkeit generierte Beschreibung">
+            <a:extLst>
+              <a:ext uri="{FF2B5EF4-FFF2-40B4-BE49-F238E27FC236}">
+                <a16:creationId xmlns:a16="http://schemas.microsoft.com/office/drawing/2014/main" id="{26C00CEF-A9A3-4B14-9A4A-AB5E19C490EB}"/>
+              </a:ext>
+            </a:extLst>
+          </p:cNvPr>
+          <p:cNvPicPr>
+            <a:picLocks noChangeAspect="1"/>
+          </p:cNvPicPr>
+          <p:nvPr/>
+        </p:nvPicPr>
+        <p:blipFill rotWithShape="1">
+          <a:blip r:embed="rId4">
+            <a:alphaModFix amt="30000"/>
+            <a:extLst/>
+          </a:blip>
+          <a:srcRect t="5783" b="13258"/>
+          <a:stretch/>
+        </p:blipFill>
+        <p:spPr>
+          <a:xfrm>
+            <a:off x="3611" y="10"/>
+            <a:ext cx="12188389" cy="6857990"/>
+          </a:xfrm>
+          <a:prstGeom prst="rect">
+            <a:avLst/>
+          </a:prstGeom>
+        </p:spPr>
+      </p:pic>
+      <p:grpSp>
+        <p:nvGrpSpPr>
+          <p:cNvPr id="18" name="Group 17">
+            <a:extLst>
+              <a:ext uri="{FF2B5EF4-FFF2-40B4-BE49-F238E27FC236}">
+                <a16:creationId xmlns:a16="http://schemas.microsoft.com/office/drawing/2014/main" id="{AD7BB894-81D1-4268-8FE7-FAC125D3B4FB}"/>
+              </a:ext>
+            </a:extLst>
+          </p:cNvPr>
+          <p:cNvGrpSpPr>
+            <a:grpSpLocks noGrp="1" noUngrp="1" noRot="1" noChangeAspect="1" noMove="1" noResize="1"/>
+          </p:cNvGrpSpPr>
+          <p:nvPr>
+            <p:extLst>
+              <p:ext uri="{386F3935-93C4-4BCD-93E2-E3B085C9AB24}">
+                <p16:designElem xmlns:p16="http://schemas.microsoft.com/office/powerpoint/2015/main" val="1"/>
+              </p:ext>
+            </p:extLst>
+          </p:nvPr>
+        </p:nvGrpSpPr>
+        <p:grpSpPr>
+          <a:xfrm>
+            <a:off x="372533" y="0"/>
+            <a:ext cx="11455400" cy="6848476"/>
+            <a:chOff x="372533" y="0"/>
+            <a:chExt cx="11455400" cy="6848476"/>
+          </a:xfrm>
+        </p:grpSpPr>
+        <p:sp>
+          <p:nvSpPr>
+            <p:cNvPr id="19" name="Round Diagonal Corner Rectangle 7">
+              <a:extLst>
+                <a:ext uri="{FF2B5EF4-FFF2-40B4-BE49-F238E27FC236}">
+                  <a16:creationId xmlns:a16="http://schemas.microsoft.com/office/drawing/2014/main" id="{E962C5C5-76A5-44BE-990D-2D936E9E33CD}"/>
+                </a:ext>
+              </a:extLst>
+            </p:cNvPr>
+            <p:cNvSpPr/>
+            <p:nvPr>
+              <p:extLst>
+                <p:ext uri="{386F3935-93C4-4BCD-93E2-E3B085C9AB24}">
+                  <p16:designElem xmlns:p16="http://schemas.microsoft.com/office/powerpoint/2015/main" val="1"/>
+                </p:ext>
+              </p:extLst>
+            </p:nvPr>
+          </p:nvSpPr>
+          <p:spPr>
+            <a:xfrm>
+              <a:off x="922867" y="766234"/>
+              <a:ext cx="10346266" cy="5325532"/>
+            </a:xfrm>
+            <a:prstGeom prst="round2DiagRect">
+              <a:avLst>
+                <a:gd name="adj1" fmla="val 4147"/>
+                <a:gd name="adj2" fmla="val 0"/>
+              </a:avLst>
+            </a:prstGeom>
+            <a:solidFill>
+              <a:schemeClr val="bg1">
+                <a:alpha val="80000"/>
+              </a:schemeClr>
+            </a:solidFill>
+            <a:ln w="19050" cap="sq">
+              <a:solidFill>
+                <a:schemeClr val="tx2">
+                  <a:alpha val="60000"/>
+                </a:schemeClr>
+              </a:solidFill>
+              <a:miter lim="800000"/>
+            </a:ln>
+            <a:effectLst>
+              <a:outerShdw blurRad="88900" dist="38100" dir="5400000" algn="t" rotWithShape="0">
+                <a:prstClr val="black">
+                  <a:alpha val="40000"/>
+                </a:prstClr>
+              </a:outerShdw>
+            </a:effectLst>
+          </p:spPr>
+          <p:style>
+            <a:lnRef idx="1">
+              <a:schemeClr val="accent1"/>
+            </a:lnRef>
+            <a:fillRef idx="3">
+              <a:schemeClr val="accent1"/>
+            </a:fillRef>
+            <a:effectRef idx="2">
+              <a:schemeClr val="accent1"/>
+            </a:effectRef>
+            <a:fontRef idx="minor">
+              <a:schemeClr val="lt1"/>
+            </a:fontRef>
+          </p:style>
+          <p:txBody>
+            <a:bodyPr rtlCol="0" anchor="ctr"/>
+            <a:lstStyle/>
+            <a:p>
+              <a:pPr algn="ctr"/>
+              <a:endParaRPr lang="en-US"/>
+            </a:p>
+          </p:txBody>
+        </p:sp>
+        <p:grpSp>
+          <p:nvGrpSpPr>
+            <p:cNvPr id="20" name="Group 19">
+              <a:extLst>
+                <a:ext uri="{FF2B5EF4-FFF2-40B4-BE49-F238E27FC236}">
+                  <a16:creationId xmlns:a16="http://schemas.microsoft.com/office/drawing/2014/main" id="{239433C4-8265-4EE1-83B8-EC545DE3D110}"/>
+                </a:ext>
+              </a:extLst>
+            </p:cNvPr>
+            <p:cNvGrpSpPr/>
+            <p:nvPr>
+              <p:extLst>
+                <p:ext uri="{386F3935-93C4-4BCD-93E2-E3B085C9AB24}">
+                  <p16:designElem xmlns:p16="http://schemas.microsoft.com/office/powerpoint/2015/main" val="1"/>
+                </p:ext>
+              </p:extLst>
+            </p:nvPr>
+          </p:nvGrpSpPr>
+          <p:grpSpPr>
+            <a:xfrm>
+              <a:off x="11085512" y="0"/>
+              <a:ext cx="650875" cy="1730375"/>
+              <a:chOff x="11347978" y="0"/>
+              <a:chExt cx="650875" cy="1730375"/>
+            </a:xfrm>
+          </p:grpSpPr>
+          <p:sp>
+            <p:nvSpPr>
+              <p:cNvPr id="40" name="Freeform 32">
+                <a:extLst>
+                  <a:ext uri="{FF2B5EF4-FFF2-40B4-BE49-F238E27FC236}">
+                    <a16:creationId xmlns:a16="http://schemas.microsoft.com/office/drawing/2014/main" id="{14270815-FD6F-4B15-93D0-1FD13352F082}"/>
+                  </a:ext>
+                </a:extLst>
+              </p:cNvPr>
+              <p:cNvSpPr/>
+              <p:nvPr>
+                <p:extLst>
+                  <p:ext uri="{386F3935-93C4-4BCD-93E2-E3B085C9AB24}">
+                    <p16:designElem xmlns:p16="http://schemas.microsoft.com/office/powerpoint/2015/main" val="1"/>
+                  </p:ext>
+                </p:extLst>
+              </p:nvPr>
+            </p:nvSpPr>
+            <p:spPr bwMode="auto">
+              <a:xfrm>
+                <a:off x="11467041" y="0"/>
+                <a:ext cx="417513" cy="512763"/>
+              </a:xfrm>
+              <a:custGeom>
+                <a:avLst/>
+                <a:gdLst/>
+                <a:ahLst/>
+                <a:cxnLst/>
+                <a:rect l="0" t="0" r="r" b="b"/>
+                <a:pathLst>
+                  <a:path w="263" h="323">
+                    <a:moveTo>
+                      <a:pt x="12" y="323"/>
+                    </a:moveTo>
+                    <a:lnTo>
+                      <a:pt x="0" y="314"/>
+                    </a:lnTo>
+                    <a:lnTo>
+                      <a:pt x="203" y="108"/>
+                    </a:lnTo>
+                    <a:lnTo>
+                      <a:pt x="248" y="0"/>
+                    </a:lnTo>
+                    <a:lnTo>
+                      <a:pt x="263" y="6"/>
+                    </a:lnTo>
+                    <a:lnTo>
+                      <a:pt x="218" y="117"/>
+                    </a:lnTo>
+                    <a:lnTo>
+                      <a:pt x="218" y="117"/>
+                    </a:lnTo>
+                    <a:lnTo>
+                      <a:pt x="12" y="323"/>
+                    </a:lnTo>
+                    <a:close/>
+                  </a:path>
+                </a:pathLst>
+              </a:custGeom>
+              <a:solidFill>
+                <a:schemeClr val="tx2">
+                  <a:alpha val="80000"/>
+                </a:schemeClr>
+              </a:solidFill>
+              <a:ln>
+                <a:noFill/>
+              </a:ln>
+              <a:extLst/>
+            </p:spPr>
+          </p:sp>
+          <p:sp>
+            <p:nvSpPr>
+              <p:cNvPr id="41" name="Freeform 33">
+                <a:extLst>
+                  <a:ext uri="{FF2B5EF4-FFF2-40B4-BE49-F238E27FC236}">
+                    <a16:creationId xmlns:a16="http://schemas.microsoft.com/office/drawing/2014/main" id="{D77407DE-D2AD-4379-AEA5-C9C4E3563018}"/>
+                  </a:ext>
+                </a:extLst>
+              </p:cNvPr>
+              <p:cNvSpPr>
+                <a:spLocks noEditPoints="1"/>
+              </p:cNvSpPr>
+              <p:nvPr>
+                <p:extLst>
+                  <p:ext uri="{386F3935-93C4-4BCD-93E2-E3B085C9AB24}">
+                    <p16:designElem xmlns:p16="http://schemas.microsoft.com/office/powerpoint/2015/main" val="1"/>
+                  </p:ext>
+                </p:extLst>
+              </p:nvPr>
+            </p:nvSpPr>
+            <p:spPr bwMode="auto">
+              <a:xfrm>
+                <a:off x="11347978" y="474663"/>
+                <a:ext cx="157163" cy="152400"/>
+              </a:xfrm>
+              <a:custGeom>
+                <a:avLst/>
+                <a:gdLst/>
+                <a:ahLst/>
+                <a:cxnLst/>
+                <a:rect l="0" t="0" r="r" b="b"/>
+                <a:pathLst>
+                  <a:path w="33" h="32">
+                    <a:moveTo>
+                      <a:pt x="17" y="32"/>
+                    </a:moveTo>
+                    <a:cubicBezTo>
+                      <a:pt x="13" y="32"/>
+                      <a:pt x="9" y="30"/>
+                      <a:pt x="6" y="27"/>
+                    </a:cubicBezTo>
+                    <a:cubicBezTo>
+                      <a:pt x="0" y="21"/>
+                      <a:pt x="0" y="11"/>
+                      <a:pt x="6" y="5"/>
+                    </a:cubicBezTo>
+                    <a:cubicBezTo>
+                      <a:pt x="9" y="2"/>
+                      <a:pt x="13" y="0"/>
+                      <a:pt x="17" y="0"/>
+                    </a:cubicBezTo>
+                    <a:cubicBezTo>
+                      <a:pt x="21" y="0"/>
+                      <a:pt x="25" y="2"/>
+                      <a:pt x="28" y="5"/>
+                    </a:cubicBezTo>
+                    <a:cubicBezTo>
+                      <a:pt x="31" y="8"/>
+                      <a:pt x="33" y="12"/>
+                      <a:pt x="33" y="16"/>
+                    </a:cubicBezTo>
+                    <a:cubicBezTo>
+                      <a:pt x="33" y="20"/>
+                      <a:pt x="31" y="24"/>
+                      <a:pt x="28" y="27"/>
+                    </a:cubicBezTo>
+                    <a:cubicBezTo>
+                      <a:pt x="25" y="30"/>
+                      <a:pt x="21" y="32"/>
+                      <a:pt x="17" y="32"/>
+                    </a:cubicBezTo>
+                    <a:close/>
+                    <a:moveTo>
+                      <a:pt x="17" y="4"/>
+                    </a:moveTo>
+                    <a:cubicBezTo>
+                      <a:pt x="14" y="4"/>
+                      <a:pt x="11" y="6"/>
+                      <a:pt x="9" y="8"/>
+                    </a:cubicBezTo>
+                    <a:cubicBezTo>
+                      <a:pt x="4" y="12"/>
+                      <a:pt x="4" y="20"/>
+                      <a:pt x="9" y="24"/>
+                    </a:cubicBezTo>
+                    <a:cubicBezTo>
+                      <a:pt x="11" y="27"/>
+                      <a:pt x="14" y="28"/>
+                      <a:pt x="17" y="28"/>
+                    </a:cubicBezTo>
+                    <a:cubicBezTo>
+                      <a:pt x="20" y="28"/>
+                      <a:pt x="23" y="27"/>
+                      <a:pt x="26" y="24"/>
+                    </a:cubicBezTo>
+                    <a:cubicBezTo>
+                      <a:pt x="30" y="20"/>
+                      <a:pt x="30" y="12"/>
+                      <a:pt x="26" y="8"/>
+                    </a:cubicBezTo>
+                    <a:cubicBezTo>
+                      <a:pt x="23" y="6"/>
+                      <a:pt x="20" y="4"/>
+                      <a:pt x="17" y="4"/>
+                    </a:cubicBezTo>
+                    <a:close/>
+                  </a:path>
+                </a:pathLst>
+              </a:custGeom>
+              <a:solidFill>
+                <a:schemeClr val="tx2">
+                  <a:alpha val="80000"/>
+                </a:schemeClr>
+              </a:solidFill>
+              <a:ln>
+                <a:noFill/>
+              </a:ln>
+              <a:extLst/>
+            </p:spPr>
+          </p:sp>
+          <p:sp>
+            <p:nvSpPr>
+              <p:cNvPr id="42" name="Freeform 34">
+                <a:extLst>
+                  <a:ext uri="{FF2B5EF4-FFF2-40B4-BE49-F238E27FC236}">
+                    <a16:creationId xmlns:a16="http://schemas.microsoft.com/office/drawing/2014/main" id="{A924862C-F355-4157-949F-825AA970060E}"/>
+                  </a:ext>
+                </a:extLst>
+              </p:cNvPr>
+              <p:cNvSpPr>
+                <a:spLocks noEditPoints="1"/>
+              </p:cNvSpPr>
+              <p:nvPr>
+                <p:extLst>
+                  <p:ext uri="{386F3935-93C4-4BCD-93E2-E3B085C9AB24}">
+                    <p16:designElem xmlns:p16="http://schemas.microsoft.com/office/powerpoint/2015/main" val="1"/>
+                  </p:ext>
+                </p:extLst>
+              </p:nvPr>
+            </p:nvSpPr>
+            <p:spPr bwMode="auto">
+              <a:xfrm>
+                <a:off x="11614678" y="1539875"/>
+                <a:ext cx="188913" cy="190500"/>
+              </a:xfrm>
+              <a:custGeom>
+                <a:avLst/>
+                <a:gdLst/>
+                <a:ahLst/>
+                <a:cxnLst/>
+                <a:rect l="0" t="0" r="r" b="b"/>
+                <a:pathLst>
+                  <a:path w="40" h="40">
+                    <a:moveTo>
+                      <a:pt x="20" y="40"/>
+                    </a:moveTo>
+                    <a:cubicBezTo>
+                      <a:pt x="9" y="40"/>
+                      <a:pt x="0" y="31"/>
+                      <a:pt x="0" y="20"/>
+                    </a:cubicBezTo>
+                    <a:cubicBezTo>
+                      <a:pt x="0" y="9"/>
+                      <a:pt x="9" y="0"/>
+                      <a:pt x="20" y="0"/>
+                    </a:cubicBezTo>
+                    <a:cubicBezTo>
+                      <a:pt x="31" y="0"/>
+                      <a:pt x="40" y="9"/>
+                      <a:pt x="40" y="20"/>
+                    </a:cubicBezTo>
+                    <a:cubicBezTo>
+                      <a:pt x="40" y="31"/>
+                      <a:pt x="31" y="40"/>
+                      <a:pt x="20" y="40"/>
+                    </a:cubicBezTo>
+                    <a:close/>
+                    <a:moveTo>
+                      <a:pt x="20" y="4"/>
+                    </a:moveTo>
+                    <a:cubicBezTo>
+                      <a:pt x="11" y="4"/>
+                      <a:pt x="4" y="11"/>
+                      <a:pt x="4" y="20"/>
+                    </a:cubicBezTo>
+                    <a:cubicBezTo>
+                      <a:pt x="4" y="29"/>
+                      <a:pt x="11" y="36"/>
+                      <a:pt x="20" y="36"/>
+                    </a:cubicBezTo>
+                    <a:cubicBezTo>
+                      <a:pt x="29" y="36"/>
+                      <a:pt x="36" y="29"/>
+                      <a:pt x="36" y="20"/>
+                    </a:cubicBezTo>
+                    <a:cubicBezTo>
+                      <a:pt x="36" y="11"/>
+                      <a:pt x="29" y="4"/>
+                      <a:pt x="20" y="4"/>
+                    </a:cubicBezTo>
+                    <a:close/>
+                  </a:path>
+                </a:pathLst>
+              </a:custGeom>
+              <a:solidFill>
+                <a:schemeClr val="tx2">
+                  <a:alpha val="80000"/>
+                </a:schemeClr>
+              </a:solidFill>
+              <a:ln>
+                <a:noFill/>
+              </a:ln>
+              <a:extLst/>
+            </p:spPr>
+          </p:sp>
+          <p:sp>
+            <p:nvSpPr>
+              <p:cNvPr id="43" name="Freeform 37">
+                <a:extLst>
+                  <a:ext uri="{FF2B5EF4-FFF2-40B4-BE49-F238E27FC236}">
+                    <a16:creationId xmlns:a16="http://schemas.microsoft.com/office/drawing/2014/main" id="{7FFD9B8C-A260-4F35-9809-8FC4A6AC095F}"/>
+                  </a:ext>
+                </a:extLst>
+              </p:cNvPr>
+              <p:cNvSpPr/>
+              <p:nvPr>
+                <p:extLst>
+                  <p:ext uri="{386F3935-93C4-4BCD-93E2-E3B085C9AB24}">
+                    <p16:designElem xmlns:p16="http://schemas.microsoft.com/office/powerpoint/2015/main" val="1"/>
+                  </p:ext>
+                </p:extLst>
+              </p:nvPr>
+            </p:nvSpPr>
+            <p:spPr bwMode="auto">
+              <a:xfrm>
+                <a:off x="11694053" y="4763"/>
+                <a:ext cx="304800" cy="1544638"/>
+              </a:xfrm>
+              <a:custGeom>
+                <a:avLst/>
+                <a:gdLst/>
+                <a:ahLst/>
+                <a:cxnLst/>
+                <a:rect l="0" t="0" r="r" b="b"/>
+                <a:pathLst>
+                  <a:path w="192" h="973">
+                    <a:moveTo>
+                      <a:pt x="15" y="973"/>
+                    </a:moveTo>
+                    <a:lnTo>
+                      <a:pt x="0" y="973"/>
+                    </a:lnTo>
+                    <a:lnTo>
+                      <a:pt x="0" y="790"/>
+                    </a:lnTo>
+                    <a:lnTo>
+                      <a:pt x="174" y="614"/>
+                    </a:lnTo>
+                    <a:lnTo>
+                      <a:pt x="174" y="0"/>
+                    </a:lnTo>
+                    <a:lnTo>
+                      <a:pt x="192" y="0"/>
+                    </a:lnTo>
+                    <a:lnTo>
+                      <a:pt x="192" y="620"/>
+                    </a:lnTo>
+                    <a:lnTo>
+                      <a:pt x="15" y="796"/>
+                    </a:lnTo>
+                    <a:lnTo>
+                      <a:pt x="15" y="973"/>
+                    </a:lnTo>
+                    <a:close/>
+                  </a:path>
+                </a:pathLst>
+              </a:custGeom>
+              <a:solidFill>
+                <a:schemeClr val="tx2">
+                  <a:alpha val="80000"/>
+                </a:schemeClr>
+              </a:solidFill>
+              <a:ln>
+                <a:noFill/>
+              </a:ln>
+              <a:extLst/>
+            </p:spPr>
+          </p:sp>
+        </p:grpSp>
+        <p:grpSp>
+          <p:nvGrpSpPr>
+            <p:cNvPr id="21" name="Group 20">
+              <a:extLst>
+                <a:ext uri="{FF2B5EF4-FFF2-40B4-BE49-F238E27FC236}">
+                  <a16:creationId xmlns:a16="http://schemas.microsoft.com/office/drawing/2014/main" id="{A10D3673-7258-45B7-B5C9-F5C67AC58D6B}"/>
+                </a:ext>
+              </a:extLst>
+            </p:cNvPr>
+            <p:cNvGrpSpPr/>
+            <p:nvPr>
+              <p:extLst>
+                <p:ext uri="{386F3935-93C4-4BCD-93E2-E3B085C9AB24}">
+                  <p16:designElem xmlns:p16="http://schemas.microsoft.com/office/powerpoint/2015/main" val="1"/>
+                </p:ext>
+              </p:extLst>
+            </p:nvPr>
+          </p:nvGrpSpPr>
+          <p:grpSpPr>
+            <a:xfrm flipH="1">
+              <a:off x="11229445" y="4867275"/>
+              <a:ext cx="598488" cy="1981201"/>
+              <a:chOff x="11424178" y="4867275"/>
+              <a:chExt cx="598488" cy="1981201"/>
+            </a:xfrm>
+          </p:grpSpPr>
+          <p:sp>
+            <p:nvSpPr>
+              <p:cNvPr id="34" name="Freeform 35">
+                <a:extLst>
+                  <a:ext uri="{FF2B5EF4-FFF2-40B4-BE49-F238E27FC236}">
+                    <a16:creationId xmlns:a16="http://schemas.microsoft.com/office/drawing/2014/main" id="{7EF49AE2-8ACA-464C-8F7E-4446787B6FA2}"/>
+                  </a:ext>
+                </a:extLst>
+              </p:cNvPr>
+              <p:cNvSpPr/>
+              <p:nvPr>
+                <p:extLst>
+                  <p:ext uri="{386F3935-93C4-4BCD-93E2-E3B085C9AB24}">
+                    <p16:designElem xmlns:p16="http://schemas.microsoft.com/office/powerpoint/2015/main" val="1"/>
+                  </p:ext>
+                </p:extLst>
+              </p:nvPr>
+            </p:nvSpPr>
+            <p:spPr bwMode="auto">
+              <a:xfrm>
+                <a:off x="11514666" y="5694363"/>
+                <a:ext cx="298450" cy="1154113"/>
+              </a:xfrm>
+              <a:custGeom>
+                <a:avLst/>
+                <a:gdLst/>
+                <a:ahLst/>
+                <a:cxnLst/>
+                <a:rect l="0" t="0" r="r" b="b"/>
+                <a:pathLst>
+                  <a:path w="188" h="727">
+                    <a:moveTo>
+                      <a:pt x="15" y="727"/>
+                    </a:moveTo>
+                    <a:lnTo>
+                      <a:pt x="0" y="727"/>
+                    </a:lnTo>
+                    <a:lnTo>
+                      <a:pt x="0" y="407"/>
+                    </a:lnTo>
+                    <a:lnTo>
+                      <a:pt x="0" y="407"/>
+                    </a:lnTo>
+                    <a:lnTo>
+                      <a:pt x="176" y="0"/>
+                    </a:lnTo>
+                    <a:lnTo>
+                      <a:pt x="188" y="6"/>
+                    </a:lnTo>
+                    <a:lnTo>
+                      <a:pt x="15" y="410"/>
+                    </a:lnTo>
+                    <a:lnTo>
+                      <a:pt x="15" y="727"/>
+                    </a:lnTo>
+                    <a:close/>
+                  </a:path>
+                </a:pathLst>
+              </a:custGeom>
+              <a:solidFill>
+                <a:schemeClr val="tx2">
+                  <a:alpha val="80000"/>
+                </a:schemeClr>
+              </a:solidFill>
+              <a:ln>
+                <a:noFill/>
+              </a:ln>
+              <a:extLst/>
+            </p:spPr>
+          </p:sp>
+          <p:sp>
+            <p:nvSpPr>
+              <p:cNvPr id="35" name="Freeform 36">
+                <a:extLst>
+                  <a:ext uri="{FF2B5EF4-FFF2-40B4-BE49-F238E27FC236}">
+                    <a16:creationId xmlns:a16="http://schemas.microsoft.com/office/drawing/2014/main" id="{4310E76A-A710-428B-8202-4503658C222B}"/>
+                  </a:ext>
+                </a:extLst>
+              </p:cNvPr>
+              <p:cNvSpPr>
+                <a:spLocks noEditPoints="1"/>
+              </p:cNvSpPr>
+              <p:nvPr>
+                <p:extLst>
+                  <p:ext uri="{386F3935-93C4-4BCD-93E2-E3B085C9AB24}">
+                    <p16:designElem xmlns:p16="http://schemas.microsoft.com/office/powerpoint/2015/main" val="1"/>
+                  </p:ext>
+                </p:extLst>
+              </p:nvPr>
+            </p:nvSpPr>
+            <p:spPr bwMode="auto">
+              <a:xfrm>
+                <a:off x="11755966" y="5551488"/>
+                <a:ext cx="157163" cy="155575"/>
+              </a:xfrm>
+              <a:custGeom>
+                <a:avLst/>
+                <a:gdLst/>
+                <a:ahLst/>
+                <a:cxnLst/>
+                <a:rect l="0" t="0" r="r" b="b"/>
+                <a:pathLst>
+                  <a:path w="33" h="33">
+                    <a:moveTo>
+                      <a:pt x="17" y="33"/>
+                    </a:moveTo>
+                    <a:cubicBezTo>
+                      <a:pt x="8" y="33"/>
+                      <a:pt x="0" y="25"/>
+                      <a:pt x="0" y="16"/>
+                    </a:cubicBezTo>
+                    <a:cubicBezTo>
+                      <a:pt x="0" y="7"/>
+                      <a:pt x="8" y="0"/>
+                      <a:pt x="17" y="0"/>
+                    </a:cubicBezTo>
+                    <a:cubicBezTo>
+                      <a:pt x="26" y="0"/>
+                      <a:pt x="33" y="7"/>
+                      <a:pt x="33" y="16"/>
+                    </a:cubicBezTo>
+                    <a:cubicBezTo>
+                      <a:pt x="33" y="25"/>
+                      <a:pt x="26" y="33"/>
+                      <a:pt x="17" y="33"/>
+                    </a:cubicBezTo>
+                    <a:close/>
+                    <a:moveTo>
+                      <a:pt x="17" y="4"/>
+                    </a:moveTo>
+                    <a:cubicBezTo>
+                      <a:pt x="10" y="4"/>
+                      <a:pt x="4" y="9"/>
+                      <a:pt x="4" y="16"/>
+                    </a:cubicBezTo>
+                    <a:cubicBezTo>
+                      <a:pt x="4" y="23"/>
+                      <a:pt x="10" y="29"/>
+                      <a:pt x="17" y="29"/>
+                    </a:cubicBezTo>
+                    <a:cubicBezTo>
+                      <a:pt x="23" y="29"/>
+                      <a:pt x="29" y="23"/>
+                      <a:pt x="29" y="16"/>
+                    </a:cubicBezTo>
+                    <a:cubicBezTo>
+                      <a:pt x="29" y="9"/>
+                      <a:pt x="23" y="4"/>
+                      <a:pt x="17" y="4"/>
+                    </a:cubicBezTo>
+                    <a:close/>
+                  </a:path>
+                </a:pathLst>
+              </a:custGeom>
+              <a:solidFill>
+                <a:schemeClr val="tx2">
+                  <a:alpha val="80000"/>
+                </a:schemeClr>
+              </a:solidFill>
+              <a:ln>
+                <a:noFill/>
+              </a:ln>
+              <a:extLst/>
+            </p:spPr>
+          </p:sp>
+          <p:sp>
+            <p:nvSpPr>
+              <p:cNvPr id="36" name="Freeform 38">
+                <a:extLst>
+                  <a:ext uri="{FF2B5EF4-FFF2-40B4-BE49-F238E27FC236}">
+                    <a16:creationId xmlns:a16="http://schemas.microsoft.com/office/drawing/2014/main" id="{27875C0C-9151-4083-95CE-35229F890743}"/>
+                  </a:ext>
+                </a:extLst>
+              </p:cNvPr>
+              <p:cNvSpPr>
+                <a:spLocks noEditPoints="1"/>
+              </p:cNvSpPr>
+              <p:nvPr>
+                <p:extLst>
+                  <p:ext uri="{386F3935-93C4-4BCD-93E2-E3B085C9AB24}">
+                    <p16:designElem xmlns:p16="http://schemas.microsoft.com/office/powerpoint/2015/main" val="1"/>
+                  </p:ext>
+                </p:extLst>
+              </p:nvPr>
+            </p:nvSpPr>
+            <p:spPr bwMode="auto">
+              <a:xfrm>
+                <a:off x="11619441" y="4867275"/>
+                <a:ext cx="188913" cy="188913"/>
+              </a:xfrm>
+              <a:custGeom>
+                <a:avLst/>
+                <a:gdLst/>
+                <a:ahLst/>
+                <a:cxnLst/>
+                <a:rect l="0" t="0" r="r" b="b"/>
+                <a:pathLst>
+                  <a:path w="40" h="40">
+                    <a:moveTo>
+                      <a:pt x="20" y="40"/>
+                    </a:moveTo>
+                    <a:cubicBezTo>
+                      <a:pt x="9" y="40"/>
+                      <a:pt x="0" y="31"/>
+                      <a:pt x="0" y="20"/>
+                    </a:cubicBezTo>
+                    <a:cubicBezTo>
+                      <a:pt x="0" y="9"/>
+                      <a:pt x="9" y="0"/>
+                      <a:pt x="20" y="0"/>
+                    </a:cubicBezTo>
+                    <a:cubicBezTo>
+                      <a:pt x="31" y="0"/>
+                      <a:pt x="40" y="9"/>
+                      <a:pt x="40" y="20"/>
+                    </a:cubicBezTo>
+                    <a:cubicBezTo>
+                      <a:pt x="40" y="31"/>
+                      <a:pt x="31" y="40"/>
+                      <a:pt x="20" y="40"/>
+                    </a:cubicBezTo>
+                    <a:close/>
+                    <a:moveTo>
+                      <a:pt x="20" y="4"/>
+                    </a:moveTo>
+                    <a:cubicBezTo>
+                      <a:pt x="11" y="4"/>
+                      <a:pt x="4" y="11"/>
+                      <a:pt x="4" y="20"/>
+                    </a:cubicBezTo>
+                    <a:cubicBezTo>
+                      <a:pt x="4" y="29"/>
+                      <a:pt x="11" y="36"/>
+                      <a:pt x="20" y="36"/>
+                    </a:cubicBezTo>
+                    <a:cubicBezTo>
+                      <a:pt x="29" y="36"/>
+                      <a:pt x="36" y="29"/>
+                      <a:pt x="36" y="20"/>
+                    </a:cubicBezTo>
+                    <a:cubicBezTo>
+                      <a:pt x="36" y="11"/>
+                      <a:pt x="29" y="4"/>
+                      <a:pt x="20" y="4"/>
+                    </a:cubicBezTo>
+                    <a:close/>
+                  </a:path>
+                </a:pathLst>
+              </a:custGeom>
+              <a:solidFill>
+                <a:schemeClr val="tx2">
+                  <a:alpha val="80000"/>
+                </a:schemeClr>
+              </a:solidFill>
+              <a:ln>
+                <a:noFill/>
+              </a:ln>
+              <a:extLst/>
+            </p:spPr>
+          </p:sp>
+          <p:sp>
+            <p:nvSpPr>
+              <p:cNvPr id="37" name="Freeform 39">
+                <a:extLst>
+                  <a:ext uri="{FF2B5EF4-FFF2-40B4-BE49-F238E27FC236}">
+                    <a16:creationId xmlns:a16="http://schemas.microsoft.com/office/drawing/2014/main" id="{A8C9CD35-4A6C-497D-9B21-85B71A5941F0}"/>
+                  </a:ext>
+                </a:extLst>
+              </p:cNvPr>
+              <p:cNvSpPr/>
+              <p:nvPr>
+                <p:extLst>
+                  <p:ext uri="{386F3935-93C4-4BCD-93E2-E3B085C9AB24}">
+                    <p16:designElem xmlns:p16="http://schemas.microsoft.com/office/powerpoint/2015/main" val="1"/>
+                  </p:ext>
+                </p:extLst>
+              </p:nvPr>
+            </p:nvSpPr>
+            <p:spPr bwMode="auto">
+              <a:xfrm>
+                <a:off x="11424178" y="5046663"/>
+                <a:ext cx="307975" cy="1801813"/>
+              </a:xfrm>
+              <a:custGeom>
+                <a:avLst/>
+                <a:gdLst/>
+                <a:ahLst/>
+                <a:cxnLst/>
+                <a:rect l="0" t="0" r="r" b="b"/>
+                <a:pathLst>
+                  <a:path w="194" h="1135">
+                    <a:moveTo>
+                      <a:pt x="18" y="1135"/>
+                    </a:moveTo>
+                    <a:lnTo>
+                      <a:pt x="0" y="1135"/>
+                    </a:lnTo>
+                    <a:lnTo>
+                      <a:pt x="0" y="354"/>
+                    </a:lnTo>
+                    <a:lnTo>
+                      <a:pt x="176" y="177"/>
+                    </a:lnTo>
+                    <a:lnTo>
+                      <a:pt x="176" y="0"/>
+                    </a:lnTo>
+                    <a:lnTo>
+                      <a:pt x="194" y="0"/>
+                    </a:lnTo>
+                    <a:lnTo>
+                      <a:pt x="194" y="183"/>
+                    </a:lnTo>
+                    <a:lnTo>
+                      <a:pt x="18" y="360"/>
+                    </a:lnTo>
+                    <a:lnTo>
+                      <a:pt x="18" y="1135"/>
+                    </a:lnTo>
+                    <a:close/>
+                  </a:path>
+                </a:pathLst>
+              </a:custGeom>
+              <a:solidFill>
+                <a:schemeClr val="tx2">
+                  <a:alpha val="80000"/>
+                </a:schemeClr>
+              </a:solidFill>
+              <a:ln>
+                <a:noFill/>
+              </a:ln>
+              <a:extLst/>
+            </p:spPr>
+          </p:sp>
+          <p:sp>
+            <p:nvSpPr>
+              <p:cNvPr id="38" name="Freeform 40">
+                <a:extLst>
+                  <a:ext uri="{FF2B5EF4-FFF2-40B4-BE49-F238E27FC236}">
+                    <a16:creationId xmlns:a16="http://schemas.microsoft.com/office/drawing/2014/main" id="{17C8FADE-3DA4-41BD-83B6-32EDF76648FE}"/>
+                  </a:ext>
+                </a:extLst>
+              </p:cNvPr>
+              <p:cNvSpPr>
+                <a:spLocks noEditPoints="1"/>
+              </p:cNvSpPr>
+              <p:nvPr>
+                <p:extLst>
+                  <p:ext uri="{386F3935-93C4-4BCD-93E2-E3B085C9AB24}">
+                    <p16:designElem xmlns:p16="http://schemas.microsoft.com/office/powerpoint/2015/main" val="1"/>
+                  </p:ext>
+                </p:extLst>
+              </p:nvPr>
+            </p:nvSpPr>
+            <p:spPr bwMode="auto">
+              <a:xfrm>
+                <a:off x="11832166" y="6416675"/>
+                <a:ext cx="190500" cy="188913"/>
+              </a:xfrm>
+              <a:custGeom>
+                <a:avLst/>
+                <a:gdLst/>
+                <a:ahLst/>
+                <a:cxnLst/>
+                <a:rect l="0" t="0" r="r" b="b"/>
+                <a:pathLst>
+                  <a:path w="40" h="40">
+                    <a:moveTo>
+                      <a:pt x="20" y="40"/>
+                    </a:moveTo>
+                    <a:cubicBezTo>
+                      <a:pt x="9" y="40"/>
+                      <a:pt x="0" y="31"/>
+                      <a:pt x="0" y="20"/>
+                    </a:cubicBezTo>
+                    <a:cubicBezTo>
+                      <a:pt x="0" y="9"/>
+                      <a:pt x="9" y="0"/>
+                      <a:pt x="20" y="0"/>
+                    </a:cubicBezTo>
+                    <a:cubicBezTo>
+                      <a:pt x="31" y="0"/>
+                      <a:pt x="40" y="9"/>
+                      <a:pt x="40" y="20"/>
+                    </a:cubicBezTo>
+                    <a:cubicBezTo>
+                      <a:pt x="40" y="31"/>
+                      <a:pt x="31" y="40"/>
+                      <a:pt x="20" y="40"/>
+                    </a:cubicBezTo>
+                    <a:close/>
+                    <a:moveTo>
+                      <a:pt x="20" y="4"/>
+                    </a:moveTo>
+                    <a:cubicBezTo>
+                      <a:pt x="12" y="4"/>
+                      <a:pt x="4" y="11"/>
+                      <a:pt x="4" y="20"/>
+                    </a:cubicBezTo>
+                    <a:cubicBezTo>
+                      <a:pt x="4" y="29"/>
+                      <a:pt x="12" y="36"/>
+                      <a:pt x="20" y="36"/>
+                    </a:cubicBezTo>
+                    <a:cubicBezTo>
+                      <a:pt x="29" y="36"/>
+                      <a:pt x="36" y="29"/>
+                      <a:pt x="36" y="20"/>
+                    </a:cubicBezTo>
+                    <a:cubicBezTo>
+                      <a:pt x="36" y="11"/>
+                      <a:pt x="29" y="4"/>
+                      <a:pt x="20" y="4"/>
+                    </a:cubicBezTo>
+                    <a:close/>
+                  </a:path>
+                </a:pathLst>
+              </a:custGeom>
+              <a:solidFill>
+                <a:schemeClr val="tx2">
+                  <a:alpha val="80000"/>
+                </a:schemeClr>
+              </a:solidFill>
+              <a:ln>
+                <a:noFill/>
+              </a:ln>
+              <a:extLst/>
+            </p:spPr>
+          </p:sp>
+          <p:sp>
+            <p:nvSpPr>
+              <p:cNvPr id="39" name="Rectangle 41">
+                <a:extLst>
+                  <a:ext uri="{FF2B5EF4-FFF2-40B4-BE49-F238E27FC236}">
+                    <a16:creationId xmlns:a16="http://schemas.microsoft.com/office/drawing/2014/main" id="{9BEDB57A-A173-4C07-A34E-AEE2FF418457}"/>
+                  </a:ext>
+                </a:extLst>
+              </p:cNvPr>
+              <p:cNvSpPr>
+                <a:spLocks noChangeArrowheads="1"/>
+              </p:cNvSpPr>
+              <p:nvPr>
+                <p:extLst>
+                  <p:ext uri="{386F3935-93C4-4BCD-93E2-E3B085C9AB24}">
+                    <p16:designElem xmlns:p16="http://schemas.microsoft.com/office/powerpoint/2015/main" val="1"/>
+                  </p:ext>
+                </p:extLst>
+              </p:nvPr>
+            </p:nvSpPr>
+            <p:spPr bwMode="auto">
+              <a:xfrm>
+                <a:off x="11922653" y="6596063"/>
+                <a:ext cx="23813" cy="252413"/>
+              </a:xfrm>
+              <a:prstGeom prst="rect">
+                <a:avLst/>
+              </a:prstGeom>
+              <a:solidFill>
+                <a:schemeClr val="tx2">
+                  <a:alpha val="80000"/>
+                </a:schemeClr>
+              </a:solidFill>
+              <a:ln>
+                <a:noFill/>
+              </a:ln>
+              <a:extLst/>
+            </p:spPr>
+          </p:sp>
+        </p:grpSp>
+        <p:grpSp>
+          <p:nvGrpSpPr>
+            <p:cNvPr id="22" name="Group 21">
+              <a:extLst>
+                <a:ext uri="{FF2B5EF4-FFF2-40B4-BE49-F238E27FC236}">
+                  <a16:creationId xmlns:a16="http://schemas.microsoft.com/office/drawing/2014/main" id="{D82CBCBD-A120-4A7E-B750-CF48FE8BAF75}"/>
+                </a:ext>
+              </a:extLst>
+            </p:cNvPr>
+            <p:cNvGrpSpPr/>
+            <p:nvPr>
+              <p:extLst>
+                <p:ext uri="{386F3935-93C4-4BCD-93E2-E3B085C9AB24}">
+                  <p16:designElem xmlns:p16="http://schemas.microsoft.com/office/powerpoint/2015/main" val="1"/>
+                </p:ext>
+              </p:extLst>
+            </p:nvPr>
+          </p:nvGrpSpPr>
+          <p:grpSpPr>
+            <a:xfrm flipH="1">
+              <a:off x="440267" y="5118101"/>
+              <a:ext cx="650875" cy="1730375"/>
+              <a:chOff x="118533" y="5118101"/>
+              <a:chExt cx="650875" cy="1730375"/>
+            </a:xfrm>
+          </p:grpSpPr>
+          <p:sp>
+            <p:nvSpPr>
+              <p:cNvPr id="30" name="Freeform 32">
+                <a:extLst>
+                  <a:ext uri="{FF2B5EF4-FFF2-40B4-BE49-F238E27FC236}">
+                    <a16:creationId xmlns:a16="http://schemas.microsoft.com/office/drawing/2014/main" id="{07782116-9E46-470F-B527-C3A36D414865}"/>
+                  </a:ext>
+                </a:extLst>
+              </p:cNvPr>
+              <p:cNvSpPr/>
+              <p:nvPr>
+                <p:extLst>
+                  <p:ext uri="{386F3935-93C4-4BCD-93E2-E3B085C9AB24}">
+                    <p16:designElem xmlns:p16="http://schemas.microsoft.com/office/powerpoint/2015/main" val="1"/>
+                  </p:ext>
+                </p:extLst>
+              </p:nvPr>
+            </p:nvSpPr>
+            <p:spPr bwMode="auto">
+              <a:xfrm flipV="1">
+                <a:off x="237596" y="6335713"/>
+                <a:ext cx="417513" cy="512763"/>
+              </a:xfrm>
+              <a:custGeom>
+                <a:avLst/>
+                <a:gdLst/>
+                <a:ahLst/>
+                <a:cxnLst/>
+                <a:rect l="0" t="0" r="r" b="b"/>
+                <a:pathLst>
+                  <a:path w="263" h="323">
+                    <a:moveTo>
+                      <a:pt x="12" y="323"/>
+                    </a:moveTo>
+                    <a:lnTo>
+                      <a:pt x="0" y="314"/>
+                    </a:lnTo>
+                    <a:lnTo>
+                      <a:pt x="203" y="108"/>
+                    </a:lnTo>
+                    <a:lnTo>
+                      <a:pt x="248" y="0"/>
+                    </a:lnTo>
+                    <a:lnTo>
+                      <a:pt x="263" y="6"/>
+                    </a:lnTo>
+                    <a:lnTo>
+                      <a:pt x="218" y="117"/>
+                    </a:lnTo>
+                    <a:lnTo>
+                      <a:pt x="218" y="117"/>
+                    </a:lnTo>
+                    <a:lnTo>
+                      <a:pt x="12" y="323"/>
+                    </a:lnTo>
+                    <a:close/>
+                  </a:path>
+                </a:pathLst>
+              </a:custGeom>
+              <a:solidFill>
+                <a:schemeClr val="tx2">
+                  <a:alpha val="80000"/>
+                </a:schemeClr>
+              </a:solidFill>
+              <a:ln>
+                <a:noFill/>
+              </a:ln>
+              <a:extLst/>
+            </p:spPr>
+          </p:sp>
+          <p:sp>
+            <p:nvSpPr>
+              <p:cNvPr id="31" name="Freeform 33">
+                <a:extLst>
+                  <a:ext uri="{FF2B5EF4-FFF2-40B4-BE49-F238E27FC236}">
+                    <a16:creationId xmlns:a16="http://schemas.microsoft.com/office/drawing/2014/main" id="{604F6622-9907-4906-A0A6-1DC32E5DBB40}"/>
+                  </a:ext>
+                </a:extLst>
+              </p:cNvPr>
+              <p:cNvSpPr>
+                <a:spLocks noEditPoints="1"/>
+              </p:cNvSpPr>
+              <p:nvPr>
+                <p:extLst>
+                  <p:ext uri="{386F3935-93C4-4BCD-93E2-E3B085C9AB24}">
+                    <p16:designElem xmlns:p16="http://schemas.microsoft.com/office/powerpoint/2015/main" val="1"/>
+                  </p:ext>
+                </p:extLst>
+              </p:nvPr>
+            </p:nvSpPr>
+            <p:spPr bwMode="auto">
+              <a:xfrm flipV="1">
+                <a:off x="118533" y="6221413"/>
+                <a:ext cx="157163" cy="152400"/>
+              </a:xfrm>
+              <a:custGeom>
+                <a:avLst/>
+                <a:gdLst/>
+                <a:ahLst/>
+                <a:cxnLst/>
+                <a:rect l="0" t="0" r="r" b="b"/>
+                <a:pathLst>
+                  <a:path w="33" h="32">
+                    <a:moveTo>
+                      <a:pt x="17" y="32"/>
+                    </a:moveTo>
+                    <a:cubicBezTo>
+                      <a:pt x="13" y="32"/>
+                      <a:pt x="9" y="30"/>
+                      <a:pt x="6" y="27"/>
+                    </a:cubicBezTo>
+                    <a:cubicBezTo>
+                      <a:pt x="0" y="21"/>
+                      <a:pt x="0" y="11"/>
+                      <a:pt x="6" y="5"/>
+                    </a:cubicBezTo>
+                    <a:cubicBezTo>
+                      <a:pt x="9" y="2"/>
+                      <a:pt x="13" y="0"/>
+                      <a:pt x="17" y="0"/>
+                    </a:cubicBezTo>
+                    <a:cubicBezTo>
+                      <a:pt x="21" y="0"/>
+                      <a:pt x="25" y="2"/>
+                      <a:pt x="28" y="5"/>
+                    </a:cubicBezTo>
+                    <a:cubicBezTo>
+                      <a:pt x="31" y="8"/>
+                      <a:pt x="33" y="12"/>
+                      <a:pt x="33" y="16"/>
+                    </a:cubicBezTo>
+                    <a:cubicBezTo>
+                      <a:pt x="33" y="20"/>
+                      <a:pt x="31" y="24"/>
+                      <a:pt x="28" y="27"/>
+                    </a:cubicBezTo>
+                    <a:cubicBezTo>
+                      <a:pt x="25" y="30"/>
+                      <a:pt x="21" y="32"/>
+                      <a:pt x="17" y="32"/>
+                    </a:cubicBezTo>
+                    <a:close/>
+                    <a:moveTo>
+                      <a:pt x="17" y="4"/>
+                    </a:moveTo>
+                    <a:cubicBezTo>
+                      <a:pt x="14" y="4"/>
+                      <a:pt x="11" y="6"/>
+                      <a:pt x="9" y="8"/>
+                    </a:cubicBezTo>
+                    <a:cubicBezTo>
+                      <a:pt x="4" y="12"/>
+                      <a:pt x="4" y="20"/>
+                      <a:pt x="9" y="24"/>
+                    </a:cubicBezTo>
+                    <a:cubicBezTo>
+                      <a:pt x="11" y="27"/>
+                      <a:pt x="14" y="28"/>
+                      <a:pt x="17" y="28"/>
+                    </a:cubicBezTo>
+                    <a:cubicBezTo>
+                      <a:pt x="20" y="28"/>
+                      <a:pt x="23" y="27"/>
+                      <a:pt x="26" y="24"/>
+                    </a:cubicBezTo>
+                    <a:cubicBezTo>
+                      <a:pt x="30" y="20"/>
+                      <a:pt x="30" y="12"/>
+                      <a:pt x="26" y="8"/>
+                    </a:cubicBezTo>
+                    <a:cubicBezTo>
+                      <a:pt x="23" y="6"/>
+                      <a:pt x="20" y="4"/>
+                      <a:pt x="17" y="4"/>
+                    </a:cubicBezTo>
+                    <a:close/>
+                  </a:path>
+                </a:pathLst>
+              </a:custGeom>
+              <a:solidFill>
+                <a:schemeClr val="tx2">
+                  <a:alpha val="80000"/>
+                </a:schemeClr>
+              </a:solidFill>
+              <a:ln>
+                <a:noFill/>
+              </a:ln>
+              <a:extLst/>
+            </p:spPr>
+          </p:sp>
+          <p:sp>
+            <p:nvSpPr>
+              <p:cNvPr id="32" name="Freeform 34">
+                <a:extLst>
+                  <a:ext uri="{FF2B5EF4-FFF2-40B4-BE49-F238E27FC236}">
+                    <a16:creationId xmlns:a16="http://schemas.microsoft.com/office/drawing/2014/main" id="{2EFD37C9-9386-4055-89A4-1863E8C06156}"/>
+                  </a:ext>
+                </a:extLst>
+              </p:cNvPr>
+              <p:cNvSpPr>
+                <a:spLocks noEditPoints="1"/>
+              </p:cNvSpPr>
+              <p:nvPr>
+                <p:extLst>
+                  <p:ext uri="{386F3935-93C4-4BCD-93E2-E3B085C9AB24}">
+                    <p16:designElem xmlns:p16="http://schemas.microsoft.com/office/powerpoint/2015/main" val="1"/>
+                  </p:ext>
+                </p:extLst>
+              </p:nvPr>
+            </p:nvSpPr>
+            <p:spPr bwMode="auto">
+              <a:xfrm flipV="1">
+                <a:off x="385233" y="5118101"/>
+                <a:ext cx="188913" cy="190500"/>
+              </a:xfrm>
+              <a:custGeom>
+                <a:avLst/>
+                <a:gdLst/>
+                <a:ahLst/>
+                <a:cxnLst/>
+                <a:rect l="0" t="0" r="r" b="b"/>
+                <a:pathLst>
+                  <a:path w="40" h="40">
+                    <a:moveTo>
+                      <a:pt x="20" y="40"/>
+                    </a:moveTo>
+                    <a:cubicBezTo>
+                      <a:pt x="9" y="40"/>
+                      <a:pt x="0" y="31"/>
+                      <a:pt x="0" y="20"/>
+                    </a:cubicBezTo>
+                    <a:cubicBezTo>
+                      <a:pt x="0" y="9"/>
+                      <a:pt x="9" y="0"/>
+                      <a:pt x="20" y="0"/>
+                    </a:cubicBezTo>
+                    <a:cubicBezTo>
+                      <a:pt x="31" y="0"/>
+                      <a:pt x="40" y="9"/>
+                      <a:pt x="40" y="20"/>
+                    </a:cubicBezTo>
+                    <a:cubicBezTo>
+                      <a:pt x="40" y="31"/>
+                      <a:pt x="31" y="40"/>
+                      <a:pt x="20" y="40"/>
+                    </a:cubicBezTo>
+                    <a:close/>
+                    <a:moveTo>
+                      <a:pt x="20" y="4"/>
+                    </a:moveTo>
+                    <a:cubicBezTo>
+                      <a:pt x="11" y="4"/>
+                      <a:pt x="4" y="11"/>
+                      <a:pt x="4" y="20"/>
+                    </a:cubicBezTo>
+                    <a:cubicBezTo>
+                      <a:pt x="4" y="29"/>
+                      <a:pt x="11" y="36"/>
+                      <a:pt x="20" y="36"/>
+                    </a:cubicBezTo>
+                    <a:cubicBezTo>
+                      <a:pt x="29" y="36"/>
+                      <a:pt x="36" y="29"/>
+                      <a:pt x="36" y="20"/>
+                    </a:cubicBezTo>
+                    <a:cubicBezTo>
+                      <a:pt x="36" y="11"/>
+                      <a:pt x="29" y="4"/>
+                      <a:pt x="20" y="4"/>
+                    </a:cubicBezTo>
+                    <a:close/>
+                  </a:path>
+                </a:pathLst>
+              </a:custGeom>
+              <a:solidFill>
+                <a:schemeClr val="tx2">
+                  <a:alpha val="80000"/>
+                </a:schemeClr>
+              </a:solidFill>
+              <a:ln>
+                <a:noFill/>
+              </a:ln>
+              <a:extLst/>
+            </p:spPr>
+          </p:sp>
+          <p:sp>
+            <p:nvSpPr>
+              <p:cNvPr id="33" name="Freeform 37">
+                <a:extLst>
+                  <a:ext uri="{FF2B5EF4-FFF2-40B4-BE49-F238E27FC236}">
+                    <a16:creationId xmlns:a16="http://schemas.microsoft.com/office/drawing/2014/main" id="{63DB71AB-809F-4204-824E-B78D40C1E232}"/>
+                  </a:ext>
+                </a:extLst>
+              </p:cNvPr>
+              <p:cNvSpPr/>
+              <p:nvPr>
+                <p:extLst>
+                  <p:ext uri="{386F3935-93C4-4BCD-93E2-E3B085C9AB24}">
+                    <p16:designElem xmlns:p16="http://schemas.microsoft.com/office/powerpoint/2015/main" val="1"/>
+                  </p:ext>
+                </p:extLst>
+              </p:nvPr>
+            </p:nvSpPr>
+            <p:spPr bwMode="auto">
+              <a:xfrm flipV="1">
+                <a:off x="464608" y="5299075"/>
+                <a:ext cx="304800" cy="1544638"/>
+              </a:xfrm>
+              <a:custGeom>
+                <a:avLst/>
+                <a:gdLst/>
+                <a:ahLst/>
+                <a:cxnLst/>
+                <a:rect l="0" t="0" r="r" b="b"/>
+                <a:pathLst>
+                  <a:path w="192" h="973">
+                    <a:moveTo>
+                      <a:pt x="15" y="973"/>
+                    </a:moveTo>
+                    <a:lnTo>
+                      <a:pt x="0" y="973"/>
+                    </a:lnTo>
+                    <a:lnTo>
+                      <a:pt x="0" y="790"/>
+                    </a:lnTo>
+                    <a:lnTo>
+                      <a:pt x="174" y="614"/>
+                    </a:lnTo>
+                    <a:lnTo>
+                      <a:pt x="174" y="0"/>
+                    </a:lnTo>
+                    <a:lnTo>
+                      <a:pt x="192" y="0"/>
+                    </a:lnTo>
+                    <a:lnTo>
+                      <a:pt x="192" y="620"/>
+                    </a:lnTo>
+                    <a:lnTo>
+                      <a:pt x="15" y="796"/>
+                    </a:lnTo>
+                    <a:lnTo>
+                      <a:pt x="15" y="973"/>
+                    </a:lnTo>
+                    <a:close/>
+                  </a:path>
+                </a:pathLst>
+              </a:custGeom>
+              <a:solidFill>
+                <a:schemeClr val="tx2">
+                  <a:alpha val="80000"/>
+                </a:schemeClr>
+              </a:solidFill>
+              <a:ln>
+                <a:noFill/>
+              </a:ln>
+              <a:extLst/>
+            </p:spPr>
+          </p:sp>
+        </p:grpSp>
+        <p:grpSp>
+          <p:nvGrpSpPr>
+            <p:cNvPr id="23" name="Group 22">
+              <a:extLst>
+                <a:ext uri="{FF2B5EF4-FFF2-40B4-BE49-F238E27FC236}">
+                  <a16:creationId xmlns:a16="http://schemas.microsoft.com/office/drawing/2014/main" id="{EADC9D47-4147-48BA-877D-A42148765A84}"/>
+                </a:ext>
+              </a:extLst>
+            </p:cNvPr>
+            <p:cNvGrpSpPr/>
+            <p:nvPr>
+              <p:extLst>
+                <p:ext uri="{386F3935-93C4-4BCD-93E2-E3B085C9AB24}">
+                  <p16:designElem xmlns:p16="http://schemas.microsoft.com/office/powerpoint/2015/main" val="1"/>
+                </p:ext>
+              </p:extLst>
+            </p:nvPr>
+          </p:nvGrpSpPr>
+          <p:grpSpPr>
+            <a:xfrm>
+              <a:off x="372533" y="0"/>
+              <a:ext cx="598488" cy="1981201"/>
+              <a:chOff x="194733" y="0"/>
+              <a:chExt cx="598488" cy="1981201"/>
+            </a:xfrm>
+          </p:grpSpPr>
+          <p:sp>
+            <p:nvSpPr>
+              <p:cNvPr id="24" name="Freeform 35">
+                <a:extLst>
+                  <a:ext uri="{FF2B5EF4-FFF2-40B4-BE49-F238E27FC236}">
+                    <a16:creationId xmlns:a16="http://schemas.microsoft.com/office/drawing/2014/main" id="{39FDE9B4-6C4E-446A-BD52-7F201154EE49}"/>
+                  </a:ext>
+                </a:extLst>
+              </p:cNvPr>
+              <p:cNvSpPr/>
+              <p:nvPr>
+                <p:extLst>
+                  <p:ext uri="{386F3935-93C4-4BCD-93E2-E3B085C9AB24}">
+                    <p16:designElem xmlns:p16="http://schemas.microsoft.com/office/powerpoint/2015/main" val="1"/>
+                  </p:ext>
+                </p:extLst>
+              </p:nvPr>
+            </p:nvSpPr>
+            <p:spPr bwMode="auto">
+              <a:xfrm flipV="1">
+                <a:off x="285221" y="0"/>
+                <a:ext cx="298450" cy="1154113"/>
+              </a:xfrm>
+              <a:custGeom>
+                <a:avLst/>
+                <a:gdLst/>
+                <a:ahLst/>
+                <a:cxnLst/>
+                <a:rect l="0" t="0" r="r" b="b"/>
+                <a:pathLst>
+                  <a:path w="188" h="727">
+                    <a:moveTo>
+                      <a:pt x="15" y="727"/>
+                    </a:moveTo>
+                    <a:lnTo>
+                      <a:pt x="0" y="727"/>
+                    </a:lnTo>
+                    <a:lnTo>
+                      <a:pt x="0" y="407"/>
+                    </a:lnTo>
+                    <a:lnTo>
+                      <a:pt x="0" y="407"/>
+                    </a:lnTo>
+                    <a:lnTo>
+                      <a:pt x="176" y="0"/>
+                    </a:lnTo>
+                    <a:lnTo>
+                      <a:pt x="188" y="6"/>
+                    </a:lnTo>
+                    <a:lnTo>
+                      <a:pt x="15" y="410"/>
+                    </a:lnTo>
+                    <a:lnTo>
+                      <a:pt x="15" y="727"/>
+                    </a:lnTo>
+                    <a:close/>
+                  </a:path>
+                </a:pathLst>
+              </a:custGeom>
+              <a:solidFill>
+                <a:schemeClr val="tx2">
+                  <a:alpha val="80000"/>
+                </a:schemeClr>
+              </a:solidFill>
+              <a:ln>
+                <a:noFill/>
+              </a:ln>
+              <a:extLst/>
+            </p:spPr>
+          </p:sp>
+          <p:sp>
+            <p:nvSpPr>
+              <p:cNvPr id="25" name="Freeform 36">
+                <a:extLst>
+                  <a:ext uri="{FF2B5EF4-FFF2-40B4-BE49-F238E27FC236}">
+                    <a16:creationId xmlns:a16="http://schemas.microsoft.com/office/drawing/2014/main" id="{1F3BEEC2-56BA-4F2A-8773-A97A55160E15}"/>
+                  </a:ext>
+                </a:extLst>
+              </p:cNvPr>
+              <p:cNvSpPr>
+                <a:spLocks noEditPoints="1"/>
+              </p:cNvSpPr>
+              <p:nvPr>
+                <p:extLst>
+                  <p:ext uri="{386F3935-93C4-4BCD-93E2-E3B085C9AB24}">
+                    <p16:designElem xmlns:p16="http://schemas.microsoft.com/office/powerpoint/2015/main" val="1"/>
+                  </p:ext>
+                </p:extLst>
+              </p:nvPr>
+            </p:nvSpPr>
+            <p:spPr bwMode="auto">
+              <a:xfrm flipV="1">
+                <a:off x="526521" y="1141413"/>
+                <a:ext cx="157163" cy="155575"/>
+              </a:xfrm>
+              <a:custGeom>
+                <a:avLst/>
+                <a:gdLst/>
+                <a:ahLst/>
+                <a:cxnLst/>
+                <a:rect l="0" t="0" r="r" b="b"/>
+                <a:pathLst>
+                  <a:path w="33" h="33">
+                    <a:moveTo>
+                      <a:pt x="17" y="33"/>
+                    </a:moveTo>
+                    <a:cubicBezTo>
+                      <a:pt x="8" y="33"/>
+                      <a:pt x="0" y="25"/>
+                      <a:pt x="0" y="16"/>
+                    </a:cubicBezTo>
+                    <a:cubicBezTo>
+                      <a:pt x="0" y="7"/>
+                      <a:pt x="8" y="0"/>
+                      <a:pt x="17" y="0"/>
+                    </a:cubicBezTo>
+                    <a:cubicBezTo>
+                      <a:pt x="26" y="0"/>
+                      <a:pt x="33" y="7"/>
+                      <a:pt x="33" y="16"/>
+                    </a:cubicBezTo>
+                    <a:cubicBezTo>
+                      <a:pt x="33" y="25"/>
+                      <a:pt x="26" y="33"/>
+                      <a:pt x="17" y="33"/>
+                    </a:cubicBezTo>
+                    <a:close/>
+                    <a:moveTo>
+                      <a:pt x="17" y="4"/>
+                    </a:moveTo>
+                    <a:cubicBezTo>
+                      <a:pt x="10" y="4"/>
+                      <a:pt x="4" y="9"/>
+                      <a:pt x="4" y="16"/>
+                    </a:cubicBezTo>
+                    <a:cubicBezTo>
+                      <a:pt x="4" y="23"/>
+                      <a:pt x="10" y="29"/>
+                      <a:pt x="17" y="29"/>
+                    </a:cubicBezTo>
+                    <a:cubicBezTo>
+                      <a:pt x="23" y="29"/>
+                      <a:pt x="29" y="23"/>
+                      <a:pt x="29" y="16"/>
+                    </a:cubicBezTo>
+                    <a:cubicBezTo>
+                      <a:pt x="29" y="9"/>
+                      <a:pt x="23" y="4"/>
+                      <a:pt x="17" y="4"/>
+                    </a:cubicBezTo>
+                    <a:close/>
+                  </a:path>
+                </a:pathLst>
+              </a:custGeom>
+              <a:solidFill>
+                <a:schemeClr val="tx2">
+                  <a:alpha val="80000"/>
+                </a:schemeClr>
+              </a:solidFill>
+              <a:ln>
+                <a:noFill/>
+              </a:ln>
+              <a:extLst/>
+            </p:spPr>
+          </p:sp>
+          <p:sp>
+            <p:nvSpPr>
+              <p:cNvPr id="26" name="Freeform 38">
+                <a:extLst>
+                  <a:ext uri="{FF2B5EF4-FFF2-40B4-BE49-F238E27FC236}">
+                    <a16:creationId xmlns:a16="http://schemas.microsoft.com/office/drawing/2014/main" id="{53851CE2-9D59-4593-A63A-17D1C6D86C0D}"/>
+                  </a:ext>
+                </a:extLst>
+              </p:cNvPr>
+              <p:cNvSpPr>
+                <a:spLocks noEditPoints="1"/>
+              </p:cNvSpPr>
+              <p:nvPr>
+                <p:extLst>
+                  <p:ext uri="{386F3935-93C4-4BCD-93E2-E3B085C9AB24}">
+                    <p16:designElem xmlns:p16="http://schemas.microsoft.com/office/powerpoint/2015/main" val="1"/>
+                  </p:ext>
+                </p:extLst>
+              </p:nvPr>
+            </p:nvSpPr>
+            <p:spPr bwMode="auto">
+              <a:xfrm flipV="1">
+                <a:off x="389996" y="1792288"/>
+                <a:ext cx="188913" cy="188913"/>
+              </a:xfrm>
+              <a:custGeom>
+                <a:avLst/>
+                <a:gdLst/>
+                <a:ahLst/>
+                <a:cxnLst/>
+                <a:rect l="0" t="0" r="r" b="b"/>
+                <a:pathLst>
+                  <a:path w="40" h="40">
+                    <a:moveTo>
+                      <a:pt x="20" y="40"/>
+                    </a:moveTo>
+                    <a:cubicBezTo>
+                      <a:pt x="9" y="40"/>
+                      <a:pt x="0" y="31"/>
+                      <a:pt x="0" y="20"/>
+                    </a:cubicBezTo>
+                    <a:cubicBezTo>
+                      <a:pt x="0" y="9"/>
+                      <a:pt x="9" y="0"/>
+                      <a:pt x="20" y="0"/>
+                    </a:cubicBezTo>
+                    <a:cubicBezTo>
+                      <a:pt x="31" y="0"/>
+                      <a:pt x="40" y="9"/>
+                      <a:pt x="40" y="20"/>
+                    </a:cubicBezTo>
+                    <a:cubicBezTo>
+                      <a:pt x="40" y="31"/>
+                      <a:pt x="31" y="40"/>
+                      <a:pt x="20" y="40"/>
+                    </a:cubicBezTo>
+                    <a:close/>
+                    <a:moveTo>
+                      <a:pt x="20" y="4"/>
+                    </a:moveTo>
+                    <a:cubicBezTo>
+                      <a:pt x="11" y="4"/>
+                      <a:pt x="4" y="11"/>
+                      <a:pt x="4" y="20"/>
+                    </a:cubicBezTo>
+                    <a:cubicBezTo>
+                      <a:pt x="4" y="29"/>
+                      <a:pt x="11" y="36"/>
+                      <a:pt x="20" y="36"/>
+                    </a:cubicBezTo>
+                    <a:cubicBezTo>
+                      <a:pt x="29" y="36"/>
+                      <a:pt x="36" y="29"/>
+                      <a:pt x="36" y="20"/>
+                    </a:cubicBezTo>
+                    <a:cubicBezTo>
+                      <a:pt x="36" y="11"/>
+                      <a:pt x="29" y="4"/>
+                      <a:pt x="20" y="4"/>
+                    </a:cubicBezTo>
+                    <a:close/>
+                  </a:path>
+                </a:pathLst>
+              </a:custGeom>
+              <a:solidFill>
+                <a:schemeClr val="tx2">
+                  <a:alpha val="80000"/>
+                </a:schemeClr>
+              </a:solidFill>
+              <a:ln>
+                <a:noFill/>
+              </a:ln>
+              <a:extLst/>
+            </p:spPr>
+          </p:sp>
+          <p:sp>
+            <p:nvSpPr>
+              <p:cNvPr id="27" name="Freeform 39">
+                <a:extLst>
+                  <a:ext uri="{FF2B5EF4-FFF2-40B4-BE49-F238E27FC236}">
+                    <a16:creationId xmlns:a16="http://schemas.microsoft.com/office/drawing/2014/main" id="{F818EF51-1A96-481F-9C3A-18E97869355B}"/>
+                  </a:ext>
+                </a:extLst>
+              </p:cNvPr>
+              <p:cNvSpPr/>
+              <p:nvPr>
+                <p:extLst>
+                  <p:ext uri="{386F3935-93C4-4BCD-93E2-E3B085C9AB24}">
+                    <p16:designElem xmlns:p16="http://schemas.microsoft.com/office/powerpoint/2015/main" val="1"/>
+                  </p:ext>
+                </p:extLst>
+              </p:nvPr>
+            </p:nvSpPr>
+            <p:spPr bwMode="auto">
+              <a:xfrm flipV="1">
+                <a:off x="194733" y="0"/>
+                <a:ext cx="307975" cy="1801813"/>
+              </a:xfrm>
+              <a:custGeom>
+                <a:avLst/>
+                <a:gdLst/>
+                <a:ahLst/>
+                <a:cxnLst/>
+                <a:rect l="0" t="0" r="r" b="b"/>
+                <a:pathLst>
+                  <a:path w="194" h="1135">
+                    <a:moveTo>
+                      <a:pt x="18" y="1135"/>
+                    </a:moveTo>
+                    <a:lnTo>
+                      <a:pt x="0" y="1135"/>
+                    </a:lnTo>
+                    <a:lnTo>
+                      <a:pt x="0" y="354"/>
+                    </a:lnTo>
+                    <a:lnTo>
+                      <a:pt x="176" y="177"/>
+                    </a:lnTo>
+                    <a:lnTo>
+                      <a:pt x="176" y="0"/>
+                    </a:lnTo>
+                    <a:lnTo>
+                      <a:pt x="194" y="0"/>
+                    </a:lnTo>
+                    <a:lnTo>
+                      <a:pt x="194" y="183"/>
+                    </a:lnTo>
+                    <a:lnTo>
+                      <a:pt x="18" y="360"/>
+                    </a:lnTo>
+                    <a:lnTo>
+                      <a:pt x="18" y="1135"/>
+                    </a:lnTo>
+                    <a:close/>
+                  </a:path>
+                </a:pathLst>
+              </a:custGeom>
+              <a:solidFill>
+                <a:schemeClr val="tx2">
+                  <a:alpha val="80000"/>
+                </a:schemeClr>
+              </a:solidFill>
+              <a:ln>
+                <a:noFill/>
+              </a:ln>
+              <a:extLst/>
+            </p:spPr>
+          </p:sp>
+          <p:sp>
+            <p:nvSpPr>
+              <p:cNvPr id="28" name="Freeform 40">
+                <a:extLst>
+                  <a:ext uri="{FF2B5EF4-FFF2-40B4-BE49-F238E27FC236}">
+                    <a16:creationId xmlns:a16="http://schemas.microsoft.com/office/drawing/2014/main" id="{04BA4BDD-0F37-41B4-B8FC-29FF1ADEFA62}"/>
+                  </a:ext>
+                </a:extLst>
+              </p:cNvPr>
+              <p:cNvSpPr>
+                <a:spLocks noEditPoints="1"/>
+              </p:cNvSpPr>
+              <p:nvPr>
+                <p:extLst>
+                  <p:ext uri="{386F3935-93C4-4BCD-93E2-E3B085C9AB24}">
+                    <p16:designElem xmlns:p16="http://schemas.microsoft.com/office/powerpoint/2015/main" val="1"/>
+                  </p:ext>
+                </p:extLst>
+              </p:nvPr>
+            </p:nvSpPr>
+            <p:spPr bwMode="auto">
+              <a:xfrm flipV="1">
+                <a:off x="602721" y="242888"/>
+                <a:ext cx="190500" cy="188913"/>
+              </a:xfrm>
+              <a:custGeom>
+                <a:avLst/>
+                <a:gdLst/>
+                <a:ahLst/>
+                <a:cxnLst/>
+                <a:rect l="0" t="0" r="r" b="b"/>
+                <a:pathLst>
+                  <a:path w="40" h="40">
+                    <a:moveTo>
+                      <a:pt x="20" y="40"/>
+                    </a:moveTo>
+                    <a:cubicBezTo>
+                      <a:pt x="9" y="40"/>
+                      <a:pt x="0" y="31"/>
+                      <a:pt x="0" y="20"/>
+                    </a:cubicBezTo>
+                    <a:cubicBezTo>
+                      <a:pt x="0" y="9"/>
+                      <a:pt x="9" y="0"/>
+                      <a:pt x="20" y="0"/>
+                    </a:cubicBezTo>
+                    <a:cubicBezTo>
+                      <a:pt x="31" y="0"/>
+                      <a:pt x="40" y="9"/>
+                      <a:pt x="40" y="20"/>
+                    </a:cubicBezTo>
+                    <a:cubicBezTo>
+                      <a:pt x="40" y="31"/>
+                      <a:pt x="31" y="40"/>
+                      <a:pt x="20" y="40"/>
+                    </a:cubicBezTo>
+                    <a:close/>
+                    <a:moveTo>
+                      <a:pt x="20" y="4"/>
+                    </a:moveTo>
+                    <a:cubicBezTo>
+                      <a:pt x="12" y="4"/>
+                      <a:pt x="4" y="11"/>
+                      <a:pt x="4" y="20"/>
+                    </a:cubicBezTo>
+                    <a:cubicBezTo>
+                      <a:pt x="4" y="29"/>
+                      <a:pt x="12" y="36"/>
+                      <a:pt x="20" y="36"/>
+                    </a:cubicBezTo>
+                    <a:cubicBezTo>
+                      <a:pt x="29" y="36"/>
+                      <a:pt x="36" y="29"/>
+                      <a:pt x="36" y="20"/>
+                    </a:cubicBezTo>
+                    <a:cubicBezTo>
+                      <a:pt x="36" y="11"/>
+                      <a:pt x="29" y="4"/>
+                      <a:pt x="20" y="4"/>
+                    </a:cubicBezTo>
+                    <a:close/>
+                  </a:path>
+                </a:pathLst>
+              </a:custGeom>
+              <a:solidFill>
+                <a:schemeClr val="tx2">
+                  <a:alpha val="80000"/>
+                </a:schemeClr>
+              </a:solidFill>
+              <a:ln>
+                <a:noFill/>
+              </a:ln>
+              <a:extLst/>
+            </p:spPr>
+          </p:sp>
+          <p:sp>
+            <p:nvSpPr>
+              <p:cNvPr id="29" name="Rectangle 41">
+                <a:extLst>
+                  <a:ext uri="{FF2B5EF4-FFF2-40B4-BE49-F238E27FC236}">
+                    <a16:creationId xmlns:a16="http://schemas.microsoft.com/office/drawing/2014/main" id="{7ADF6EC1-8B68-40C8-AE96-64FA7FCB6FA8}"/>
+                  </a:ext>
+                </a:extLst>
+              </p:cNvPr>
+              <p:cNvSpPr>
+                <a:spLocks noChangeArrowheads="1"/>
+              </p:cNvSpPr>
+              <p:nvPr>
+                <p:extLst>
+                  <p:ext uri="{386F3935-93C4-4BCD-93E2-E3B085C9AB24}">
+                    <p16:designElem xmlns:p16="http://schemas.microsoft.com/office/powerpoint/2015/main" val="1"/>
+                  </p:ext>
+                </p:extLst>
+              </p:nvPr>
+            </p:nvSpPr>
+            <p:spPr bwMode="auto">
+              <a:xfrm flipV="1">
+                <a:off x="693208" y="0"/>
+                <a:ext cx="23813" cy="252413"/>
+              </a:xfrm>
+              <a:prstGeom prst="rect">
+                <a:avLst/>
+              </a:prstGeom>
+              <a:solidFill>
+                <a:schemeClr val="tx2">
+                  <a:alpha val="80000"/>
+                </a:schemeClr>
+              </a:solidFill>
+              <a:ln>
+                <a:noFill/>
+              </a:ln>
+              <a:extLst/>
+            </p:spPr>
+          </p:sp>
+        </p:grpSp>
+      </p:grpSp>
+      <p:sp>
+        <p:nvSpPr>
+          <p:cNvPr id="2" name="Titel 1">
+            <a:extLst>
+              <a:ext uri="{FF2B5EF4-FFF2-40B4-BE49-F238E27FC236}">
+                <a16:creationId xmlns:a16="http://schemas.microsoft.com/office/drawing/2014/main" id="{B9CD4FD6-6BF7-4F34-B764-AEA8D351B8F6}"/>
+              </a:ext>
+            </a:extLst>
+          </p:cNvPr>
+          <p:cNvSpPr>
+            <a:spLocks noGrp="1"/>
+          </p:cNvSpPr>
+          <p:nvPr>
+            <p:ph type="title"/>
+          </p:nvPr>
+        </p:nvSpPr>
+        <p:spPr>
+          <a:xfrm>
+            <a:off x="1143001" y="1007533"/>
+            <a:ext cx="9905998" cy="1092200"/>
+          </a:xfrm>
+        </p:spPr>
+        <p:txBody>
+          <a:bodyPr>
+            <a:normAutofit/>
+          </a:bodyPr>
+          <a:lstStyle/>
+          <a:p>
+            <a:pPr algn="ctr"/>
+            <a:r>
+              <a:rPr lang="de-DE" dirty="0"/>
+              <a:t>Ausblick MS 2</a:t>
+            </a:r>
+          </a:p>
+        </p:txBody>
+      </p:sp>
+      <p:sp>
+        <p:nvSpPr>
+          <p:cNvPr id="3" name="Inhaltsplatzhalter 2">
+            <a:extLst>
+              <a:ext uri="{FF2B5EF4-FFF2-40B4-BE49-F238E27FC236}">
+                <a16:creationId xmlns:a16="http://schemas.microsoft.com/office/drawing/2014/main" id="{D37B44E6-DE4D-4F42-A26D-997ACAA1DE4D}"/>
+              </a:ext>
+            </a:extLst>
+          </p:cNvPr>
+          <p:cNvSpPr>
+            <a:spLocks noGrp="1"/>
+          </p:cNvSpPr>
+          <p:nvPr>
+            <p:ph idx="1"/>
+          </p:nvPr>
+        </p:nvSpPr>
+        <p:spPr>
+          <a:xfrm>
+            <a:off x="1664323" y="2252134"/>
+            <a:ext cx="9384677" cy="3454399"/>
+          </a:xfrm>
+        </p:spPr>
+        <p:txBody>
+          <a:bodyPr anchor="ctr">
+            <a:normAutofit/>
+          </a:bodyPr>
+          <a:lstStyle/>
+          <a:p>
+            <a:pPr>
+              <a:buSzPct val="80000"/>
+            </a:pPr>
+            <a:r>
+              <a:rPr lang="de-DE" sz="3200" dirty="0"/>
+              <a:t>Zweiter spielbarer Charakter</a:t>
+            </a:r>
+          </a:p>
+          <a:p>
+            <a:pPr>
+              <a:buSzPct val="80000"/>
+            </a:pPr>
+            <a:r>
+              <a:rPr lang="de-DE" sz="3200" dirty="0"/>
+              <a:t>Visualisierung der Fähigkeiten</a:t>
+            </a:r>
+          </a:p>
+          <a:p>
+            <a:pPr>
+              <a:buSzPct val="80000"/>
+            </a:pPr>
+            <a:r>
+              <a:rPr lang="de-DE" sz="3200" dirty="0"/>
+              <a:t>Zweiter Gegnertyp (Fernkampfeinheit)</a:t>
+            </a:r>
+          </a:p>
+          <a:p>
+            <a:pPr>
+              <a:buSzPct val="80000"/>
+            </a:pPr>
+            <a:r>
+              <a:rPr lang="de-DE" sz="3200" dirty="0"/>
+              <a:t>HUD ausarbeiten</a:t>
+            </a:r>
+          </a:p>
+          <a:p>
+            <a:pPr>
+              <a:buSzPct val="80000"/>
+            </a:pPr>
+            <a:endParaRPr lang="de-DE" sz="3200" dirty="0"/>
+          </a:p>
+        </p:txBody>
+      </p:sp>
+    </p:spTree>
+    <p:extLst>
+      <p:ext uri="{BB962C8B-B14F-4D97-AF65-F5344CB8AC3E}">
+        <p14:creationId xmlns:p14="http://schemas.microsoft.com/office/powerpoint/2010/main" val="3341067988"/>
+      </p:ext>
+    </p:extLst>
+  </p:cSld>
+  <p:clrMapOvr>
+    <a:masterClrMapping/>
+  </p:clrMapOvr>
+  <mc:AlternateContent xmlns:mc="http://schemas.openxmlformats.org/markup-compatibility/2006" xmlns:p159="http://schemas.microsoft.com/office/powerpoint/2015/09/main">
+    <mc:Choice Requires="p159">
+      <p:transition xmlns:p14="http://schemas.microsoft.com/office/powerpoint/2010/main" spd="slow" p14:dur="2000">
+        <p159:morph option="byObject"/>
+      </p:transition>
+    </mc:Choice>
+    <mc:Fallback xmlns="">
+      <p:transition spd="slow">
+        <p:fade/>
+      </p:transition>
+    </mc:Fallback>
+  </mc:AlternateContent>
+</p:sld>
+</file>
+
+<file path=ppt/slides/slide8.xml><?xml version="1.0" encoding="utf-8"?>
+<p:sld xmlns:a="http://schemas.openxmlformats.org/drawingml/2006/main" xmlns:r="http://schemas.openxmlformats.org/officeDocument/2006/relationships" xmlns:p="http://schemas.openxmlformats.org/presentationml/2006/main">
+  <p:cSld>
+    <p:bg>
+      <p:bgPr>
+        <a:blipFill>
+          <a:blip r:embed="rId2">
+            <a:duotone>
+              <a:schemeClr val="bg2">
+                <a:shade val="48000"/>
+                <a:hueMod val="106000"/>
+                <a:satMod val="140000"/>
+                <a:lumMod val="42000"/>
+              </a:schemeClr>
+              <a:schemeClr val="bg2">
+                <a:tint val="98000"/>
+                <a:hueMod val="92000"/>
+                <a:satMod val="220000"/>
+                <a:lumMod val="90000"/>
+              </a:schemeClr>
+            </a:duotone>
+            <a:extLst/>
+          </a:blip>
+          <a:stretch/>
+        </a:blipFill>
+        <a:effectLst/>
+      </p:bgPr>
+    </p:bg>
+    <p:spTree>
+      <p:nvGrpSpPr>
+        <p:cNvPr id="1" name=""/>
+        <p:cNvGrpSpPr/>
+        <p:nvPr/>
+      </p:nvGrpSpPr>
+      <p:grpSpPr>
+        <a:xfrm>
+          <a:off x="0" y="0"/>
+          <a:ext cx="0" cy="0"/>
+          <a:chOff x="0" y="0"/>
+          <a:chExt cx="0" cy="0"/>
+        </a:xfrm>
+      </p:grpSpPr>
+      <p:grpSp>
+        <p:nvGrpSpPr>
+          <p:cNvPr id="14" name="Group 13">
+            <a:extLst>
+              <a:ext uri="{FF2B5EF4-FFF2-40B4-BE49-F238E27FC236}">
+                <a16:creationId xmlns:a16="http://schemas.microsoft.com/office/drawing/2014/main" id="{7065E17B-CDCD-46E2-BC9B-1D82F571CFF1}"/>
+              </a:ext>
+            </a:extLst>
+          </p:cNvPr>
+          <p:cNvGrpSpPr>
+            <a:grpSpLocks noGrp="1" noUngrp="1" noRot="1" noChangeAspect="1" noMove="1" noResize="1"/>
+          </p:cNvGrpSpPr>
+          <p:nvPr>
+            <p:extLst>
+              <p:ext uri="{386F3935-93C4-4BCD-93E2-E3B085C9AB24}">
+                <p16:designElem xmlns:p16="http://schemas.microsoft.com/office/powerpoint/2015/main" val="1"/>
+              </p:ext>
+            </p:extLst>
+          </p:nvPr>
+        </p:nvGrpSpPr>
+        <p:grpSpPr>
+          <a:xfrm>
+            <a:off x="0" y="-1"/>
+            <a:ext cx="12192003" cy="6858001"/>
+            <a:chOff x="0" y="-1"/>
+            <a:chExt cx="12192003" cy="6858001"/>
+          </a:xfrm>
+        </p:grpSpPr>
+        <p:sp useBgFill="1">
+          <p:nvSpPr>
+            <p:cNvPr id="15" name="Rectangle 14">
+              <a:extLst>
+                <a:ext uri="{FF2B5EF4-FFF2-40B4-BE49-F238E27FC236}">
+                  <a16:creationId xmlns:a16="http://schemas.microsoft.com/office/drawing/2014/main" id="{A9AC8922-D691-4F33-86FF-674B72C9E85F}"/>
+                </a:ext>
+              </a:extLst>
+            </p:cNvPr>
+            <p:cNvSpPr/>
+            <p:nvPr>
+              <p:extLst>
+                <p:ext uri="{386F3935-93C4-4BCD-93E2-E3B085C9AB24}">
+                  <p16:designElem xmlns:p16="http://schemas.microsoft.com/office/powerpoint/2015/main" val="1"/>
+                </p:ext>
+              </p:extLst>
+            </p:nvPr>
+          </p:nvSpPr>
+          <p:spPr>
+            <a:xfrm>
+              <a:off x="1" y="-1"/>
+              <a:ext cx="12192000" cy="6858000"/>
+            </a:xfrm>
+            <a:prstGeom prst="rect">
+              <a:avLst/>
+            </a:prstGeom>
+            <a:ln>
+              <a:noFill/>
+            </a:ln>
+          </p:spPr>
+          <p:style>
+            <a:lnRef idx="2">
+              <a:schemeClr val="accent1">
+                <a:shade val="50000"/>
+              </a:schemeClr>
+            </a:lnRef>
+            <a:fillRef idx="1">
+              <a:schemeClr val="accent1"/>
+            </a:fillRef>
+            <a:effectRef idx="0">
+              <a:schemeClr val="accent1"/>
+            </a:effectRef>
+            <a:fontRef idx="minor">
+              <a:schemeClr val="lt1"/>
+            </a:fontRef>
+          </p:style>
+          <p:txBody>
+            <a:bodyPr rtlCol="0" anchor="ctr"/>
+            <a:lstStyle/>
+            <a:p>
+              <a:pPr algn="ctr"/>
+              <a:endParaRPr lang="en-US"/>
+            </a:p>
+          </p:txBody>
+        </p:sp>
+        <p:pic>
+          <p:nvPicPr>
+            <p:cNvPr id="16" name="Picture 2">
+              <a:extLst>
+                <a:ext uri="{FF2B5EF4-FFF2-40B4-BE49-F238E27FC236}">
+                  <a16:creationId xmlns:a16="http://schemas.microsoft.com/office/drawing/2014/main" id="{30A72236-D2DA-40B6-9BD4-531CCA58772D}"/>
+                </a:ext>
+              </a:extLst>
+            </p:cNvPr>
+            <p:cNvPicPr>
+              <a:picLocks noChangeAspect="1" noChangeArrowheads="1"/>
+            </p:cNvPicPr>
+            <p:nvPr>
+              <p:extLst>
+                <p:ext uri="{386F3935-93C4-4BCD-93E2-E3B085C9AB24}">
+                  <p16:designElem xmlns:p16="http://schemas.microsoft.com/office/powerpoint/2015/main" val="1"/>
+                </p:ext>
+              </p:extLst>
+            </p:nvPr>
+          </p:nvPicPr>
+          <p:blipFill>
+            <a:blip r:embed="rId3">
+              <a:alphaModFix amt="30000"/>
+              <a:duotone>
+                <a:prstClr val="black"/>
+                <a:schemeClr val="tx2">
+                  <a:tint val="45000"/>
+                  <a:satMod val="400000"/>
+                </a:schemeClr>
+              </a:duotone>
+              <a:extLst>
+                <a:ext uri="{28A0092B-C50C-407E-A947-70E740481C1C}">
+                  <a14:useLocalDpi xmlns:a14="http://schemas.microsoft.com/office/drawing/2010/main" val="0"/>
+                </a:ext>
+              </a:extLst>
+            </a:blip>
+            <a:srcRect/>
+            <a:stretch>
+              <a:fillRect/>
+            </a:stretch>
+          </p:blipFill>
+          <p:spPr bwMode="auto">
+            <a:xfrm>
+              <a:off x="0" y="-1"/>
+              <a:ext cx="12192003" cy="6858001"/>
+            </a:xfrm>
+            <a:prstGeom prst="rect">
+              <a:avLst/>
+            </a:prstGeom>
+            <a:noFill/>
+            <a:extLst>
+              <a:ext uri="{909E8E84-426E-40dd-AFC4-6F175D3DCCD1}">
+                <a14:hiddenFill xmlns="" xmlns:p14="http://schemas.microsoft.com/office/powerpoint/2010/main" xmlns:a14="http://schemas.microsoft.com/office/drawing/2010/main">
+                  <a:solidFill>
+                    <a:srgbClr val="FFFFFF"/>
+                  </a:solidFill>
+                </a14:hiddenFill>
+              </a:ext>
+            </a:extLst>
+          </p:spPr>
+        </p:pic>
+      </p:grpSp>
+      <p:pic>
+        <p:nvPicPr>
+          <p:cNvPr id="9" name="Grafik 8" descr="Ein Bild, das drinnen, Boden, Tisch, alt enthält.&#10;&#10;Mit sehr hoher Zuverlässigkeit generierte Beschreibung">
+            <a:extLst>
+              <a:ext uri="{FF2B5EF4-FFF2-40B4-BE49-F238E27FC236}">
+                <a16:creationId xmlns:a16="http://schemas.microsoft.com/office/drawing/2014/main" id="{26C00CEF-A9A3-4B14-9A4A-AB5E19C490EB}"/>
+              </a:ext>
+            </a:extLst>
+          </p:cNvPr>
+          <p:cNvPicPr>
+            <a:picLocks noChangeAspect="1"/>
+          </p:cNvPicPr>
+          <p:nvPr/>
+        </p:nvPicPr>
+        <p:blipFill rotWithShape="1">
+          <a:blip r:embed="rId4">
+            <a:alphaModFix amt="30000"/>
+            <a:extLst/>
+          </a:blip>
+          <a:srcRect t="5783" b="13258"/>
+          <a:stretch/>
+        </p:blipFill>
+        <p:spPr>
+          <a:xfrm>
+            <a:off x="3611" y="10"/>
+            <a:ext cx="12188389" cy="6857990"/>
+          </a:xfrm>
+          <a:prstGeom prst="rect">
+            <a:avLst/>
+          </a:prstGeom>
+        </p:spPr>
+      </p:pic>
+      <p:grpSp>
+        <p:nvGrpSpPr>
+          <p:cNvPr id="18" name="Group 17">
+            <a:extLst>
+              <a:ext uri="{FF2B5EF4-FFF2-40B4-BE49-F238E27FC236}">
+                <a16:creationId xmlns:a16="http://schemas.microsoft.com/office/drawing/2014/main" id="{AD7BB894-81D1-4268-8FE7-FAC125D3B4FB}"/>
+              </a:ext>
+            </a:extLst>
+          </p:cNvPr>
+          <p:cNvGrpSpPr>
+            <a:grpSpLocks noGrp="1" noUngrp="1" noRot="1" noChangeAspect="1" noMove="1" noResize="1"/>
+          </p:cNvGrpSpPr>
+          <p:nvPr>
+            <p:extLst>
+              <p:ext uri="{386F3935-93C4-4BCD-93E2-E3B085C9AB24}">
+                <p16:designElem xmlns:p16="http://schemas.microsoft.com/office/powerpoint/2015/main" val="1"/>
+              </p:ext>
+            </p:extLst>
+          </p:nvPr>
+        </p:nvGrpSpPr>
+        <p:grpSpPr>
+          <a:xfrm>
+            <a:off x="372533" y="0"/>
+            <a:ext cx="11455400" cy="6848476"/>
+            <a:chOff x="372533" y="0"/>
+            <a:chExt cx="11455400" cy="6848476"/>
+          </a:xfrm>
+        </p:grpSpPr>
+        <p:sp>
+          <p:nvSpPr>
+            <p:cNvPr id="19" name="Round Diagonal Corner Rectangle 7">
+              <a:extLst>
+                <a:ext uri="{FF2B5EF4-FFF2-40B4-BE49-F238E27FC236}">
+                  <a16:creationId xmlns:a16="http://schemas.microsoft.com/office/drawing/2014/main" id="{E962C5C5-76A5-44BE-990D-2D936E9E33CD}"/>
+                </a:ext>
+              </a:extLst>
+            </p:cNvPr>
+            <p:cNvSpPr/>
+            <p:nvPr>
+              <p:extLst>
+                <p:ext uri="{386F3935-93C4-4BCD-93E2-E3B085C9AB24}">
+                  <p16:designElem xmlns:p16="http://schemas.microsoft.com/office/powerpoint/2015/main" val="1"/>
+                </p:ext>
+              </p:extLst>
+            </p:nvPr>
+          </p:nvSpPr>
+          <p:spPr>
+            <a:xfrm>
+              <a:off x="922867" y="766234"/>
+              <a:ext cx="10346266" cy="5325532"/>
+            </a:xfrm>
+            <a:prstGeom prst="round2DiagRect">
+              <a:avLst>
+                <a:gd name="adj1" fmla="val 4147"/>
+                <a:gd name="adj2" fmla="val 0"/>
+              </a:avLst>
+            </a:prstGeom>
+            <a:solidFill>
+              <a:schemeClr val="bg1">
+                <a:alpha val="80000"/>
+              </a:schemeClr>
+            </a:solidFill>
+            <a:ln w="19050" cap="sq">
+              <a:solidFill>
+                <a:schemeClr val="tx2">
+                  <a:alpha val="60000"/>
+                </a:schemeClr>
+              </a:solidFill>
+              <a:miter lim="800000"/>
+            </a:ln>
+            <a:effectLst>
+              <a:outerShdw blurRad="88900" dist="38100" dir="5400000" algn="t" rotWithShape="0">
+                <a:prstClr val="black">
+                  <a:alpha val="40000"/>
+                </a:prstClr>
+              </a:outerShdw>
+            </a:effectLst>
+          </p:spPr>
+          <p:style>
+            <a:lnRef idx="1">
+              <a:schemeClr val="accent1"/>
+            </a:lnRef>
+            <a:fillRef idx="3">
+              <a:schemeClr val="accent1"/>
+            </a:fillRef>
+            <a:effectRef idx="2">
+              <a:schemeClr val="accent1"/>
+            </a:effectRef>
+            <a:fontRef idx="minor">
+              <a:schemeClr val="lt1"/>
+            </a:fontRef>
+          </p:style>
+          <p:txBody>
+            <a:bodyPr rtlCol="0" anchor="ctr"/>
+            <a:lstStyle/>
+            <a:p>
+              <a:pPr algn="ctr"/>
+              <a:endParaRPr lang="en-US"/>
+            </a:p>
+          </p:txBody>
+        </p:sp>
+        <p:grpSp>
+          <p:nvGrpSpPr>
+            <p:cNvPr id="20" name="Group 19">
+              <a:extLst>
+                <a:ext uri="{FF2B5EF4-FFF2-40B4-BE49-F238E27FC236}">
+                  <a16:creationId xmlns:a16="http://schemas.microsoft.com/office/drawing/2014/main" id="{239433C4-8265-4EE1-83B8-EC545DE3D110}"/>
+                </a:ext>
+              </a:extLst>
+            </p:cNvPr>
+            <p:cNvGrpSpPr/>
+            <p:nvPr>
+              <p:extLst>
+                <p:ext uri="{386F3935-93C4-4BCD-93E2-E3B085C9AB24}">
+                  <p16:designElem xmlns:p16="http://schemas.microsoft.com/office/powerpoint/2015/main" val="1"/>
+                </p:ext>
+              </p:extLst>
+            </p:nvPr>
+          </p:nvGrpSpPr>
+          <p:grpSpPr>
+            <a:xfrm>
+              <a:off x="11085512" y="0"/>
+              <a:ext cx="650875" cy="1730375"/>
+              <a:chOff x="11347978" y="0"/>
+              <a:chExt cx="650875" cy="1730375"/>
+            </a:xfrm>
+          </p:grpSpPr>
+          <p:sp>
+            <p:nvSpPr>
+              <p:cNvPr id="40" name="Freeform 32">
+                <a:extLst>
+                  <a:ext uri="{FF2B5EF4-FFF2-40B4-BE49-F238E27FC236}">
+                    <a16:creationId xmlns:a16="http://schemas.microsoft.com/office/drawing/2014/main" id="{14270815-FD6F-4B15-93D0-1FD13352F082}"/>
+                  </a:ext>
+                </a:extLst>
+              </p:cNvPr>
+              <p:cNvSpPr/>
+              <p:nvPr>
+                <p:extLst>
+                  <p:ext uri="{386F3935-93C4-4BCD-93E2-E3B085C9AB24}">
+                    <p16:designElem xmlns:p16="http://schemas.microsoft.com/office/powerpoint/2015/main" val="1"/>
+                  </p:ext>
+                </p:extLst>
+              </p:nvPr>
+            </p:nvSpPr>
+            <p:spPr bwMode="auto">
+              <a:xfrm>
+                <a:off x="11467041" y="0"/>
+                <a:ext cx="417513" cy="512763"/>
+              </a:xfrm>
+              <a:custGeom>
+                <a:avLst/>
+                <a:gdLst/>
+                <a:ahLst/>
+                <a:cxnLst/>
+                <a:rect l="0" t="0" r="r" b="b"/>
+                <a:pathLst>
+                  <a:path w="263" h="323">
+                    <a:moveTo>
+                      <a:pt x="12" y="323"/>
+                    </a:moveTo>
+                    <a:lnTo>
+                      <a:pt x="0" y="314"/>
+                    </a:lnTo>
+                    <a:lnTo>
+                      <a:pt x="203" y="108"/>
+                    </a:lnTo>
+                    <a:lnTo>
+                      <a:pt x="248" y="0"/>
+                    </a:lnTo>
+                    <a:lnTo>
+                      <a:pt x="263" y="6"/>
+                    </a:lnTo>
+                    <a:lnTo>
+                      <a:pt x="218" y="117"/>
+                    </a:lnTo>
+                    <a:lnTo>
+                      <a:pt x="218" y="117"/>
+                    </a:lnTo>
+                    <a:lnTo>
+                      <a:pt x="12" y="323"/>
+                    </a:lnTo>
+                    <a:close/>
+                  </a:path>
+                </a:pathLst>
+              </a:custGeom>
+              <a:solidFill>
+                <a:schemeClr val="tx2">
+                  <a:alpha val="80000"/>
+                </a:schemeClr>
+              </a:solidFill>
+              <a:ln>
+                <a:noFill/>
+              </a:ln>
+              <a:extLst/>
+            </p:spPr>
+          </p:sp>
+          <p:sp>
+            <p:nvSpPr>
+              <p:cNvPr id="41" name="Freeform 33">
+                <a:extLst>
+                  <a:ext uri="{FF2B5EF4-FFF2-40B4-BE49-F238E27FC236}">
+                    <a16:creationId xmlns:a16="http://schemas.microsoft.com/office/drawing/2014/main" id="{D77407DE-D2AD-4379-AEA5-C9C4E3563018}"/>
+                  </a:ext>
+                </a:extLst>
+              </p:cNvPr>
+              <p:cNvSpPr>
+                <a:spLocks noEditPoints="1"/>
+              </p:cNvSpPr>
+              <p:nvPr>
+                <p:extLst>
+                  <p:ext uri="{386F3935-93C4-4BCD-93E2-E3B085C9AB24}">
+                    <p16:designElem xmlns:p16="http://schemas.microsoft.com/office/powerpoint/2015/main" val="1"/>
+                  </p:ext>
+                </p:extLst>
+              </p:nvPr>
+            </p:nvSpPr>
+            <p:spPr bwMode="auto">
+              <a:xfrm>
+                <a:off x="11347978" y="474663"/>
+                <a:ext cx="157163" cy="152400"/>
+              </a:xfrm>
+              <a:custGeom>
+                <a:avLst/>
+                <a:gdLst/>
+                <a:ahLst/>
+                <a:cxnLst/>
+                <a:rect l="0" t="0" r="r" b="b"/>
+                <a:pathLst>
+                  <a:path w="33" h="32">
+                    <a:moveTo>
+                      <a:pt x="17" y="32"/>
+                    </a:moveTo>
+                    <a:cubicBezTo>
+                      <a:pt x="13" y="32"/>
+                      <a:pt x="9" y="30"/>
+                      <a:pt x="6" y="27"/>
+                    </a:cubicBezTo>
+                    <a:cubicBezTo>
+                      <a:pt x="0" y="21"/>
+                      <a:pt x="0" y="11"/>
+                      <a:pt x="6" y="5"/>
+                    </a:cubicBezTo>
+                    <a:cubicBezTo>
+                      <a:pt x="9" y="2"/>
+                      <a:pt x="13" y="0"/>
+                      <a:pt x="17" y="0"/>
+                    </a:cubicBezTo>
+                    <a:cubicBezTo>
+                      <a:pt x="21" y="0"/>
+                      <a:pt x="25" y="2"/>
+                      <a:pt x="28" y="5"/>
+                    </a:cubicBezTo>
+                    <a:cubicBezTo>
+                      <a:pt x="31" y="8"/>
+                      <a:pt x="33" y="12"/>
+                      <a:pt x="33" y="16"/>
+                    </a:cubicBezTo>
+                    <a:cubicBezTo>
+                      <a:pt x="33" y="20"/>
+                      <a:pt x="31" y="24"/>
+                      <a:pt x="28" y="27"/>
+                    </a:cubicBezTo>
+                    <a:cubicBezTo>
+                      <a:pt x="25" y="30"/>
+                      <a:pt x="21" y="32"/>
+                      <a:pt x="17" y="32"/>
+                    </a:cubicBezTo>
+                    <a:close/>
+                    <a:moveTo>
+                      <a:pt x="17" y="4"/>
+                    </a:moveTo>
+                    <a:cubicBezTo>
+                      <a:pt x="14" y="4"/>
+                      <a:pt x="11" y="6"/>
+                      <a:pt x="9" y="8"/>
+                    </a:cubicBezTo>
+                    <a:cubicBezTo>
+                      <a:pt x="4" y="12"/>
+                      <a:pt x="4" y="20"/>
+                      <a:pt x="9" y="24"/>
+                    </a:cubicBezTo>
+                    <a:cubicBezTo>
+                      <a:pt x="11" y="27"/>
+                      <a:pt x="14" y="28"/>
+                      <a:pt x="17" y="28"/>
+                    </a:cubicBezTo>
+                    <a:cubicBezTo>
+                      <a:pt x="20" y="28"/>
+                      <a:pt x="23" y="27"/>
+                      <a:pt x="26" y="24"/>
+                    </a:cubicBezTo>
+                    <a:cubicBezTo>
+                      <a:pt x="30" y="20"/>
+                      <a:pt x="30" y="12"/>
+                      <a:pt x="26" y="8"/>
+                    </a:cubicBezTo>
+                    <a:cubicBezTo>
+                      <a:pt x="23" y="6"/>
+                      <a:pt x="20" y="4"/>
+                      <a:pt x="17" y="4"/>
+                    </a:cubicBezTo>
+                    <a:close/>
+                  </a:path>
+                </a:pathLst>
+              </a:custGeom>
+              <a:solidFill>
+                <a:schemeClr val="tx2">
+                  <a:alpha val="80000"/>
+                </a:schemeClr>
+              </a:solidFill>
+              <a:ln>
+                <a:noFill/>
+              </a:ln>
+              <a:extLst/>
+            </p:spPr>
+          </p:sp>
+          <p:sp>
+            <p:nvSpPr>
+              <p:cNvPr id="42" name="Freeform 34">
+                <a:extLst>
+                  <a:ext uri="{FF2B5EF4-FFF2-40B4-BE49-F238E27FC236}">
+                    <a16:creationId xmlns:a16="http://schemas.microsoft.com/office/drawing/2014/main" id="{A924862C-F355-4157-949F-825AA970060E}"/>
+                  </a:ext>
+                </a:extLst>
+              </p:cNvPr>
+              <p:cNvSpPr>
+                <a:spLocks noEditPoints="1"/>
+              </p:cNvSpPr>
+              <p:nvPr>
+                <p:extLst>
+                  <p:ext uri="{386F3935-93C4-4BCD-93E2-E3B085C9AB24}">
+                    <p16:designElem xmlns:p16="http://schemas.microsoft.com/office/powerpoint/2015/main" val="1"/>
+                  </p:ext>
+                </p:extLst>
+              </p:nvPr>
+            </p:nvSpPr>
+            <p:spPr bwMode="auto">
+              <a:xfrm>
+                <a:off x="11614678" y="1539875"/>
+                <a:ext cx="188913" cy="190500"/>
+              </a:xfrm>
+              <a:custGeom>
+                <a:avLst/>
+                <a:gdLst/>
+                <a:ahLst/>
+                <a:cxnLst/>
+                <a:rect l="0" t="0" r="r" b="b"/>
+                <a:pathLst>
+                  <a:path w="40" h="40">
+                    <a:moveTo>
+                      <a:pt x="20" y="40"/>
+                    </a:moveTo>
+                    <a:cubicBezTo>
+                      <a:pt x="9" y="40"/>
+                      <a:pt x="0" y="31"/>
+                      <a:pt x="0" y="20"/>
+                    </a:cubicBezTo>
+                    <a:cubicBezTo>
+                      <a:pt x="0" y="9"/>
+                      <a:pt x="9" y="0"/>
+                      <a:pt x="20" y="0"/>
+                    </a:cubicBezTo>
+                    <a:cubicBezTo>
+                      <a:pt x="31" y="0"/>
+                      <a:pt x="40" y="9"/>
+                      <a:pt x="40" y="20"/>
+                    </a:cubicBezTo>
+                    <a:cubicBezTo>
+                      <a:pt x="40" y="31"/>
+                      <a:pt x="31" y="40"/>
+                      <a:pt x="20" y="40"/>
+                    </a:cubicBezTo>
+                    <a:close/>
+                    <a:moveTo>
+                      <a:pt x="20" y="4"/>
+                    </a:moveTo>
+                    <a:cubicBezTo>
+                      <a:pt x="11" y="4"/>
+                      <a:pt x="4" y="11"/>
+                      <a:pt x="4" y="20"/>
+                    </a:cubicBezTo>
+                    <a:cubicBezTo>
+                      <a:pt x="4" y="29"/>
+                      <a:pt x="11" y="36"/>
+                      <a:pt x="20" y="36"/>
+                    </a:cubicBezTo>
+                    <a:cubicBezTo>
+                      <a:pt x="29" y="36"/>
+                      <a:pt x="36" y="29"/>
+                      <a:pt x="36" y="20"/>
+                    </a:cubicBezTo>
+                    <a:cubicBezTo>
+                      <a:pt x="36" y="11"/>
+                      <a:pt x="29" y="4"/>
+                      <a:pt x="20" y="4"/>
+                    </a:cubicBezTo>
+                    <a:close/>
+                  </a:path>
+                </a:pathLst>
+              </a:custGeom>
+              <a:solidFill>
+                <a:schemeClr val="tx2">
+                  <a:alpha val="80000"/>
+                </a:schemeClr>
+              </a:solidFill>
+              <a:ln>
+                <a:noFill/>
+              </a:ln>
+              <a:extLst/>
+            </p:spPr>
+          </p:sp>
+          <p:sp>
+            <p:nvSpPr>
+              <p:cNvPr id="43" name="Freeform 37">
+                <a:extLst>
+                  <a:ext uri="{FF2B5EF4-FFF2-40B4-BE49-F238E27FC236}">
+                    <a16:creationId xmlns:a16="http://schemas.microsoft.com/office/drawing/2014/main" id="{7FFD9B8C-A260-4F35-9809-8FC4A6AC095F}"/>
+                  </a:ext>
+                </a:extLst>
+              </p:cNvPr>
+              <p:cNvSpPr/>
+              <p:nvPr>
+                <p:extLst>
+                  <p:ext uri="{386F3935-93C4-4BCD-93E2-E3B085C9AB24}">
+                    <p16:designElem xmlns:p16="http://schemas.microsoft.com/office/powerpoint/2015/main" val="1"/>
+                  </p:ext>
+                </p:extLst>
+              </p:nvPr>
+            </p:nvSpPr>
+            <p:spPr bwMode="auto">
+              <a:xfrm>
+                <a:off x="11694053" y="4763"/>
+                <a:ext cx="304800" cy="1544638"/>
+              </a:xfrm>
+              <a:custGeom>
+                <a:avLst/>
+                <a:gdLst/>
+                <a:ahLst/>
+                <a:cxnLst/>
+                <a:rect l="0" t="0" r="r" b="b"/>
+                <a:pathLst>
+                  <a:path w="192" h="973">
+                    <a:moveTo>
+                      <a:pt x="15" y="973"/>
+                    </a:moveTo>
+                    <a:lnTo>
+                      <a:pt x="0" y="973"/>
+                    </a:lnTo>
+                    <a:lnTo>
+                      <a:pt x="0" y="790"/>
+                    </a:lnTo>
+                    <a:lnTo>
+                      <a:pt x="174" y="614"/>
+                    </a:lnTo>
+                    <a:lnTo>
+                      <a:pt x="174" y="0"/>
+                    </a:lnTo>
+                    <a:lnTo>
+                      <a:pt x="192" y="0"/>
+                    </a:lnTo>
+                    <a:lnTo>
+                      <a:pt x="192" y="620"/>
+                    </a:lnTo>
+                    <a:lnTo>
+                      <a:pt x="15" y="796"/>
+                    </a:lnTo>
+                    <a:lnTo>
+                      <a:pt x="15" y="973"/>
+                    </a:lnTo>
+                    <a:close/>
+                  </a:path>
+                </a:pathLst>
+              </a:custGeom>
+              <a:solidFill>
+                <a:schemeClr val="tx2">
+                  <a:alpha val="80000"/>
+                </a:schemeClr>
+              </a:solidFill>
+              <a:ln>
+                <a:noFill/>
+              </a:ln>
+              <a:extLst/>
+            </p:spPr>
+          </p:sp>
+        </p:grpSp>
+        <p:grpSp>
+          <p:nvGrpSpPr>
+            <p:cNvPr id="21" name="Group 20">
+              <a:extLst>
+                <a:ext uri="{FF2B5EF4-FFF2-40B4-BE49-F238E27FC236}">
+                  <a16:creationId xmlns:a16="http://schemas.microsoft.com/office/drawing/2014/main" id="{A10D3673-7258-45B7-B5C9-F5C67AC58D6B}"/>
+                </a:ext>
+              </a:extLst>
+            </p:cNvPr>
+            <p:cNvGrpSpPr/>
+            <p:nvPr>
+              <p:extLst>
+                <p:ext uri="{386F3935-93C4-4BCD-93E2-E3B085C9AB24}">
+                  <p16:designElem xmlns:p16="http://schemas.microsoft.com/office/powerpoint/2015/main" val="1"/>
+                </p:ext>
+              </p:extLst>
+            </p:nvPr>
+          </p:nvGrpSpPr>
+          <p:grpSpPr>
+            <a:xfrm flipH="1">
+              <a:off x="11229445" y="4867275"/>
+              <a:ext cx="598488" cy="1981201"/>
+              <a:chOff x="11424178" y="4867275"/>
+              <a:chExt cx="598488" cy="1981201"/>
+            </a:xfrm>
+          </p:grpSpPr>
+          <p:sp>
+            <p:nvSpPr>
+              <p:cNvPr id="34" name="Freeform 35">
+                <a:extLst>
+                  <a:ext uri="{FF2B5EF4-FFF2-40B4-BE49-F238E27FC236}">
+                    <a16:creationId xmlns:a16="http://schemas.microsoft.com/office/drawing/2014/main" id="{7EF49AE2-8ACA-464C-8F7E-4446787B6FA2}"/>
+                  </a:ext>
+                </a:extLst>
+              </p:cNvPr>
+              <p:cNvSpPr/>
+              <p:nvPr>
+                <p:extLst>
+                  <p:ext uri="{386F3935-93C4-4BCD-93E2-E3B085C9AB24}">
+                    <p16:designElem xmlns:p16="http://schemas.microsoft.com/office/powerpoint/2015/main" val="1"/>
+                  </p:ext>
+                </p:extLst>
+              </p:nvPr>
+            </p:nvSpPr>
+            <p:spPr bwMode="auto">
+              <a:xfrm>
+                <a:off x="11514666" y="5694363"/>
+                <a:ext cx="298450" cy="1154113"/>
+              </a:xfrm>
+              <a:custGeom>
+                <a:avLst/>
+                <a:gdLst/>
+                <a:ahLst/>
+                <a:cxnLst/>
+                <a:rect l="0" t="0" r="r" b="b"/>
+                <a:pathLst>
+                  <a:path w="188" h="727">
+                    <a:moveTo>
+                      <a:pt x="15" y="727"/>
+                    </a:moveTo>
+                    <a:lnTo>
+                      <a:pt x="0" y="727"/>
+                    </a:lnTo>
+                    <a:lnTo>
+                      <a:pt x="0" y="407"/>
+                    </a:lnTo>
+                    <a:lnTo>
+                      <a:pt x="0" y="407"/>
+                    </a:lnTo>
+                    <a:lnTo>
+                      <a:pt x="176" y="0"/>
+                    </a:lnTo>
+                    <a:lnTo>
+                      <a:pt x="188" y="6"/>
+                    </a:lnTo>
+                    <a:lnTo>
+                      <a:pt x="15" y="410"/>
+                    </a:lnTo>
+                    <a:lnTo>
+                      <a:pt x="15" y="727"/>
+                    </a:lnTo>
+                    <a:close/>
+                  </a:path>
+                </a:pathLst>
+              </a:custGeom>
+              <a:solidFill>
+                <a:schemeClr val="tx2">
+                  <a:alpha val="80000"/>
+                </a:schemeClr>
+              </a:solidFill>
+              <a:ln>
+                <a:noFill/>
+              </a:ln>
+              <a:extLst/>
+            </p:spPr>
+          </p:sp>
+          <p:sp>
+            <p:nvSpPr>
+              <p:cNvPr id="35" name="Freeform 36">
+                <a:extLst>
+                  <a:ext uri="{FF2B5EF4-FFF2-40B4-BE49-F238E27FC236}">
+                    <a16:creationId xmlns:a16="http://schemas.microsoft.com/office/drawing/2014/main" id="{4310E76A-A710-428B-8202-4503658C222B}"/>
+                  </a:ext>
+                </a:extLst>
+              </p:cNvPr>
+              <p:cNvSpPr>
+                <a:spLocks noEditPoints="1"/>
+              </p:cNvSpPr>
+              <p:nvPr>
+                <p:extLst>
+                  <p:ext uri="{386F3935-93C4-4BCD-93E2-E3B085C9AB24}">
+                    <p16:designElem xmlns:p16="http://schemas.microsoft.com/office/powerpoint/2015/main" val="1"/>
+                  </p:ext>
+                </p:extLst>
+              </p:nvPr>
+            </p:nvSpPr>
+            <p:spPr bwMode="auto">
+              <a:xfrm>
+                <a:off x="11755966" y="5551488"/>
+                <a:ext cx="157163" cy="155575"/>
+              </a:xfrm>
+              <a:custGeom>
+                <a:avLst/>
+                <a:gdLst/>
+                <a:ahLst/>
+                <a:cxnLst/>
+                <a:rect l="0" t="0" r="r" b="b"/>
+                <a:pathLst>
+                  <a:path w="33" h="33">
+                    <a:moveTo>
+                      <a:pt x="17" y="33"/>
+                    </a:moveTo>
+                    <a:cubicBezTo>
+                      <a:pt x="8" y="33"/>
+                      <a:pt x="0" y="25"/>
+                      <a:pt x="0" y="16"/>
+                    </a:cubicBezTo>
+                    <a:cubicBezTo>
+                      <a:pt x="0" y="7"/>
+                      <a:pt x="8" y="0"/>
+                      <a:pt x="17" y="0"/>
+                    </a:cubicBezTo>
+                    <a:cubicBezTo>
+                      <a:pt x="26" y="0"/>
+                      <a:pt x="33" y="7"/>
+                      <a:pt x="33" y="16"/>
+                    </a:cubicBezTo>
+                    <a:cubicBezTo>
+                      <a:pt x="33" y="25"/>
+                      <a:pt x="26" y="33"/>
+                      <a:pt x="17" y="33"/>
+                    </a:cubicBezTo>
+                    <a:close/>
+                    <a:moveTo>
+                      <a:pt x="17" y="4"/>
+                    </a:moveTo>
+                    <a:cubicBezTo>
+                      <a:pt x="10" y="4"/>
+                      <a:pt x="4" y="9"/>
+                      <a:pt x="4" y="16"/>
+                    </a:cubicBezTo>
+                    <a:cubicBezTo>
+                      <a:pt x="4" y="23"/>
+                      <a:pt x="10" y="29"/>
+                      <a:pt x="17" y="29"/>
+                    </a:cubicBezTo>
+                    <a:cubicBezTo>
+                      <a:pt x="23" y="29"/>
+                      <a:pt x="29" y="23"/>
+                      <a:pt x="29" y="16"/>
+                    </a:cubicBezTo>
+                    <a:cubicBezTo>
+                      <a:pt x="29" y="9"/>
+                      <a:pt x="23" y="4"/>
+                      <a:pt x="17" y="4"/>
+                    </a:cubicBezTo>
+                    <a:close/>
+                  </a:path>
+                </a:pathLst>
+              </a:custGeom>
+              <a:solidFill>
+                <a:schemeClr val="tx2">
+                  <a:alpha val="80000"/>
+                </a:schemeClr>
+              </a:solidFill>
+              <a:ln>
+                <a:noFill/>
+              </a:ln>
+              <a:extLst/>
+            </p:spPr>
+          </p:sp>
+          <p:sp>
+            <p:nvSpPr>
+              <p:cNvPr id="36" name="Freeform 38">
+                <a:extLst>
+                  <a:ext uri="{FF2B5EF4-FFF2-40B4-BE49-F238E27FC236}">
+                    <a16:creationId xmlns:a16="http://schemas.microsoft.com/office/drawing/2014/main" id="{27875C0C-9151-4083-95CE-35229F890743}"/>
+                  </a:ext>
+                </a:extLst>
+              </p:cNvPr>
+              <p:cNvSpPr>
+                <a:spLocks noEditPoints="1"/>
+              </p:cNvSpPr>
+              <p:nvPr>
+                <p:extLst>
+                  <p:ext uri="{386F3935-93C4-4BCD-93E2-E3B085C9AB24}">
+                    <p16:designElem xmlns:p16="http://schemas.microsoft.com/office/powerpoint/2015/main" val="1"/>
+                  </p:ext>
+                </p:extLst>
+              </p:nvPr>
+            </p:nvSpPr>
+            <p:spPr bwMode="auto">
+              <a:xfrm>
+                <a:off x="11619441" y="4867275"/>
+                <a:ext cx="188913" cy="188913"/>
+              </a:xfrm>
+              <a:custGeom>
+                <a:avLst/>
+                <a:gdLst/>
+                <a:ahLst/>
+                <a:cxnLst/>
+                <a:rect l="0" t="0" r="r" b="b"/>
+                <a:pathLst>
+                  <a:path w="40" h="40">
+                    <a:moveTo>
+                      <a:pt x="20" y="40"/>
+                    </a:moveTo>
+                    <a:cubicBezTo>
+                      <a:pt x="9" y="40"/>
+                      <a:pt x="0" y="31"/>
+                      <a:pt x="0" y="20"/>
+                    </a:cubicBezTo>
+                    <a:cubicBezTo>
+                      <a:pt x="0" y="9"/>
+                      <a:pt x="9" y="0"/>
+                      <a:pt x="20" y="0"/>
+                    </a:cubicBezTo>
+                    <a:cubicBezTo>
+                      <a:pt x="31" y="0"/>
+                      <a:pt x="40" y="9"/>
+                      <a:pt x="40" y="20"/>
+                    </a:cubicBezTo>
+                    <a:cubicBezTo>
+                      <a:pt x="40" y="31"/>
+                      <a:pt x="31" y="40"/>
+                      <a:pt x="20" y="40"/>
+                    </a:cubicBezTo>
+                    <a:close/>
+                    <a:moveTo>
+                      <a:pt x="20" y="4"/>
+                    </a:moveTo>
+                    <a:cubicBezTo>
+                      <a:pt x="11" y="4"/>
+                      <a:pt x="4" y="11"/>
+                      <a:pt x="4" y="20"/>
+                    </a:cubicBezTo>
+                    <a:cubicBezTo>
+                      <a:pt x="4" y="29"/>
+                      <a:pt x="11" y="36"/>
+                      <a:pt x="20" y="36"/>
+                    </a:cubicBezTo>
+                    <a:cubicBezTo>
+                      <a:pt x="29" y="36"/>
+                      <a:pt x="36" y="29"/>
+                      <a:pt x="36" y="20"/>
+                    </a:cubicBezTo>
+                    <a:cubicBezTo>
+                      <a:pt x="36" y="11"/>
+                      <a:pt x="29" y="4"/>
+                      <a:pt x="20" y="4"/>
+                    </a:cubicBezTo>
+                    <a:close/>
+                  </a:path>
+                </a:pathLst>
+              </a:custGeom>
+              <a:solidFill>
+                <a:schemeClr val="tx2">
+                  <a:alpha val="80000"/>
+                </a:schemeClr>
+              </a:solidFill>
+              <a:ln>
+                <a:noFill/>
+              </a:ln>
+              <a:extLst/>
+            </p:spPr>
+          </p:sp>
+          <p:sp>
+            <p:nvSpPr>
+              <p:cNvPr id="37" name="Freeform 39">
+                <a:extLst>
+                  <a:ext uri="{FF2B5EF4-FFF2-40B4-BE49-F238E27FC236}">
+                    <a16:creationId xmlns:a16="http://schemas.microsoft.com/office/drawing/2014/main" id="{A8C9CD35-4A6C-497D-9B21-85B71A5941F0}"/>
+                  </a:ext>
+                </a:extLst>
+              </p:cNvPr>
+              <p:cNvSpPr/>
+              <p:nvPr>
+                <p:extLst>
+                  <p:ext uri="{386F3935-93C4-4BCD-93E2-E3B085C9AB24}">
+                    <p16:designElem xmlns:p16="http://schemas.microsoft.com/office/powerpoint/2015/main" val="1"/>
+                  </p:ext>
+                </p:extLst>
+              </p:nvPr>
+            </p:nvSpPr>
+            <p:spPr bwMode="auto">
+              <a:xfrm>
+                <a:off x="11424178" y="5046663"/>
+                <a:ext cx="307975" cy="1801813"/>
+              </a:xfrm>
+              <a:custGeom>
+                <a:avLst/>
+                <a:gdLst/>
+                <a:ahLst/>
+                <a:cxnLst/>
+                <a:rect l="0" t="0" r="r" b="b"/>
+                <a:pathLst>
+                  <a:path w="194" h="1135">
+                    <a:moveTo>
+                      <a:pt x="18" y="1135"/>
+                    </a:moveTo>
+                    <a:lnTo>
+                      <a:pt x="0" y="1135"/>
+                    </a:lnTo>
+                    <a:lnTo>
+                      <a:pt x="0" y="354"/>
+                    </a:lnTo>
+                    <a:lnTo>
+                      <a:pt x="176" y="177"/>
+                    </a:lnTo>
+                    <a:lnTo>
+                      <a:pt x="176" y="0"/>
+                    </a:lnTo>
+                    <a:lnTo>
+                      <a:pt x="194" y="0"/>
+                    </a:lnTo>
+                    <a:lnTo>
+                      <a:pt x="194" y="183"/>
+                    </a:lnTo>
+                    <a:lnTo>
+                      <a:pt x="18" y="360"/>
+                    </a:lnTo>
+                    <a:lnTo>
+                      <a:pt x="18" y="1135"/>
+                    </a:lnTo>
+                    <a:close/>
+                  </a:path>
+                </a:pathLst>
+              </a:custGeom>
+              <a:solidFill>
+                <a:schemeClr val="tx2">
+                  <a:alpha val="80000"/>
+                </a:schemeClr>
+              </a:solidFill>
+              <a:ln>
+                <a:noFill/>
+              </a:ln>
+              <a:extLst/>
+            </p:spPr>
+          </p:sp>
+          <p:sp>
+            <p:nvSpPr>
+              <p:cNvPr id="38" name="Freeform 40">
+                <a:extLst>
+                  <a:ext uri="{FF2B5EF4-FFF2-40B4-BE49-F238E27FC236}">
+                    <a16:creationId xmlns:a16="http://schemas.microsoft.com/office/drawing/2014/main" id="{17C8FADE-3DA4-41BD-83B6-32EDF76648FE}"/>
+                  </a:ext>
+                </a:extLst>
+              </p:cNvPr>
+              <p:cNvSpPr>
+                <a:spLocks noEditPoints="1"/>
+              </p:cNvSpPr>
+              <p:nvPr>
+                <p:extLst>
+                  <p:ext uri="{386F3935-93C4-4BCD-93E2-E3B085C9AB24}">
+                    <p16:designElem xmlns:p16="http://schemas.microsoft.com/office/powerpoint/2015/main" val="1"/>
+                  </p:ext>
+                </p:extLst>
+              </p:nvPr>
+            </p:nvSpPr>
+            <p:spPr bwMode="auto">
+              <a:xfrm>
+                <a:off x="11832166" y="6416675"/>
+                <a:ext cx="190500" cy="188913"/>
+              </a:xfrm>
+              <a:custGeom>
+                <a:avLst/>
+                <a:gdLst/>
+                <a:ahLst/>
+                <a:cxnLst/>
+                <a:rect l="0" t="0" r="r" b="b"/>
+                <a:pathLst>
+                  <a:path w="40" h="40">
+                    <a:moveTo>
+                      <a:pt x="20" y="40"/>
+                    </a:moveTo>
+                    <a:cubicBezTo>
+                      <a:pt x="9" y="40"/>
+                      <a:pt x="0" y="31"/>
+                      <a:pt x="0" y="20"/>
+                    </a:cubicBezTo>
+                    <a:cubicBezTo>
+                      <a:pt x="0" y="9"/>
+                      <a:pt x="9" y="0"/>
+                      <a:pt x="20" y="0"/>
+                    </a:cubicBezTo>
+                    <a:cubicBezTo>
+                      <a:pt x="31" y="0"/>
+                      <a:pt x="40" y="9"/>
+                      <a:pt x="40" y="20"/>
+                    </a:cubicBezTo>
+                    <a:cubicBezTo>
+                      <a:pt x="40" y="31"/>
+                      <a:pt x="31" y="40"/>
+                      <a:pt x="20" y="40"/>
+                    </a:cubicBezTo>
+                    <a:close/>
+                    <a:moveTo>
+                      <a:pt x="20" y="4"/>
+                    </a:moveTo>
+                    <a:cubicBezTo>
+                      <a:pt x="12" y="4"/>
+                      <a:pt x="4" y="11"/>
+                      <a:pt x="4" y="20"/>
+                    </a:cubicBezTo>
+                    <a:cubicBezTo>
+                      <a:pt x="4" y="29"/>
+                      <a:pt x="12" y="36"/>
+                      <a:pt x="20" y="36"/>
+                    </a:cubicBezTo>
+                    <a:cubicBezTo>
+                      <a:pt x="29" y="36"/>
+                      <a:pt x="36" y="29"/>
+                      <a:pt x="36" y="20"/>
+                    </a:cubicBezTo>
+                    <a:cubicBezTo>
+                      <a:pt x="36" y="11"/>
+                      <a:pt x="29" y="4"/>
+                      <a:pt x="20" y="4"/>
+                    </a:cubicBezTo>
+                    <a:close/>
+                  </a:path>
+                </a:pathLst>
+              </a:custGeom>
+              <a:solidFill>
+                <a:schemeClr val="tx2">
+                  <a:alpha val="80000"/>
+                </a:schemeClr>
+              </a:solidFill>
+              <a:ln>
+                <a:noFill/>
+              </a:ln>
+              <a:extLst/>
+            </p:spPr>
+          </p:sp>
+          <p:sp>
+            <p:nvSpPr>
+              <p:cNvPr id="39" name="Rectangle 41">
+                <a:extLst>
+                  <a:ext uri="{FF2B5EF4-FFF2-40B4-BE49-F238E27FC236}">
+                    <a16:creationId xmlns:a16="http://schemas.microsoft.com/office/drawing/2014/main" id="{9BEDB57A-A173-4C07-A34E-AEE2FF418457}"/>
+                  </a:ext>
+                </a:extLst>
+              </p:cNvPr>
+              <p:cNvSpPr>
+                <a:spLocks noChangeArrowheads="1"/>
+              </p:cNvSpPr>
+              <p:nvPr>
+                <p:extLst>
+                  <p:ext uri="{386F3935-93C4-4BCD-93E2-E3B085C9AB24}">
+                    <p16:designElem xmlns:p16="http://schemas.microsoft.com/office/powerpoint/2015/main" val="1"/>
+                  </p:ext>
+                </p:extLst>
+              </p:nvPr>
+            </p:nvSpPr>
+            <p:spPr bwMode="auto">
+              <a:xfrm>
+                <a:off x="11922653" y="6596063"/>
+                <a:ext cx="23813" cy="252413"/>
+              </a:xfrm>
+              <a:prstGeom prst="rect">
+                <a:avLst/>
+              </a:prstGeom>
+              <a:solidFill>
+                <a:schemeClr val="tx2">
+                  <a:alpha val="80000"/>
+                </a:schemeClr>
+              </a:solidFill>
+              <a:ln>
+                <a:noFill/>
+              </a:ln>
+              <a:extLst/>
+            </p:spPr>
+          </p:sp>
+        </p:grpSp>
+        <p:grpSp>
+          <p:nvGrpSpPr>
+            <p:cNvPr id="22" name="Group 21">
+              <a:extLst>
+                <a:ext uri="{FF2B5EF4-FFF2-40B4-BE49-F238E27FC236}">
+                  <a16:creationId xmlns:a16="http://schemas.microsoft.com/office/drawing/2014/main" id="{D82CBCBD-A120-4A7E-B750-CF48FE8BAF75}"/>
+                </a:ext>
+              </a:extLst>
+            </p:cNvPr>
+            <p:cNvGrpSpPr/>
+            <p:nvPr>
+              <p:extLst>
+                <p:ext uri="{386F3935-93C4-4BCD-93E2-E3B085C9AB24}">
+                  <p16:designElem xmlns:p16="http://schemas.microsoft.com/office/powerpoint/2015/main" val="1"/>
+                </p:ext>
+              </p:extLst>
+            </p:nvPr>
+          </p:nvGrpSpPr>
+          <p:grpSpPr>
+            <a:xfrm flipH="1">
+              <a:off x="440267" y="5118101"/>
+              <a:ext cx="650875" cy="1730375"/>
+              <a:chOff x="118533" y="5118101"/>
+              <a:chExt cx="650875" cy="1730375"/>
+            </a:xfrm>
+          </p:grpSpPr>
+          <p:sp>
+            <p:nvSpPr>
+              <p:cNvPr id="30" name="Freeform 32">
+                <a:extLst>
+                  <a:ext uri="{FF2B5EF4-FFF2-40B4-BE49-F238E27FC236}">
+                    <a16:creationId xmlns:a16="http://schemas.microsoft.com/office/drawing/2014/main" id="{07782116-9E46-470F-B527-C3A36D414865}"/>
+                  </a:ext>
+                </a:extLst>
+              </p:cNvPr>
+              <p:cNvSpPr/>
+              <p:nvPr>
+                <p:extLst>
+                  <p:ext uri="{386F3935-93C4-4BCD-93E2-E3B085C9AB24}">
+                    <p16:designElem xmlns:p16="http://schemas.microsoft.com/office/powerpoint/2015/main" val="1"/>
+                  </p:ext>
+                </p:extLst>
+              </p:nvPr>
+            </p:nvSpPr>
+            <p:spPr bwMode="auto">
+              <a:xfrm flipV="1">
+                <a:off x="237596" y="6335713"/>
+                <a:ext cx="417513" cy="512763"/>
+              </a:xfrm>
+              <a:custGeom>
+                <a:avLst/>
+                <a:gdLst/>
+                <a:ahLst/>
+                <a:cxnLst/>
+                <a:rect l="0" t="0" r="r" b="b"/>
+                <a:pathLst>
+                  <a:path w="263" h="323">
+                    <a:moveTo>
+                      <a:pt x="12" y="323"/>
+                    </a:moveTo>
+                    <a:lnTo>
+                      <a:pt x="0" y="314"/>
+                    </a:lnTo>
+                    <a:lnTo>
+                      <a:pt x="203" y="108"/>
+                    </a:lnTo>
+                    <a:lnTo>
+                      <a:pt x="248" y="0"/>
+                    </a:lnTo>
+                    <a:lnTo>
+                      <a:pt x="263" y="6"/>
+                    </a:lnTo>
+                    <a:lnTo>
+                      <a:pt x="218" y="117"/>
+                    </a:lnTo>
+                    <a:lnTo>
+                      <a:pt x="218" y="117"/>
+                    </a:lnTo>
+                    <a:lnTo>
+                      <a:pt x="12" y="323"/>
+                    </a:lnTo>
+                    <a:close/>
+                  </a:path>
+                </a:pathLst>
+              </a:custGeom>
+              <a:solidFill>
+                <a:schemeClr val="tx2">
+                  <a:alpha val="80000"/>
+                </a:schemeClr>
+              </a:solidFill>
+              <a:ln>
+                <a:noFill/>
+              </a:ln>
+              <a:extLst/>
+            </p:spPr>
+          </p:sp>
+          <p:sp>
+            <p:nvSpPr>
+              <p:cNvPr id="31" name="Freeform 33">
+                <a:extLst>
+                  <a:ext uri="{FF2B5EF4-FFF2-40B4-BE49-F238E27FC236}">
+                    <a16:creationId xmlns:a16="http://schemas.microsoft.com/office/drawing/2014/main" id="{604F6622-9907-4906-A0A6-1DC32E5DBB40}"/>
+                  </a:ext>
+                </a:extLst>
+              </p:cNvPr>
+              <p:cNvSpPr>
+                <a:spLocks noEditPoints="1"/>
+              </p:cNvSpPr>
+              <p:nvPr>
+                <p:extLst>
+                  <p:ext uri="{386F3935-93C4-4BCD-93E2-E3B085C9AB24}">
+                    <p16:designElem xmlns:p16="http://schemas.microsoft.com/office/powerpoint/2015/main" val="1"/>
+                  </p:ext>
+                </p:extLst>
+              </p:nvPr>
+            </p:nvSpPr>
+            <p:spPr bwMode="auto">
+              <a:xfrm flipV="1">
+                <a:off x="118533" y="6221413"/>
+                <a:ext cx="157163" cy="152400"/>
+              </a:xfrm>
+              <a:custGeom>
+                <a:avLst/>
+                <a:gdLst/>
+                <a:ahLst/>
+                <a:cxnLst/>
+                <a:rect l="0" t="0" r="r" b="b"/>
+                <a:pathLst>
+                  <a:path w="33" h="32">
+                    <a:moveTo>
+                      <a:pt x="17" y="32"/>
+                    </a:moveTo>
+                    <a:cubicBezTo>
+                      <a:pt x="13" y="32"/>
+                      <a:pt x="9" y="30"/>
+                      <a:pt x="6" y="27"/>
+                    </a:cubicBezTo>
+                    <a:cubicBezTo>
+                      <a:pt x="0" y="21"/>
+                      <a:pt x="0" y="11"/>
+                      <a:pt x="6" y="5"/>
+                    </a:cubicBezTo>
+                    <a:cubicBezTo>
+                      <a:pt x="9" y="2"/>
+                      <a:pt x="13" y="0"/>
+                      <a:pt x="17" y="0"/>
+                    </a:cubicBezTo>
+                    <a:cubicBezTo>
+                      <a:pt x="21" y="0"/>
+                      <a:pt x="25" y="2"/>
+                      <a:pt x="28" y="5"/>
+                    </a:cubicBezTo>
+                    <a:cubicBezTo>
+                      <a:pt x="31" y="8"/>
+                      <a:pt x="33" y="12"/>
+                      <a:pt x="33" y="16"/>
+                    </a:cubicBezTo>
+                    <a:cubicBezTo>
+                      <a:pt x="33" y="20"/>
+                      <a:pt x="31" y="24"/>
+                      <a:pt x="28" y="27"/>
+                    </a:cubicBezTo>
+                    <a:cubicBezTo>
+                      <a:pt x="25" y="30"/>
+                      <a:pt x="21" y="32"/>
+                      <a:pt x="17" y="32"/>
+                    </a:cubicBezTo>
+                    <a:close/>
+                    <a:moveTo>
+                      <a:pt x="17" y="4"/>
+                    </a:moveTo>
+                    <a:cubicBezTo>
+                      <a:pt x="14" y="4"/>
+                      <a:pt x="11" y="6"/>
+                      <a:pt x="9" y="8"/>
+                    </a:cubicBezTo>
+                    <a:cubicBezTo>
+                      <a:pt x="4" y="12"/>
+                      <a:pt x="4" y="20"/>
+                      <a:pt x="9" y="24"/>
+                    </a:cubicBezTo>
+                    <a:cubicBezTo>
+                      <a:pt x="11" y="27"/>
+                      <a:pt x="14" y="28"/>
+                      <a:pt x="17" y="28"/>
+                    </a:cubicBezTo>
+                    <a:cubicBezTo>
+                      <a:pt x="20" y="28"/>
+                      <a:pt x="23" y="27"/>
+                      <a:pt x="26" y="24"/>
+                    </a:cubicBezTo>
+                    <a:cubicBezTo>
+                      <a:pt x="30" y="20"/>
+                      <a:pt x="30" y="12"/>
+                      <a:pt x="26" y="8"/>
+                    </a:cubicBezTo>
+                    <a:cubicBezTo>
+                      <a:pt x="23" y="6"/>
+                      <a:pt x="20" y="4"/>
+                      <a:pt x="17" y="4"/>
+                    </a:cubicBezTo>
+                    <a:close/>
+                  </a:path>
+                </a:pathLst>
+              </a:custGeom>
+              <a:solidFill>
+                <a:schemeClr val="tx2">
+                  <a:alpha val="80000"/>
+                </a:schemeClr>
+              </a:solidFill>
+              <a:ln>
+                <a:noFill/>
+              </a:ln>
+              <a:extLst/>
+            </p:spPr>
+          </p:sp>
+          <p:sp>
+            <p:nvSpPr>
+              <p:cNvPr id="32" name="Freeform 34">
+                <a:extLst>
+                  <a:ext uri="{FF2B5EF4-FFF2-40B4-BE49-F238E27FC236}">
+                    <a16:creationId xmlns:a16="http://schemas.microsoft.com/office/drawing/2014/main" id="{2EFD37C9-9386-4055-89A4-1863E8C06156}"/>
+                  </a:ext>
+                </a:extLst>
+              </p:cNvPr>
+              <p:cNvSpPr>
+                <a:spLocks noEditPoints="1"/>
+              </p:cNvSpPr>
+              <p:nvPr>
+                <p:extLst>
+                  <p:ext uri="{386F3935-93C4-4BCD-93E2-E3B085C9AB24}">
+                    <p16:designElem xmlns:p16="http://schemas.microsoft.com/office/powerpoint/2015/main" val="1"/>
+                  </p:ext>
+                </p:extLst>
+              </p:nvPr>
+            </p:nvSpPr>
+            <p:spPr bwMode="auto">
+              <a:xfrm flipV="1">
+                <a:off x="385233" y="5118101"/>
+                <a:ext cx="188913" cy="190500"/>
+              </a:xfrm>
+              <a:custGeom>
+                <a:avLst/>
+                <a:gdLst/>
+                <a:ahLst/>
+                <a:cxnLst/>
+                <a:rect l="0" t="0" r="r" b="b"/>
+                <a:pathLst>
+                  <a:path w="40" h="40">
+                    <a:moveTo>
+                      <a:pt x="20" y="40"/>
+                    </a:moveTo>
+                    <a:cubicBezTo>
+                      <a:pt x="9" y="40"/>
+                      <a:pt x="0" y="31"/>
+                      <a:pt x="0" y="20"/>
+                    </a:cubicBezTo>
+                    <a:cubicBezTo>
+                      <a:pt x="0" y="9"/>
+                      <a:pt x="9" y="0"/>
+                      <a:pt x="20" y="0"/>
+                    </a:cubicBezTo>
+                    <a:cubicBezTo>
+                      <a:pt x="31" y="0"/>
+                      <a:pt x="40" y="9"/>
+                      <a:pt x="40" y="20"/>
+                    </a:cubicBezTo>
+                    <a:cubicBezTo>
+                      <a:pt x="40" y="31"/>
+                      <a:pt x="31" y="40"/>
+                      <a:pt x="20" y="40"/>
+                    </a:cubicBezTo>
+                    <a:close/>
+                    <a:moveTo>
+                      <a:pt x="20" y="4"/>
+                    </a:moveTo>
+                    <a:cubicBezTo>
+                      <a:pt x="11" y="4"/>
+                      <a:pt x="4" y="11"/>
+                      <a:pt x="4" y="20"/>
+                    </a:cubicBezTo>
+                    <a:cubicBezTo>
+                      <a:pt x="4" y="29"/>
+                      <a:pt x="11" y="36"/>
+                      <a:pt x="20" y="36"/>
+                    </a:cubicBezTo>
+                    <a:cubicBezTo>
+                      <a:pt x="29" y="36"/>
+                      <a:pt x="36" y="29"/>
+                      <a:pt x="36" y="20"/>
+                    </a:cubicBezTo>
+                    <a:cubicBezTo>
+                      <a:pt x="36" y="11"/>
+                      <a:pt x="29" y="4"/>
+                      <a:pt x="20" y="4"/>
+                    </a:cubicBezTo>
+                    <a:close/>
+                  </a:path>
+                </a:pathLst>
+              </a:custGeom>
+              <a:solidFill>
+                <a:schemeClr val="tx2">
+                  <a:alpha val="80000"/>
+                </a:schemeClr>
+              </a:solidFill>
+              <a:ln>
+                <a:noFill/>
+              </a:ln>
+              <a:extLst/>
+            </p:spPr>
+          </p:sp>
+          <p:sp>
+            <p:nvSpPr>
+              <p:cNvPr id="33" name="Freeform 37">
+                <a:extLst>
+                  <a:ext uri="{FF2B5EF4-FFF2-40B4-BE49-F238E27FC236}">
+                    <a16:creationId xmlns:a16="http://schemas.microsoft.com/office/drawing/2014/main" id="{63DB71AB-809F-4204-824E-B78D40C1E232}"/>
+                  </a:ext>
+                </a:extLst>
+              </p:cNvPr>
+              <p:cNvSpPr/>
+              <p:nvPr>
+                <p:extLst>
+                  <p:ext uri="{386F3935-93C4-4BCD-93E2-E3B085C9AB24}">
+                    <p16:designElem xmlns:p16="http://schemas.microsoft.com/office/powerpoint/2015/main" val="1"/>
+                  </p:ext>
+                </p:extLst>
+              </p:nvPr>
+            </p:nvSpPr>
+            <p:spPr bwMode="auto">
+              <a:xfrm flipV="1">
+                <a:off x="464608" y="5299075"/>
+                <a:ext cx="304800" cy="1544638"/>
+              </a:xfrm>
+              <a:custGeom>
+                <a:avLst/>
+                <a:gdLst/>
+                <a:ahLst/>
+                <a:cxnLst/>
+                <a:rect l="0" t="0" r="r" b="b"/>
+                <a:pathLst>
+                  <a:path w="192" h="973">
+                    <a:moveTo>
+                      <a:pt x="15" y="973"/>
+                    </a:moveTo>
+                    <a:lnTo>
+                      <a:pt x="0" y="973"/>
+                    </a:lnTo>
+                    <a:lnTo>
+                      <a:pt x="0" y="790"/>
+                    </a:lnTo>
+                    <a:lnTo>
+                      <a:pt x="174" y="614"/>
+                    </a:lnTo>
+                    <a:lnTo>
+                      <a:pt x="174" y="0"/>
+                    </a:lnTo>
+                    <a:lnTo>
+                      <a:pt x="192" y="0"/>
+                    </a:lnTo>
+                    <a:lnTo>
+                      <a:pt x="192" y="620"/>
+                    </a:lnTo>
+                    <a:lnTo>
+                      <a:pt x="15" y="796"/>
+                    </a:lnTo>
+                    <a:lnTo>
+                      <a:pt x="15" y="973"/>
+                    </a:lnTo>
+                    <a:close/>
+                  </a:path>
+                </a:pathLst>
+              </a:custGeom>
+              <a:solidFill>
+                <a:schemeClr val="tx2">
+                  <a:alpha val="80000"/>
+                </a:schemeClr>
+              </a:solidFill>
+              <a:ln>
+                <a:noFill/>
+              </a:ln>
+              <a:extLst/>
+            </p:spPr>
+          </p:sp>
+        </p:grpSp>
+        <p:grpSp>
+          <p:nvGrpSpPr>
+            <p:cNvPr id="23" name="Group 22">
+              <a:extLst>
+                <a:ext uri="{FF2B5EF4-FFF2-40B4-BE49-F238E27FC236}">
+                  <a16:creationId xmlns:a16="http://schemas.microsoft.com/office/drawing/2014/main" id="{EADC9D47-4147-48BA-877D-A42148765A84}"/>
+                </a:ext>
+              </a:extLst>
+            </p:cNvPr>
+            <p:cNvGrpSpPr/>
+            <p:nvPr>
+              <p:extLst>
+                <p:ext uri="{386F3935-93C4-4BCD-93E2-E3B085C9AB24}">
+                  <p16:designElem xmlns:p16="http://schemas.microsoft.com/office/powerpoint/2015/main" val="1"/>
+                </p:ext>
+              </p:extLst>
+            </p:nvPr>
+          </p:nvGrpSpPr>
+          <p:grpSpPr>
+            <a:xfrm>
+              <a:off x="372533" y="0"/>
+              <a:ext cx="598488" cy="1981201"/>
+              <a:chOff x="194733" y="0"/>
+              <a:chExt cx="598488" cy="1981201"/>
+            </a:xfrm>
+          </p:grpSpPr>
+          <p:sp>
+            <p:nvSpPr>
+              <p:cNvPr id="24" name="Freeform 35">
+                <a:extLst>
+                  <a:ext uri="{FF2B5EF4-FFF2-40B4-BE49-F238E27FC236}">
+                    <a16:creationId xmlns:a16="http://schemas.microsoft.com/office/drawing/2014/main" id="{39FDE9B4-6C4E-446A-BD52-7F201154EE49}"/>
+                  </a:ext>
+                </a:extLst>
+              </p:cNvPr>
+              <p:cNvSpPr/>
+              <p:nvPr>
+                <p:extLst>
+                  <p:ext uri="{386F3935-93C4-4BCD-93E2-E3B085C9AB24}">
+                    <p16:designElem xmlns:p16="http://schemas.microsoft.com/office/powerpoint/2015/main" val="1"/>
+                  </p:ext>
+                </p:extLst>
+              </p:nvPr>
+            </p:nvSpPr>
+            <p:spPr bwMode="auto">
+              <a:xfrm flipV="1">
+                <a:off x="285221" y="0"/>
+                <a:ext cx="298450" cy="1154113"/>
+              </a:xfrm>
+              <a:custGeom>
+                <a:avLst/>
+                <a:gdLst/>
+                <a:ahLst/>
+                <a:cxnLst/>
+                <a:rect l="0" t="0" r="r" b="b"/>
+                <a:pathLst>
+                  <a:path w="188" h="727">
+                    <a:moveTo>
+                      <a:pt x="15" y="727"/>
+                    </a:moveTo>
+                    <a:lnTo>
+                      <a:pt x="0" y="727"/>
+                    </a:lnTo>
+                    <a:lnTo>
+                      <a:pt x="0" y="407"/>
+                    </a:lnTo>
+                    <a:lnTo>
+                      <a:pt x="0" y="407"/>
+                    </a:lnTo>
+                    <a:lnTo>
+                      <a:pt x="176" y="0"/>
+                    </a:lnTo>
+                    <a:lnTo>
+                      <a:pt x="188" y="6"/>
+                    </a:lnTo>
+                    <a:lnTo>
+                      <a:pt x="15" y="410"/>
+                    </a:lnTo>
+                    <a:lnTo>
+                      <a:pt x="15" y="727"/>
+                    </a:lnTo>
+                    <a:close/>
+                  </a:path>
+                </a:pathLst>
+              </a:custGeom>
+              <a:solidFill>
+                <a:schemeClr val="tx2">
+                  <a:alpha val="80000"/>
+                </a:schemeClr>
+              </a:solidFill>
+              <a:ln>
+                <a:noFill/>
+              </a:ln>
+              <a:extLst/>
+            </p:spPr>
+          </p:sp>
+          <p:sp>
+            <p:nvSpPr>
+              <p:cNvPr id="25" name="Freeform 36">
+                <a:extLst>
+                  <a:ext uri="{FF2B5EF4-FFF2-40B4-BE49-F238E27FC236}">
+                    <a16:creationId xmlns:a16="http://schemas.microsoft.com/office/drawing/2014/main" id="{1F3BEEC2-56BA-4F2A-8773-A97A55160E15}"/>
+                  </a:ext>
+                </a:extLst>
+              </p:cNvPr>
+              <p:cNvSpPr>
+                <a:spLocks noEditPoints="1"/>
+              </p:cNvSpPr>
+              <p:nvPr>
+                <p:extLst>
+                  <p:ext uri="{386F3935-93C4-4BCD-93E2-E3B085C9AB24}">
+                    <p16:designElem xmlns:p16="http://schemas.microsoft.com/office/powerpoint/2015/main" val="1"/>
+                  </p:ext>
+                </p:extLst>
+              </p:nvPr>
+            </p:nvSpPr>
+            <p:spPr bwMode="auto">
+              <a:xfrm flipV="1">
+                <a:off x="526521" y="1141413"/>
+                <a:ext cx="157163" cy="155575"/>
+              </a:xfrm>
+              <a:custGeom>
+                <a:avLst/>
+                <a:gdLst/>
+                <a:ahLst/>
+                <a:cxnLst/>
+                <a:rect l="0" t="0" r="r" b="b"/>
+                <a:pathLst>
+                  <a:path w="33" h="33">
+                    <a:moveTo>
+                      <a:pt x="17" y="33"/>
+                    </a:moveTo>
+                    <a:cubicBezTo>
+                      <a:pt x="8" y="33"/>
+                      <a:pt x="0" y="25"/>
+                      <a:pt x="0" y="16"/>
+                    </a:cubicBezTo>
+                    <a:cubicBezTo>
+                      <a:pt x="0" y="7"/>
+                      <a:pt x="8" y="0"/>
+                      <a:pt x="17" y="0"/>
+                    </a:cubicBezTo>
+                    <a:cubicBezTo>
+                      <a:pt x="26" y="0"/>
+                      <a:pt x="33" y="7"/>
+                      <a:pt x="33" y="16"/>
+                    </a:cubicBezTo>
+                    <a:cubicBezTo>
+                      <a:pt x="33" y="25"/>
+                      <a:pt x="26" y="33"/>
+                      <a:pt x="17" y="33"/>
+                    </a:cubicBezTo>
+                    <a:close/>
+                    <a:moveTo>
+                      <a:pt x="17" y="4"/>
+                    </a:moveTo>
+                    <a:cubicBezTo>
+                      <a:pt x="10" y="4"/>
+                      <a:pt x="4" y="9"/>
+                      <a:pt x="4" y="16"/>
+                    </a:cubicBezTo>
+                    <a:cubicBezTo>
+                      <a:pt x="4" y="23"/>
+                      <a:pt x="10" y="29"/>
+                      <a:pt x="17" y="29"/>
+                    </a:cubicBezTo>
+                    <a:cubicBezTo>
+                      <a:pt x="23" y="29"/>
+                      <a:pt x="29" y="23"/>
+                      <a:pt x="29" y="16"/>
+                    </a:cubicBezTo>
+                    <a:cubicBezTo>
+                      <a:pt x="29" y="9"/>
+                      <a:pt x="23" y="4"/>
+                      <a:pt x="17" y="4"/>
+                    </a:cubicBezTo>
+                    <a:close/>
+                  </a:path>
+                </a:pathLst>
+              </a:custGeom>
+              <a:solidFill>
+                <a:schemeClr val="tx2">
+                  <a:alpha val="80000"/>
+                </a:schemeClr>
+              </a:solidFill>
+              <a:ln>
+                <a:noFill/>
+              </a:ln>
+              <a:extLst/>
+            </p:spPr>
+          </p:sp>
+          <p:sp>
+            <p:nvSpPr>
+              <p:cNvPr id="26" name="Freeform 38">
+                <a:extLst>
+                  <a:ext uri="{FF2B5EF4-FFF2-40B4-BE49-F238E27FC236}">
+                    <a16:creationId xmlns:a16="http://schemas.microsoft.com/office/drawing/2014/main" id="{53851CE2-9D59-4593-A63A-17D1C6D86C0D}"/>
+                  </a:ext>
+                </a:extLst>
+              </p:cNvPr>
+              <p:cNvSpPr>
+                <a:spLocks noEditPoints="1"/>
+              </p:cNvSpPr>
+              <p:nvPr>
+                <p:extLst>
+                  <p:ext uri="{386F3935-93C4-4BCD-93E2-E3B085C9AB24}">
+                    <p16:designElem xmlns:p16="http://schemas.microsoft.com/office/powerpoint/2015/main" val="1"/>
+                  </p:ext>
+                </p:extLst>
+              </p:nvPr>
+            </p:nvSpPr>
+            <p:spPr bwMode="auto">
+              <a:xfrm flipV="1">
+                <a:off x="389996" y="1792288"/>
+                <a:ext cx="188913" cy="188913"/>
+              </a:xfrm>
+              <a:custGeom>
+                <a:avLst/>
+                <a:gdLst/>
+                <a:ahLst/>
+                <a:cxnLst/>
+                <a:rect l="0" t="0" r="r" b="b"/>
+                <a:pathLst>
+                  <a:path w="40" h="40">
+                    <a:moveTo>
+                      <a:pt x="20" y="40"/>
+                    </a:moveTo>
+                    <a:cubicBezTo>
+                      <a:pt x="9" y="40"/>
+                      <a:pt x="0" y="31"/>
+                      <a:pt x="0" y="20"/>
+                    </a:cubicBezTo>
+                    <a:cubicBezTo>
+                      <a:pt x="0" y="9"/>
+                      <a:pt x="9" y="0"/>
+                      <a:pt x="20" y="0"/>
+                    </a:cubicBezTo>
+                    <a:cubicBezTo>
+                      <a:pt x="31" y="0"/>
+                      <a:pt x="40" y="9"/>
+                      <a:pt x="40" y="20"/>
+                    </a:cubicBezTo>
+                    <a:cubicBezTo>
+                      <a:pt x="40" y="31"/>
+                      <a:pt x="31" y="40"/>
+                      <a:pt x="20" y="40"/>
+                    </a:cubicBezTo>
+                    <a:close/>
+                    <a:moveTo>
+                      <a:pt x="20" y="4"/>
+                    </a:moveTo>
+                    <a:cubicBezTo>
+                      <a:pt x="11" y="4"/>
+                      <a:pt x="4" y="11"/>
+                      <a:pt x="4" y="20"/>
+                    </a:cubicBezTo>
+                    <a:cubicBezTo>
+                      <a:pt x="4" y="29"/>
+                      <a:pt x="11" y="36"/>
+                      <a:pt x="20" y="36"/>
+                    </a:cubicBezTo>
+                    <a:cubicBezTo>
+                      <a:pt x="29" y="36"/>
+                      <a:pt x="36" y="29"/>
+                      <a:pt x="36" y="20"/>
+                    </a:cubicBezTo>
+                    <a:cubicBezTo>
+                      <a:pt x="36" y="11"/>
+                      <a:pt x="29" y="4"/>
+                      <a:pt x="20" y="4"/>
+                    </a:cubicBezTo>
+                    <a:close/>
+                  </a:path>
+                </a:pathLst>
+              </a:custGeom>
+              <a:solidFill>
+                <a:schemeClr val="tx2">
+                  <a:alpha val="80000"/>
+                </a:schemeClr>
+              </a:solidFill>
+              <a:ln>
+                <a:noFill/>
+              </a:ln>
+              <a:extLst/>
+            </p:spPr>
+          </p:sp>
+          <p:sp>
+            <p:nvSpPr>
+              <p:cNvPr id="27" name="Freeform 39">
+                <a:extLst>
+                  <a:ext uri="{FF2B5EF4-FFF2-40B4-BE49-F238E27FC236}">
+                    <a16:creationId xmlns:a16="http://schemas.microsoft.com/office/drawing/2014/main" id="{F818EF51-1A96-481F-9C3A-18E97869355B}"/>
+                  </a:ext>
+                </a:extLst>
+              </p:cNvPr>
+              <p:cNvSpPr/>
+              <p:nvPr>
+                <p:extLst>
+                  <p:ext uri="{386F3935-93C4-4BCD-93E2-E3B085C9AB24}">
+                    <p16:designElem xmlns:p16="http://schemas.microsoft.com/office/powerpoint/2015/main" val="1"/>
+                  </p:ext>
+                </p:extLst>
+              </p:nvPr>
+            </p:nvSpPr>
+            <p:spPr bwMode="auto">
+              <a:xfrm flipV="1">
+                <a:off x="194733" y="0"/>
+                <a:ext cx="307975" cy="1801813"/>
+              </a:xfrm>
+              <a:custGeom>
+                <a:avLst/>
+                <a:gdLst/>
+                <a:ahLst/>
+                <a:cxnLst/>
+                <a:rect l="0" t="0" r="r" b="b"/>
+                <a:pathLst>
+                  <a:path w="194" h="1135">
+                    <a:moveTo>
+                      <a:pt x="18" y="1135"/>
+                    </a:moveTo>
+                    <a:lnTo>
+                      <a:pt x="0" y="1135"/>
+                    </a:lnTo>
+                    <a:lnTo>
+                      <a:pt x="0" y="354"/>
+                    </a:lnTo>
+                    <a:lnTo>
+                      <a:pt x="176" y="177"/>
+                    </a:lnTo>
+                    <a:lnTo>
+                      <a:pt x="176" y="0"/>
+                    </a:lnTo>
+                    <a:lnTo>
+                      <a:pt x="194" y="0"/>
+                    </a:lnTo>
+                    <a:lnTo>
+                      <a:pt x="194" y="183"/>
+                    </a:lnTo>
+                    <a:lnTo>
+                      <a:pt x="18" y="360"/>
+                    </a:lnTo>
+                    <a:lnTo>
+                      <a:pt x="18" y="1135"/>
+                    </a:lnTo>
+                    <a:close/>
+                  </a:path>
+                </a:pathLst>
+              </a:custGeom>
+              <a:solidFill>
+                <a:schemeClr val="tx2">
+                  <a:alpha val="80000"/>
+                </a:schemeClr>
+              </a:solidFill>
+              <a:ln>
+                <a:noFill/>
+              </a:ln>
+              <a:extLst/>
+            </p:spPr>
+          </p:sp>
+          <p:sp>
+            <p:nvSpPr>
+              <p:cNvPr id="28" name="Freeform 40">
+                <a:extLst>
+                  <a:ext uri="{FF2B5EF4-FFF2-40B4-BE49-F238E27FC236}">
+                    <a16:creationId xmlns:a16="http://schemas.microsoft.com/office/drawing/2014/main" id="{04BA4BDD-0F37-41B4-B8FC-29FF1ADEFA62}"/>
+                  </a:ext>
+                </a:extLst>
+              </p:cNvPr>
+              <p:cNvSpPr>
+                <a:spLocks noEditPoints="1"/>
+              </p:cNvSpPr>
+              <p:nvPr>
+                <p:extLst>
+                  <p:ext uri="{386F3935-93C4-4BCD-93E2-E3B085C9AB24}">
+                    <p16:designElem xmlns:p16="http://schemas.microsoft.com/office/powerpoint/2015/main" val="1"/>
+                  </p:ext>
+                </p:extLst>
+              </p:nvPr>
+            </p:nvSpPr>
+            <p:spPr bwMode="auto">
+              <a:xfrm flipV="1">
+                <a:off x="602721" y="242888"/>
+                <a:ext cx="190500" cy="188913"/>
+              </a:xfrm>
+              <a:custGeom>
+                <a:avLst/>
+                <a:gdLst/>
+                <a:ahLst/>
+                <a:cxnLst/>
+                <a:rect l="0" t="0" r="r" b="b"/>
+                <a:pathLst>
+                  <a:path w="40" h="40">
+                    <a:moveTo>
+                      <a:pt x="20" y="40"/>
+                    </a:moveTo>
+                    <a:cubicBezTo>
+                      <a:pt x="9" y="40"/>
+                      <a:pt x="0" y="31"/>
+                      <a:pt x="0" y="20"/>
+                    </a:cubicBezTo>
+                    <a:cubicBezTo>
+                      <a:pt x="0" y="9"/>
+                      <a:pt x="9" y="0"/>
+                      <a:pt x="20" y="0"/>
+                    </a:cubicBezTo>
+                    <a:cubicBezTo>
+                      <a:pt x="31" y="0"/>
+                      <a:pt x="40" y="9"/>
+                      <a:pt x="40" y="20"/>
+                    </a:cubicBezTo>
+                    <a:cubicBezTo>
+                      <a:pt x="40" y="31"/>
+                      <a:pt x="31" y="40"/>
+                      <a:pt x="20" y="40"/>
+                    </a:cubicBezTo>
+                    <a:close/>
+                    <a:moveTo>
+                      <a:pt x="20" y="4"/>
+                    </a:moveTo>
+                    <a:cubicBezTo>
+                      <a:pt x="12" y="4"/>
+                      <a:pt x="4" y="11"/>
+                      <a:pt x="4" y="20"/>
+                    </a:cubicBezTo>
+                    <a:cubicBezTo>
+                      <a:pt x="4" y="29"/>
+                      <a:pt x="12" y="36"/>
+                      <a:pt x="20" y="36"/>
+                    </a:cubicBezTo>
+                    <a:cubicBezTo>
+                      <a:pt x="29" y="36"/>
+                      <a:pt x="36" y="29"/>
+                      <a:pt x="36" y="20"/>
+                    </a:cubicBezTo>
+                    <a:cubicBezTo>
+                      <a:pt x="36" y="11"/>
+                      <a:pt x="29" y="4"/>
+                      <a:pt x="20" y="4"/>
+                    </a:cubicBezTo>
+                    <a:close/>
+                  </a:path>
+                </a:pathLst>
+              </a:custGeom>
+              <a:solidFill>
+                <a:schemeClr val="tx2">
+                  <a:alpha val="80000"/>
+                </a:schemeClr>
+              </a:solidFill>
+              <a:ln>
+                <a:noFill/>
+              </a:ln>
+              <a:extLst/>
+            </p:spPr>
+          </p:sp>
+          <p:sp>
+            <p:nvSpPr>
+              <p:cNvPr id="29" name="Rectangle 41">
+                <a:extLst>
+                  <a:ext uri="{FF2B5EF4-FFF2-40B4-BE49-F238E27FC236}">
+                    <a16:creationId xmlns:a16="http://schemas.microsoft.com/office/drawing/2014/main" id="{7ADF6EC1-8B68-40C8-AE96-64FA7FCB6FA8}"/>
+                  </a:ext>
+                </a:extLst>
+              </p:cNvPr>
+              <p:cNvSpPr>
+                <a:spLocks noChangeArrowheads="1"/>
+              </p:cNvSpPr>
+              <p:nvPr>
+                <p:extLst>
+                  <p:ext uri="{386F3935-93C4-4BCD-93E2-E3B085C9AB24}">
+                    <p16:designElem xmlns:p16="http://schemas.microsoft.com/office/powerpoint/2015/main" val="1"/>
+                  </p:ext>
+                </p:extLst>
+              </p:nvPr>
+            </p:nvSpPr>
+            <p:spPr bwMode="auto">
+              <a:xfrm flipV="1">
+                <a:off x="693208" y="0"/>
+                <a:ext cx="23813" cy="252413"/>
+              </a:xfrm>
+              <a:prstGeom prst="rect">
+                <a:avLst/>
+              </a:prstGeom>
+              <a:solidFill>
+                <a:schemeClr val="tx2">
+                  <a:alpha val="80000"/>
+                </a:schemeClr>
+              </a:solidFill>
+              <a:ln>
+                <a:noFill/>
+              </a:ln>
+              <a:extLst/>
+            </p:spPr>
+          </p:sp>
+        </p:grpSp>
+      </p:grpSp>
+      <p:pic>
+        <p:nvPicPr>
+          <p:cNvPr id="47" name="Grafik 46" descr="Ein Bild, das Wand, drinnen, Puppe, Spielzeug enthält.&#10;&#10;Mit hoher Zuverlässigkeit generierte Beschreibung">
+            <a:extLst>
+              <a:ext uri="{FF2B5EF4-FFF2-40B4-BE49-F238E27FC236}">
+                <a16:creationId xmlns:a16="http://schemas.microsoft.com/office/drawing/2014/main" id="{09996561-A9AC-4102-B215-372902A502D1}"/>
+              </a:ext>
+            </a:extLst>
+          </p:cNvPr>
+          <p:cNvPicPr>
+            <a:picLocks noChangeAspect="1"/>
+          </p:cNvPicPr>
+          <p:nvPr/>
+        </p:nvPicPr>
+        <p:blipFill>
+          <a:blip r:embed="rId5"/>
+          <a:stretch>
+            <a:fillRect/>
+          </a:stretch>
+        </p:blipFill>
+        <p:spPr>
+          <a:xfrm>
+            <a:off x="2716306" y="900906"/>
+            <a:ext cx="2031813" cy="4441371"/>
+          </a:xfrm>
+          <a:prstGeom prst="rect">
+            <a:avLst/>
+          </a:prstGeom>
+        </p:spPr>
+      </p:pic>
+      <p:sp>
+        <p:nvSpPr>
+          <p:cNvPr id="48" name="Inhaltsplatzhalter 2">
+            <a:extLst>
+              <a:ext uri="{FF2B5EF4-FFF2-40B4-BE49-F238E27FC236}">
+                <a16:creationId xmlns:a16="http://schemas.microsoft.com/office/drawing/2014/main" id="{090F5039-55FF-4542-9F0A-2DA74E3614E3}"/>
+              </a:ext>
+            </a:extLst>
+          </p:cNvPr>
+          <p:cNvSpPr>
+            <a:spLocks noGrp="1"/>
+          </p:cNvSpPr>
+          <p:nvPr>
+            <p:ph idx="1"/>
+          </p:nvPr>
+        </p:nvSpPr>
+        <p:spPr>
+          <a:xfrm>
+            <a:off x="2639576" y="5347711"/>
+            <a:ext cx="2487799" cy="614817"/>
+          </a:xfrm>
+        </p:spPr>
+        <p:txBody>
+          <a:bodyPr anchor="ctr">
+            <a:normAutofit fontScale="92500" lnSpcReduction="20000"/>
+          </a:bodyPr>
+          <a:lstStyle/>
+          <a:p>
+            <a:pPr marL="0" indent="0">
+              <a:buSzPct val="80000"/>
+              <a:buNone/>
+            </a:pPr>
+            <a:r>
+              <a:rPr lang="de-DE" sz="1800" dirty="0"/>
+              <a:t>Charakter 2:</a:t>
+            </a:r>
+            <a:br>
+              <a:rPr lang="de-DE" sz="1800" dirty="0"/>
+            </a:br>
+            <a:r>
+              <a:rPr lang="de-DE" sz="1800" dirty="0"/>
+              <a:t>3D-Modell</a:t>
+            </a:r>
+          </a:p>
+        </p:txBody>
+      </p:sp>
+      <p:pic>
+        <p:nvPicPr>
+          <p:cNvPr id="50" name="Grafik 49" descr="Ein Bild, das Strichzeichnung enthält.&#10;&#10;Mit sehr hoher Zuverlässigkeit generierte Beschreibung">
+            <a:extLst>
+              <a:ext uri="{FF2B5EF4-FFF2-40B4-BE49-F238E27FC236}">
+                <a16:creationId xmlns:a16="http://schemas.microsoft.com/office/drawing/2014/main" id="{7B5F0280-28EC-4F71-A637-6BDE3E089698}"/>
+              </a:ext>
+            </a:extLst>
+          </p:cNvPr>
+          <p:cNvPicPr>
+            <a:picLocks noChangeAspect="1"/>
+          </p:cNvPicPr>
+          <p:nvPr/>
+        </p:nvPicPr>
+        <p:blipFill>
+          <a:blip r:embed="rId6"/>
+          <a:stretch>
+            <a:fillRect/>
+          </a:stretch>
+        </p:blipFill>
+        <p:spPr>
+          <a:xfrm>
+            <a:off x="7354395" y="900906"/>
+            <a:ext cx="2058525" cy="4441371"/>
+          </a:xfrm>
+          <a:prstGeom prst="rect">
+            <a:avLst/>
+          </a:prstGeom>
+        </p:spPr>
+      </p:pic>
+      <p:sp>
+        <p:nvSpPr>
+          <p:cNvPr id="51" name="Inhaltsplatzhalter 2">
+            <a:extLst>
+              <a:ext uri="{FF2B5EF4-FFF2-40B4-BE49-F238E27FC236}">
+                <a16:creationId xmlns:a16="http://schemas.microsoft.com/office/drawing/2014/main" id="{D49BC4E9-882A-4FC4-A982-B41595C6EE83}"/>
+              </a:ext>
+            </a:extLst>
+          </p:cNvPr>
+          <p:cNvSpPr txBox="1">
+            <a:spLocks/>
+          </p:cNvSpPr>
+          <p:nvPr/>
+        </p:nvSpPr>
+        <p:spPr>
+          <a:xfrm>
+            <a:off x="7243620" y="5342277"/>
+            <a:ext cx="2487799" cy="614817"/>
+          </a:xfrm>
+          <a:prstGeom prst="rect">
+            <a:avLst/>
+          </a:prstGeom>
+        </p:spPr>
+        <p:txBody>
+          <a:bodyPr vert="horz" lIns="91440" tIns="45720" rIns="91440" bIns="45720" rtlCol="0" anchor="ctr">
+            <a:normAutofit fontScale="92500" lnSpcReduction="20000"/>
+          </a:bodyPr>
+          <a:lstStyle>
+            <a:lvl1pPr marL="228600" indent="-228600" algn="l" defTabSz="914400" rtl="0" eaLnBrk="1" latinLnBrk="0" hangingPunct="1">
+              <a:lnSpc>
+                <a:spcPct val="120000"/>
+              </a:lnSpc>
+              <a:spcBef>
+                <a:spcPts val="1000"/>
+              </a:spcBef>
+              <a:buSzPct val="125000"/>
+              <a:buFont typeface="Arial" panose="020B0604020202020204" pitchFamily="34" charset="0"/>
+              <a:buChar char="•"/>
+              <a:defRPr sz="2400" kern="1200">
+                <a:solidFill>
+                  <a:schemeClr val="tx1"/>
+                </a:solidFill>
+                <a:latin typeface="+mn-lt"/>
+                <a:ea typeface="+mn-ea"/>
+                <a:cs typeface="+mn-cs"/>
+              </a:defRPr>
+            </a:lvl1pPr>
+            <a:lvl2pPr marL="685800" indent="-228600" algn="l" defTabSz="914400" rtl="0" eaLnBrk="1" latinLnBrk="0" hangingPunct="1">
+              <a:lnSpc>
+                <a:spcPct val="120000"/>
+              </a:lnSpc>
+              <a:spcBef>
+                <a:spcPts val="500"/>
+              </a:spcBef>
+              <a:buSzPct val="125000"/>
+              <a:buFont typeface="Arial" panose="020B0604020202020204" pitchFamily="34" charset="0"/>
+              <a:buChar char="•"/>
+              <a:defRPr sz="2000" kern="1200">
+                <a:solidFill>
+                  <a:schemeClr val="tx1"/>
+                </a:solidFill>
+                <a:latin typeface="+mn-lt"/>
+                <a:ea typeface="+mn-ea"/>
+                <a:cs typeface="+mn-cs"/>
+              </a:defRPr>
+            </a:lvl2pPr>
+            <a:lvl3pPr marL="1143000" indent="-228600" algn="l" defTabSz="914400" rtl="0" eaLnBrk="1" latinLnBrk="0" hangingPunct="1">
+              <a:lnSpc>
+                <a:spcPct val="120000"/>
+              </a:lnSpc>
+              <a:spcBef>
+                <a:spcPts val="500"/>
+              </a:spcBef>
+              <a:buSzPct val="125000"/>
+              <a:buFont typeface="Arial" panose="020B0604020202020204" pitchFamily="34" charset="0"/>
+              <a:buChar char="•"/>
+              <a:defRPr sz="1800" kern="1200">
+                <a:solidFill>
+                  <a:schemeClr val="tx1"/>
+                </a:solidFill>
+                <a:latin typeface="+mn-lt"/>
+                <a:ea typeface="+mn-ea"/>
+                <a:cs typeface="+mn-cs"/>
+              </a:defRPr>
+            </a:lvl3pPr>
+            <a:lvl4pPr marL="1600200" indent="-228600" algn="l" defTabSz="914400" rtl="0" eaLnBrk="1" latinLnBrk="0" hangingPunct="1">
+              <a:lnSpc>
+                <a:spcPct val="120000"/>
+              </a:lnSpc>
+              <a:spcBef>
+                <a:spcPts val="500"/>
+              </a:spcBef>
+              <a:buSzPct val="125000"/>
+              <a:buFont typeface="Arial" panose="020B0604020202020204" pitchFamily="34" charset="0"/>
+              <a:buChar char="•"/>
+              <a:defRPr sz="1600" kern="1200">
+                <a:solidFill>
+                  <a:schemeClr val="tx1"/>
+                </a:solidFill>
+                <a:latin typeface="+mn-lt"/>
+                <a:ea typeface="+mn-ea"/>
+                <a:cs typeface="+mn-cs"/>
+              </a:defRPr>
+            </a:lvl4pPr>
+            <a:lvl5pPr marL="2057400" indent="-228600" algn="l" defTabSz="914400" rtl="0" eaLnBrk="1" latinLnBrk="0" hangingPunct="1">
+              <a:lnSpc>
+                <a:spcPct val="120000"/>
+              </a:lnSpc>
+              <a:spcBef>
+                <a:spcPts val="500"/>
+              </a:spcBef>
+              <a:buSzPct val="125000"/>
+              <a:buFont typeface="Arial" panose="020B0604020202020204" pitchFamily="34" charset="0"/>
+              <a:buChar char="•"/>
+              <a:defRPr sz="1600" kern="1200">
+                <a:solidFill>
+                  <a:schemeClr val="tx1"/>
+                </a:solidFill>
+                <a:latin typeface="+mn-lt"/>
+                <a:ea typeface="+mn-ea"/>
+                <a:cs typeface="+mn-cs"/>
+              </a:defRPr>
+            </a:lvl5pPr>
+            <a:lvl6pPr marL="2514600" indent="-228600" algn="l" defTabSz="914400" rtl="0" eaLnBrk="1" latinLnBrk="0" hangingPunct="1">
+              <a:lnSpc>
+                <a:spcPct val="120000"/>
+              </a:lnSpc>
+              <a:spcBef>
+                <a:spcPts val="500"/>
+              </a:spcBef>
+              <a:buSzPct val="125000"/>
+              <a:buFont typeface="Arial" panose="020B0604020202020204" pitchFamily="34" charset="0"/>
+              <a:buChar char="•"/>
+              <a:defRPr sz="1400" kern="1200">
+                <a:solidFill>
+                  <a:schemeClr val="tx1"/>
+                </a:solidFill>
+                <a:latin typeface="+mn-lt"/>
+                <a:ea typeface="+mn-ea"/>
+                <a:cs typeface="+mn-cs"/>
+              </a:defRPr>
+            </a:lvl6pPr>
+            <a:lvl7pPr marL="2971800" indent="-228600" algn="l" defTabSz="914400" rtl="0" eaLnBrk="1" latinLnBrk="0" hangingPunct="1">
+              <a:lnSpc>
+                <a:spcPct val="120000"/>
+              </a:lnSpc>
+              <a:spcBef>
+                <a:spcPts val="500"/>
+              </a:spcBef>
+              <a:buSzPct val="125000"/>
+              <a:buFont typeface="Arial" panose="020B0604020202020204" pitchFamily="34" charset="0"/>
+              <a:buChar char="•"/>
+              <a:defRPr sz="1400" kern="1200">
+                <a:solidFill>
+                  <a:schemeClr val="tx1"/>
+                </a:solidFill>
+                <a:latin typeface="+mn-lt"/>
+                <a:ea typeface="+mn-ea"/>
+                <a:cs typeface="+mn-cs"/>
+              </a:defRPr>
+            </a:lvl7pPr>
+            <a:lvl8pPr marL="3429000" indent="-228600" algn="l" defTabSz="914400" rtl="0" eaLnBrk="1" latinLnBrk="0" hangingPunct="1">
+              <a:lnSpc>
+                <a:spcPct val="120000"/>
+              </a:lnSpc>
+              <a:spcBef>
+                <a:spcPts val="500"/>
+              </a:spcBef>
+              <a:buSzPct val="125000"/>
+              <a:buFont typeface="Arial" panose="020B0604020202020204" pitchFamily="34" charset="0"/>
+              <a:buChar char="•"/>
+              <a:defRPr sz="1400" kern="1200">
+                <a:solidFill>
+                  <a:schemeClr val="tx1"/>
+                </a:solidFill>
+                <a:latin typeface="+mn-lt"/>
+                <a:ea typeface="+mn-ea"/>
+                <a:cs typeface="+mn-cs"/>
+              </a:defRPr>
+            </a:lvl8pPr>
+            <a:lvl9pPr marL="3886200" indent="-228600" algn="l" defTabSz="914400" rtl="0" eaLnBrk="1" latinLnBrk="0" hangingPunct="1">
+              <a:lnSpc>
+                <a:spcPct val="120000"/>
+              </a:lnSpc>
+              <a:spcBef>
+                <a:spcPts val="500"/>
+              </a:spcBef>
+              <a:buSzPct val="125000"/>
+              <a:buFont typeface="Arial" panose="020B0604020202020204" pitchFamily="34" charset="0"/>
+              <a:buChar char="•"/>
+              <a:defRPr sz="1400" kern="1200">
+                <a:solidFill>
+                  <a:schemeClr val="tx1"/>
+                </a:solidFill>
+                <a:latin typeface="+mn-lt"/>
+                <a:ea typeface="+mn-ea"/>
+                <a:cs typeface="+mn-cs"/>
+              </a:defRPr>
+            </a:lvl9pPr>
+          </a:lstStyle>
+          <a:p>
+            <a:pPr marL="0" indent="0">
+              <a:buSzPct val="80000"/>
+              <a:buFont typeface="Arial" panose="020B0604020202020204" pitchFamily="34" charset="0"/>
+              <a:buNone/>
+            </a:pPr>
+            <a:r>
+              <a:rPr lang="de-DE" sz="1800" dirty="0"/>
+              <a:t>Gegner Fernkampfeinheit:</a:t>
+            </a:r>
+            <a:br>
+              <a:rPr lang="de-DE" sz="1800" dirty="0"/>
+            </a:br>
+            <a:r>
+              <a:rPr lang="de-DE" sz="1800" dirty="0"/>
+              <a:t>Konzept</a:t>
+            </a:r>
+          </a:p>
+        </p:txBody>
+      </p:sp>
+    </p:spTree>
+    <p:extLst>
+      <p:ext uri="{BB962C8B-B14F-4D97-AF65-F5344CB8AC3E}">
+        <p14:creationId xmlns:p14="http://schemas.microsoft.com/office/powerpoint/2010/main" val="3950269628"/>
+      </p:ext>
+    </p:extLst>
+  </p:cSld>
+  <p:clrMapOvr>
+    <a:masterClrMapping/>
+  </p:clrMapOvr>
+  <mc:AlternateContent xmlns:mc="http://schemas.openxmlformats.org/markup-compatibility/2006" xmlns:p159="http://schemas.microsoft.com/office/powerpoint/2015/09/main">
+    <mc:Choice Requires="p159">
+      <p:transition xmlns:p14="http://schemas.microsoft.com/office/powerpoint/2010/main" spd="slow" p14:dur="2000">
+        <p159:morph option="byObject"/>
+      </p:transition>
+    </mc:Choice>
+    <mc:Fallback xmlns="">
+      <p:transition spd="slow">
+        <p:fade/>
+      </p:transition>
+    </mc:Fallback>
+  </mc:AlternateContent>
+</p:sld>
+</file>
+
+<file path=ppt/slides/slide9.xml><?xml version="1.0" encoding="utf-8"?>
+<p:sld xmlns:a="http://schemas.openxmlformats.org/drawingml/2006/main" xmlns:r="http://schemas.openxmlformats.org/officeDocument/2006/relationships" xmlns:p="http://schemas.openxmlformats.org/presentationml/2006/main">
+  <p:cSld>
+    <p:bg>
+      <p:bgPr>
+        <a:blipFill>
+          <a:blip r:embed="rId2">
+            <a:duotone>
+              <a:schemeClr val="bg2">
+                <a:shade val="48000"/>
+                <a:hueMod val="106000"/>
+                <a:satMod val="140000"/>
+                <a:lumMod val="42000"/>
+              </a:schemeClr>
+              <a:schemeClr val="bg2">
+                <a:tint val="98000"/>
+                <a:hueMod val="92000"/>
+                <a:satMod val="220000"/>
+                <a:lumMod val="90000"/>
+              </a:schemeClr>
+            </a:duotone>
+            <a:extLst/>
+          </a:blip>
+          <a:stretch/>
+        </a:blipFill>
+        <a:effectLst/>
+      </p:bgPr>
+    </p:bg>
+    <p:spTree>
+      <p:nvGrpSpPr>
+        <p:cNvPr id="1" name=""/>
+        <p:cNvGrpSpPr/>
+        <p:nvPr/>
+      </p:nvGrpSpPr>
+      <p:grpSpPr>
+        <a:xfrm>
+          <a:off x="0" y="0"/>
+          <a:ext cx="0" cy="0"/>
+          <a:chOff x="0" y="0"/>
+          <a:chExt cx="0" cy="0"/>
+        </a:xfrm>
+      </p:grpSpPr>
+      <p:grpSp>
+        <p:nvGrpSpPr>
           <p:cNvPr id="12" name="Group 11">
             <a:extLst>
               <a:ext uri="{FF2B5EF4-FFF2-40B4-BE49-F238E27FC236}">
@@ -26399,7 +31047,7 @@
             <a:noFill/>
             <a:extLst>
               <a:ext uri="{909E8E84-426E-40dd-AFC4-6F175D3DCCD1}">
-                <a14:hiddenFill xmlns:a14="http://schemas.microsoft.com/office/drawing/2010/main" xmlns:p14="http://schemas.microsoft.com/office/powerpoint/2010/main" xmlns="">
+                <a14:hiddenFill xmlns="" xmlns:p14="http://schemas.microsoft.com/office/powerpoint/2010/main" xmlns:a14="http://schemas.microsoft.com/office/drawing/2010/main">
                   <a:solidFill>
                     <a:srgbClr val="FFFFFF"/>
                   </a:solidFill>
